--- a/Educational Loans Repayment.pptx
+++ b/Educational Loans Repayment.pptx
@@ -1368,442 +1368,6 @@
       <dsp:cNvGrpSpPr/>
     </dsp:nvGrpSpPr>
     <dsp:grpSpPr/>
-    <dsp:sp modelId="{6FC7205F-6AE8-49C7-9553-4D4683B4BC2F}">
-      <dsp:nvSpPr>
-        <dsp:cNvPr id="0" name=""/>
-        <dsp:cNvSpPr/>
-      </dsp:nvSpPr>
-      <dsp:spPr>
-        <a:xfrm>
-          <a:off x="3104102" y="-27825"/>
-          <a:ext cx="4307394" cy="4307394"/>
-        </a:xfrm>
-        <a:prstGeom prst="circularArrow">
-          <a:avLst>
-            <a:gd name="adj1" fmla="val 5544"/>
-            <a:gd name="adj2" fmla="val 330680"/>
-            <a:gd name="adj3" fmla="val 13736417"/>
-            <a:gd name="adj4" fmla="val 17410056"/>
-            <a:gd name="adj5" fmla="val 5757"/>
-          </a:avLst>
-        </a:prstGeom>
-        <a:solidFill>
-          <a:schemeClr val="accent1">
-            <a:tint val="40000"/>
-            <a:hueOff val="0"/>
-            <a:satOff val="0"/>
-            <a:lumOff val="0"/>
-            <a:alphaOff val="0"/>
-          </a:schemeClr>
-        </a:solidFill>
-        <a:ln>
-          <a:noFill/>
-        </a:ln>
-        <a:effectLst/>
-      </dsp:spPr>
-      <dsp:style>
-        <a:lnRef idx="0">
-          <a:scrgbClr r="0" g="0" b="0"/>
-        </a:lnRef>
-        <a:fillRef idx="1">
-          <a:scrgbClr r="0" g="0" b="0"/>
-        </a:fillRef>
-        <a:effectRef idx="0">
-          <a:scrgbClr r="0" g="0" b="0"/>
-        </a:effectRef>
-        <a:fontRef idx="minor"/>
-      </dsp:style>
-    </dsp:sp>
-    <dsp:sp modelId="{0CCEA857-E7C8-4792-AA34-8F0E8E7B7663}">
-      <dsp:nvSpPr>
-        <dsp:cNvPr id="0" name=""/>
-        <dsp:cNvSpPr/>
-      </dsp:nvSpPr>
-      <dsp:spPr>
-        <a:xfrm>
-          <a:off x="4232169" y="1414"/>
-          <a:ext cx="2051260" cy="1025630"/>
-        </a:xfrm>
-        <a:prstGeom prst="parallelogram">
-          <a:avLst/>
-        </a:prstGeom>
-        <a:solidFill>
-          <a:schemeClr val="accent1">
-            <a:shade val="80000"/>
-            <a:hueOff val="0"/>
-            <a:satOff val="0"/>
-            <a:lumOff val="0"/>
-            <a:alphaOff val="0"/>
-          </a:schemeClr>
-        </a:solidFill>
-        <a:ln w="12700" cap="flat" cmpd="sng" algn="ctr">
-          <a:solidFill>
-            <a:schemeClr val="lt1">
-              <a:hueOff val="0"/>
-              <a:satOff val="0"/>
-              <a:lumOff val="0"/>
-              <a:alphaOff val="0"/>
-            </a:schemeClr>
-          </a:solidFill>
-          <a:prstDash val="solid"/>
-          <a:miter lim="800000"/>
-        </a:ln>
-        <a:effectLst/>
-      </dsp:spPr>
-      <dsp:style>
-        <a:lnRef idx="2">
-          <a:scrgbClr r="0" g="0" b="0"/>
-        </a:lnRef>
-        <a:fillRef idx="1">
-          <a:scrgbClr r="0" g="0" b="0"/>
-        </a:fillRef>
-        <a:effectRef idx="0">
-          <a:scrgbClr r="0" g="0" b="0"/>
-        </a:effectRef>
-        <a:fontRef idx="minor">
-          <a:schemeClr val="lt1"/>
-        </a:fontRef>
-      </dsp:style>
-      <dsp:txBody>
-        <a:bodyPr spcFirstLastPara="0" vert="horz" wrap="square" lIns="99060" tIns="99060" rIns="99060" bIns="99060" numCol="1" spcCol="1270" anchor="ctr" anchorCtr="0">
-          <a:noAutofit/>
-        </a:bodyPr>
-        <a:lstStyle/>
-        <a:p>
-          <a:pPr lvl="0" algn="ctr" defTabSz="1155700">
-            <a:lnSpc>
-              <a:spcPct val="90000"/>
-            </a:lnSpc>
-            <a:spcBef>
-              <a:spcPct val="0"/>
-            </a:spcBef>
-            <a:spcAft>
-              <a:spcPct val="35000"/>
-            </a:spcAft>
-          </a:pPr>
-          <a:r>
-            <a:rPr lang="en-US" sz="2600" kern="1200" dirty="0"/>
-            <a:t>Data</a:t>
-          </a:r>
-        </a:p>
-      </dsp:txBody>
-      <dsp:txXfrm>
-        <a:off x="4509944" y="140301"/>
-        <a:ext cx="1495710" cy="747856"/>
-      </dsp:txXfrm>
-    </dsp:sp>
-    <dsp:sp modelId="{AE8DAA40-5F26-48AD-B3C8-FE38E606A6F4}">
-      <dsp:nvSpPr>
-        <dsp:cNvPr id="0" name=""/>
-        <dsp:cNvSpPr/>
-      </dsp:nvSpPr>
-      <dsp:spPr>
-        <a:xfrm>
-          <a:off x="5979109" y="1270641"/>
-          <a:ext cx="2051260" cy="1025630"/>
-        </a:xfrm>
-        <a:prstGeom prst="roundRect">
-          <a:avLst/>
-        </a:prstGeom>
-        <a:solidFill>
-          <a:schemeClr val="accent1">
-            <a:shade val="80000"/>
-            <a:hueOff val="87321"/>
-            <a:satOff val="-1564"/>
-            <a:lumOff val="6646"/>
-            <a:alphaOff val="0"/>
-          </a:schemeClr>
-        </a:solidFill>
-        <a:ln w="12700" cap="flat" cmpd="sng" algn="ctr">
-          <a:solidFill>
-            <a:schemeClr val="lt1">
-              <a:hueOff val="0"/>
-              <a:satOff val="0"/>
-              <a:lumOff val="0"/>
-              <a:alphaOff val="0"/>
-            </a:schemeClr>
-          </a:solidFill>
-          <a:prstDash val="solid"/>
-          <a:miter lim="800000"/>
-        </a:ln>
-        <a:effectLst/>
-      </dsp:spPr>
-      <dsp:style>
-        <a:lnRef idx="2">
-          <a:scrgbClr r="0" g="0" b="0"/>
-        </a:lnRef>
-        <a:fillRef idx="1">
-          <a:scrgbClr r="0" g="0" b="0"/>
-        </a:fillRef>
-        <a:effectRef idx="0">
-          <a:scrgbClr r="0" g="0" b="0"/>
-        </a:effectRef>
-        <a:fontRef idx="minor">
-          <a:schemeClr val="lt1"/>
-        </a:fontRef>
-      </dsp:style>
-      <dsp:txBody>
-        <a:bodyPr spcFirstLastPara="0" vert="horz" wrap="square" lIns="99060" tIns="99060" rIns="99060" bIns="99060" numCol="1" spcCol="1270" anchor="ctr" anchorCtr="0">
-          <a:noAutofit/>
-        </a:bodyPr>
-        <a:lstStyle/>
-        <a:p>
-          <a:pPr lvl="0" algn="ctr" defTabSz="1155700">
-            <a:lnSpc>
-              <a:spcPct val="90000"/>
-            </a:lnSpc>
-            <a:spcBef>
-              <a:spcPct val="0"/>
-            </a:spcBef>
-            <a:spcAft>
-              <a:spcPct val="35000"/>
-            </a:spcAft>
-          </a:pPr>
-          <a:r>
-            <a:rPr lang="en-US" sz="2600" kern="1200" dirty="0"/>
-            <a:t>Data Preparation</a:t>
-          </a:r>
-        </a:p>
-      </dsp:txBody>
-      <dsp:txXfrm>
-        <a:off x="6029176" y="1320708"/>
-        <a:ext cx="1951126" cy="925496"/>
-      </dsp:txXfrm>
-    </dsp:sp>
-    <dsp:sp modelId="{6D4E9B0F-D149-416B-9772-4EDB1350C034}">
-      <dsp:nvSpPr>
-        <dsp:cNvPr id="0" name=""/>
-        <dsp:cNvSpPr/>
-      </dsp:nvSpPr>
-      <dsp:spPr>
-        <a:xfrm>
-          <a:off x="5311838" y="3324292"/>
-          <a:ext cx="2051260" cy="1025630"/>
-        </a:xfrm>
-        <a:prstGeom prst="roundRect">
-          <a:avLst/>
-        </a:prstGeom>
-        <a:solidFill>
-          <a:schemeClr val="accent1">
-            <a:shade val="80000"/>
-            <a:hueOff val="174641"/>
-            <a:satOff val="-3128"/>
-            <a:lumOff val="13293"/>
-            <a:alphaOff val="0"/>
-          </a:schemeClr>
-        </a:solidFill>
-        <a:ln w="12700" cap="flat" cmpd="sng" algn="ctr">
-          <a:solidFill>
-            <a:schemeClr val="lt1">
-              <a:hueOff val="0"/>
-              <a:satOff val="0"/>
-              <a:lumOff val="0"/>
-              <a:alphaOff val="0"/>
-            </a:schemeClr>
-          </a:solidFill>
-          <a:prstDash val="solid"/>
-          <a:miter lim="800000"/>
-        </a:ln>
-        <a:effectLst/>
-      </dsp:spPr>
-      <dsp:style>
-        <a:lnRef idx="2">
-          <a:scrgbClr r="0" g="0" b="0"/>
-        </a:lnRef>
-        <a:fillRef idx="1">
-          <a:scrgbClr r="0" g="0" b="0"/>
-        </a:fillRef>
-        <a:effectRef idx="0">
-          <a:scrgbClr r="0" g="0" b="0"/>
-        </a:effectRef>
-        <a:fontRef idx="minor">
-          <a:schemeClr val="lt1"/>
-        </a:fontRef>
-      </dsp:style>
-      <dsp:txBody>
-        <a:bodyPr spcFirstLastPara="0" vert="horz" wrap="square" lIns="99060" tIns="99060" rIns="99060" bIns="99060" numCol="1" spcCol="1270" anchor="ctr" anchorCtr="0">
-          <a:noAutofit/>
-        </a:bodyPr>
-        <a:lstStyle/>
-        <a:p>
-          <a:pPr lvl="0" algn="ctr" defTabSz="1155700">
-            <a:lnSpc>
-              <a:spcPct val="90000"/>
-            </a:lnSpc>
-            <a:spcBef>
-              <a:spcPct val="0"/>
-            </a:spcBef>
-            <a:spcAft>
-              <a:spcPct val="35000"/>
-            </a:spcAft>
-          </a:pPr>
-          <a:r>
-            <a:rPr lang="en-US" sz="2600" kern="1200" dirty="0"/>
-            <a:t>Modeling</a:t>
-          </a:r>
-        </a:p>
-      </dsp:txBody>
-      <dsp:txXfrm>
-        <a:off x="5361905" y="3374359"/>
-        <a:ext cx="1951126" cy="925496"/>
-      </dsp:txXfrm>
-    </dsp:sp>
-    <dsp:sp modelId="{0B87A5EF-A3BB-41D2-90F8-7949725D0E05}">
-      <dsp:nvSpPr>
-        <dsp:cNvPr id="0" name=""/>
-        <dsp:cNvSpPr/>
-      </dsp:nvSpPr>
-      <dsp:spPr>
-        <a:xfrm>
-          <a:off x="3152501" y="3324292"/>
-          <a:ext cx="2051260" cy="1025630"/>
-        </a:xfrm>
-        <a:prstGeom prst="roundRect">
-          <a:avLst/>
-        </a:prstGeom>
-        <a:solidFill>
-          <a:schemeClr val="accent1">
-            <a:shade val="80000"/>
-            <a:hueOff val="261962"/>
-            <a:satOff val="-4692"/>
-            <a:lumOff val="19939"/>
-            <a:alphaOff val="0"/>
-          </a:schemeClr>
-        </a:solidFill>
-        <a:ln w="12700" cap="flat" cmpd="sng" algn="ctr">
-          <a:solidFill>
-            <a:schemeClr val="lt1">
-              <a:hueOff val="0"/>
-              <a:satOff val="0"/>
-              <a:lumOff val="0"/>
-              <a:alphaOff val="0"/>
-            </a:schemeClr>
-          </a:solidFill>
-          <a:prstDash val="solid"/>
-          <a:miter lim="800000"/>
-        </a:ln>
-        <a:effectLst/>
-      </dsp:spPr>
-      <dsp:style>
-        <a:lnRef idx="2">
-          <a:scrgbClr r="0" g="0" b="0"/>
-        </a:lnRef>
-        <a:fillRef idx="1">
-          <a:scrgbClr r="0" g="0" b="0"/>
-        </a:fillRef>
-        <a:effectRef idx="0">
-          <a:scrgbClr r="0" g="0" b="0"/>
-        </a:effectRef>
-        <a:fontRef idx="minor">
-          <a:schemeClr val="lt1"/>
-        </a:fontRef>
-      </dsp:style>
-      <dsp:txBody>
-        <a:bodyPr spcFirstLastPara="0" vert="horz" wrap="square" lIns="99060" tIns="99060" rIns="99060" bIns="99060" numCol="1" spcCol="1270" anchor="ctr" anchorCtr="0">
-          <a:noAutofit/>
-        </a:bodyPr>
-        <a:lstStyle/>
-        <a:p>
-          <a:pPr lvl="0" algn="ctr" defTabSz="1155700">
-            <a:lnSpc>
-              <a:spcPct val="90000"/>
-            </a:lnSpc>
-            <a:spcBef>
-              <a:spcPct val="0"/>
-            </a:spcBef>
-            <a:spcAft>
-              <a:spcPct val="35000"/>
-            </a:spcAft>
-          </a:pPr>
-          <a:r>
-            <a:rPr lang="en-US" sz="2600" kern="1200" dirty="0"/>
-            <a:t>Evaluation</a:t>
-          </a:r>
-        </a:p>
-      </dsp:txBody>
-      <dsp:txXfrm>
-        <a:off x="3202568" y="3374359"/>
-        <a:ext cx="1951126" cy="925496"/>
-      </dsp:txXfrm>
-    </dsp:sp>
-    <dsp:sp modelId="{A9F9EA1C-1D31-418D-A625-C89682CDEF04}">
-      <dsp:nvSpPr>
-        <dsp:cNvPr id="0" name=""/>
-        <dsp:cNvSpPr/>
-      </dsp:nvSpPr>
-      <dsp:spPr>
-        <a:xfrm>
-          <a:off x="2485229" y="1270641"/>
-          <a:ext cx="2051260" cy="1025630"/>
-        </a:xfrm>
-        <a:prstGeom prst="roundRect">
-          <a:avLst/>
-        </a:prstGeom>
-        <a:solidFill>
-          <a:schemeClr val="accent1">
-            <a:shade val="80000"/>
-            <a:hueOff val="349283"/>
-            <a:satOff val="-6256"/>
-            <a:lumOff val="26585"/>
-            <a:alphaOff val="0"/>
-          </a:schemeClr>
-        </a:solidFill>
-        <a:ln w="12700" cap="flat" cmpd="sng" algn="ctr">
-          <a:solidFill>
-            <a:schemeClr val="lt1">
-              <a:hueOff val="0"/>
-              <a:satOff val="0"/>
-              <a:lumOff val="0"/>
-              <a:alphaOff val="0"/>
-            </a:schemeClr>
-          </a:solidFill>
-          <a:prstDash val="solid"/>
-          <a:miter lim="800000"/>
-        </a:ln>
-        <a:effectLst/>
-      </dsp:spPr>
-      <dsp:style>
-        <a:lnRef idx="2">
-          <a:scrgbClr r="0" g="0" b="0"/>
-        </a:lnRef>
-        <a:fillRef idx="1">
-          <a:scrgbClr r="0" g="0" b="0"/>
-        </a:fillRef>
-        <a:effectRef idx="0">
-          <a:scrgbClr r="0" g="0" b="0"/>
-        </a:effectRef>
-        <a:fontRef idx="minor">
-          <a:schemeClr val="lt1"/>
-        </a:fontRef>
-      </dsp:style>
-      <dsp:txBody>
-        <a:bodyPr spcFirstLastPara="0" vert="horz" wrap="square" lIns="99060" tIns="99060" rIns="99060" bIns="99060" numCol="1" spcCol="1270" anchor="ctr" anchorCtr="0">
-          <a:noAutofit/>
-        </a:bodyPr>
-        <a:lstStyle/>
-        <a:p>
-          <a:pPr lvl="0" algn="ctr" defTabSz="1155700">
-            <a:lnSpc>
-              <a:spcPct val="90000"/>
-            </a:lnSpc>
-            <a:spcBef>
-              <a:spcPct val="0"/>
-            </a:spcBef>
-            <a:spcAft>
-              <a:spcPct val="35000"/>
-            </a:spcAft>
-          </a:pPr>
-          <a:r>
-            <a:rPr lang="en-US" sz="2600" kern="1200" dirty="0"/>
-            <a:t>Deployment</a:t>
-          </a:r>
-        </a:p>
-      </dsp:txBody>
-      <dsp:txXfrm>
-        <a:off x="2535296" y="1320708"/>
-        <a:ext cx="1951126" cy="925496"/>
-      </dsp:txXfrm>
-    </dsp:sp>
   </dsp:spTree>
 </dsp:drawing>
 </file>
@@ -3267,7 +2831,7 @@
           <p:cNvPr id="2" name="Title 1">
             <a:extLst>
               <a:ext uri="{FF2B5EF4-FFF2-40B4-BE49-F238E27FC236}">
-                <a16:creationId xmlns:a16="http://schemas.microsoft.com/office/drawing/2014/main" xmlns="" id="{13FD9A55-AAC0-48BA-8217-2E89DF564A61}"/>
+                <a16:creationId xmlns="" xmlns:a16="http://schemas.microsoft.com/office/drawing/2014/main" id="{13FD9A55-AAC0-48BA-8217-2E89DF564A61}"/>
               </a:ext>
             </a:extLst>
           </p:cNvPr>
@@ -3304,7 +2868,7 @@
           <p:cNvPr id="3" name="Subtitle 2">
             <a:extLst>
               <a:ext uri="{FF2B5EF4-FFF2-40B4-BE49-F238E27FC236}">
-                <a16:creationId xmlns:a16="http://schemas.microsoft.com/office/drawing/2014/main" xmlns="" id="{A1737C7E-9A5F-4631-9A90-C6759D1B4E3E}"/>
+                <a16:creationId xmlns="" xmlns:a16="http://schemas.microsoft.com/office/drawing/2014/main" id="{A1737C7E-9A5F-4631-9A90-C6759D1B4E3E}"/>
               </a:ext>
             </a:extLst>
           </p:cNvPr>
@@ -3374,7 +2938,7 @@
           <p:cNvPr id="4" name="Date Placeholder 3">
             <a:extLst>
               <a:ext uri="{FF2B5EF4-FFF2-40B4-BE49-F238E27FC236}">
-                <a16:creationId xmlns:a16="http://schemas.microsoft.com/office/drawing/2014/main" xmlns="" id="{2EF7626C-0BE1-4950-8FF6-98D97C1AE04C}"/>
+                <a16:creationId xmlns="" xmlns:a16="http://schemas.microsoft.com/office/drawing/2014/main" id="{2EF7626C-0BE1-4950-8FF6-98D97C1AE04C}"/>
               </a:ext>
             </a:extLst>
           </p:cNvPr>
@@ -3392,7 +2956,7 @@
           <a:p>
             <a:fld id="{88482940-FF35-4572-8E5A-CB20602E0318}" type="datetimeFigureOut">
               <a:rPr lang="en-US" smtClean="0"/>
-              <a:t>2/10/2020</a:t>
+              <a:t>2/11/2020</a:t>
             </a:fld>
             <a:endParaRPr lang="en-US"/>
           </a:p>
@@ -3403,7 +2967,7 @@
           <p:cNvPr id="5" name="Footer Placeholder 4">
             <a:extLst>
               <a:ext uri="{FF2B5EF4-FFF2-40B4-BE49-F238E27FC236}">
-                <a16:creationId xmlns:a16="http://schemas.microsoft.com/office/drawing/2014/main" xmlns="" id="{F9797D48-008B-4F4C-8812-AFB35636CA5B}"/>
+                <a16:creationId xmlns="" xmlns:a16="http://schemas.microsoft.com/office/drawing/2014/main" id="{F9797D48-008B-4F4C-8812-AFB35636CA5B}"/>
               </a:ext>
             </a:extLst>
           </p:cNvPr>
@@ -3428,7 +2992,7 @@
           <p:cNvPr id="6" name="Slide Number Placeholder 5">
             <a:extLst>
               <a:ext uri="{FF2B5EF4-FFF2-40B4-BE49-F238E27FC236}">
-                <a16:creationId xmlns:a16="http://schemas.microsoft.com/office/drawing/2014/main" xmlns="" id="{6B1C11B8-205E-436D-B59F-32680FA5B506}"/>
+                <a16:creationId xmlns="" xmlns:a16="http://schemas.microsoft.com/office/drawing/2014/main" id="{6B1C11B8-205E-436D-B59F-32680FA5B506}"/>
               </a:ext>
             </a:extLst>
           </p:cNvPr>
@@ -3487,7 +3051,7 @@
           <p:cNvPr id="2" name="Title 1">
             <a:extLst>
               <a:ext uri="{FF2B5EF4-FFF2-40B4-BE49-F238E27FC236}">
-                <a16:creationId xmlns:a16="http://schemas.microsoft.com/office/drawing/2014/main" xmlns="" id="{908368A3-BCAD-410B-B491-7A7FC5429902}"/>
+                <a16:creationId xmlns="" xmlns:a16="http://schemas.microsoft.com/office/drawing/2014/main" id="{908368A3-BCAD-410B-B491-7A7FC5429902}"/>
               </a:ext>
             </a:extLst>
           </p:cNvPr>
@@ -3515,7 +3079,7 @@
           <p:cNvPr id="3" name="Vertical Text Placeholder 2">
             <a:extLst>
               <a:ext uri="{FF2B5EF4-FFF2-40B4-BE49-F238E27FC236}">
-                <a16:creationId xmlns:a16="http://schemas.microsoft.com/office/drawing/2014/main" xmlns="" id="{ECE5B146-156D-41C1-82B9-938240F6BAF1}"/>
+                <a16:creationId xmlns="" xmlns:a16="http://schemas.microsoft.com/office/drawing/2014/main" id="{ECE5B146-156D-41C1-82B9-938240F6BAF1}"/>
               </a:ext>
             </a:extLst>
           </p:cNvPr>
@@ -3572,7 +3136,7 @@
           <p:cNvPr id="4" name="Date Placeholder 3">
             <a:extLst>
               <a:ext uri="{FF2B5EF4-FFF2-40B4-BE49-F238E27FC236}">
-                <a16:creationId xmlns:a16="http://schemas.microsoft.com/office/drawing/2014/main" xmlns="" id="{E51CCF0D-67B7-42C4-ACC6-5DDA785B4BB7}"/>
+                <a16:creationId xmlns="" xmlns:a16="http://schemas.microsoft.com/office/drawing/2014/main" id="{E51CCF0D-67B7-42C4-ACC6-5DDA785B4BB7}"/>
               </a:ext>
             </a:extLst>
           </p:cNvPr>
@@ -3590,7 +3154,7 @@
           <a:p>
             <a:fld id="{88482940-FF35-4572-8E5A-CB20602E0318}" type="datetimeFigureOut">
               <a:rPr lang="en-US" smtClean="0"/>
-              <a:t>2/10/2020</a:t>
+              <a:t>2/11/2020</a:t>
             </a:fld>
             <a:endParaRPr lang="en-US"/>
           </a:p>
@@ -3601,7 +3165,7 @@
           <p:cNvPr id="5" name="Footer Placeholder 4">
             <a:extLst>
               <a:ext uri="{FF2B5EF4-FFF2-40B4-BE49-F238E27FC236}">
-                <a16:creationId xmlns:a16="http://schemas.microsoft.com/office/drawing/2014/main" xmlns="" id="{9400922A-E76A-4147-8BCA-3432B636F086}"/>
+                <a16:creationId xmlns="" xmlns:a16="http://schemas.microsoft.com/office/drawing/2014/main" id="{9400922A-E76A-4147-8BCA-3432B636F086}"/>
               </a:ext>
             </a:extLst>
           </p:cNvPr>
@@ -3626,7 +3190,7 @@
           <p:cNvPr id="6" name="Slide Number Placeholder 5">
             <a:extLst>
               <a:ext uri="{FF2B5EF4-FFF2-40B4-BE49-F238E27FC236}">
-                <a16:creationId xmlns:a16="http://schemas.microsoft.com/office/drawing/2014/main" xmlns="" id="{C8475BB1-AA77-43BA-B67F-A70A0D6B80B5}"/>
+                <a16:creationId xmlns="" xmlns:a16="http://schemas.microsoft.com/office/drawing/2014/main" id="{C8475BB1-AA77-43BA-B67F-A70A0D6B80B5}"/>
               </a:ext>
             </a:extLst>
           </p:cNvPr>
@@ -3685,7 +3249,7 @@
           <p:cNvPr id="2" name="Vertical Title 1">
             <a:extLst>
               <a:ext uri="{FF2B5EF4-FFF2-40B4-BE49-F238E27FC236}">
-                <a16:creationId xmlns:a16="http://schemas.microsoft.com/office/drawing/2014/main" xmlns="" id="{00597DB6-F543-4DD6-8BD2-6D9521304A16}"/>
+                <a16:creationId xmlns="" xmlns:a16="http://schemas.microsoft.com/office/drawing/2014/main" id="{00597DB6-F543-4DD6-8BD2-6D9521304A16}"/>
               </a:ext>
             </a:extLst>
           </p:cNvPr>
@@ -3718,7 +3282,7 @@
           <p:cNvPr id="3" name="Vertical Text Placeholder 2">
             <a:extLst>
               <a:ext uri="{FF2B5EF4-FFF2-40B4-BE49-F238E27FC236}">
-                <a16:creationId xmlns:a16="http://schemas.microsoft.com/office/drawing/2014/main" xmlns="" id="{31B00F08-29EE-4204-8A43-43CEDB33312D}"/>
+                <a16:creationId xmlns="" xmlns:a16="http://schemas.microsoft.com/office/drawing/2014/main" id="{31B00F08-29EE-4204-8A43-43CEDB33312D}"/>
               </a:ext>
             </a:extLst>
           </p:cNvPr>
@@ -3780,7 +3344,7 @@
           <p:cNvPr id="4" name="Date Placeholder 3">
             <a:extLst>
               <a:ext uri="{FF2B5EF4-FFF2-40B4-BE49-F238E27FC236}">
-                <a16:creationId xmlns:a16="http://schemas.microsoft.com/office/drawing/2014/main" xmlns="" id="{D876E71F-1744-458C-90C6-31921C9A6039}"/>
+                <a16:creationId xmlns="" xmlns:a16="http://schemas.microsoft.com/office/drawing/2014/main" id="{D876E71F-1744-458C-90C6-31921C9A6039}"/>
               </a:ext>
             </a:extLst>
           </p:cNvPr>
@@ -3798,7 +3362,7 @@
           <a:p>
             <a:fld id="{88482940-FF35-4572-8E5A-CB20602E0318}" type="datetimeFigureOut">
               <a:rPr lang="en-US" smtClean="0"/>
-              <a:t>2/10/2020</a:t>
+              <a:t>2/11/2020</a:t>
             </a:fld>
             <a:endParaRPr lang="en-US"/>
           </a:p>
@@ -3809,7 +3373,7 @@
           <p:cNvPr id="5" name="Footer Placeholder 4">
             <a:extLst>
               <a:ext uri="{FF2B5EF4-FFF2-40B4-BE49-F238E27FC236}">
-                <a16:creationId xmlns:a16="http://schemas.microsoft.com/office/drawing/2014/main" xmlns="" id="{63F50295-5B8D-4167-848E-4EDCFDFE50C8}"/>
+                <a16:creationId xmlns="" xmlns:a16="http://schemas.microsoft.com/office/drawing/2014/main" id="{63F50295-5B8D-4167-848E-4EDCFDFE50C8}"/>
               </a:ext>
             </a:extLst>
           </p:cNvPr>
@@ -3834,7 +3398,7 @@
           <p:cNvPr id="6" name="Slide Number Placeholder 5">
             <a:extLst>
               <a:ext uri="{FF2B5EF4-FFF2-40B4-BE49-F238E27FC236}">
-                <a16:creationId xmlns:a16="http://schemas.microsoft.com/office/drawing/2014/main" xmlns="" id="{1E4CB66C-0DBD-487D-99D1-E9002DD2D6D6}"/>
+                <a16:creationId xmlns="" xmlns:a16="http://schemas.microsoft.com/office/drawing/2014/main" id="{1E4CB66C-0DBD-487D-99D1-E9002DD2D6D6}"/>
               </a:ext>
             </a:extLst>
           </p:cNvPr>
@@ -3893,7 +3457,7 @@
           <p:cNvPr id="2" name="Title 1">
             <a:extLst>
               <a:ext uri="{FF2B5EF4-FFF2-40B4-BE49-F238E27FC236}">
-                <a16:creationId xmlns:a16="http://schemas.microsoft.com/office/drawing/2014/main" xmlns="" id="{8EC9852E-2279-4D2F-B384-37AE9FE8FF00}"/>
+                <a16:creationId xmlns="" xmlns:a16="http://schemas.microsoft.com/office/drawing/2014/main" id="{8EC9852E-2279-4D2F-B384-37AE9FE8FF00}"/>
               </a:ext>
             </a:extLst>
           </p:cNvPr>
@@ -3921,7 +3485,7 @@
           <p:cNvPr id="3" name="Content Placeholder 2">
             <a:extLst>
               <a:ext uri="{FF2B5EF4-FFF2-40B4-BE49-F238E27FC236}">
-                <a16:creationId xmlns:a16="http://schemas.microsoft.com/office/drawing/2014/main" xmlns="" id="{7BDE82F8-9629-4847-B3EC-AA84EE3B4525}"/>
+                <a16:creationId xmlns="" xmlns:a16="http://schemas.microsoft.com/office/drawing/2014/main" id="{7BDE82F8-9629-4847-B3EC-AA84EE3B4525}"/>
               </a:ext>
             </a:extLst>
           </p:cNvPr>
@@ -3978,7 +3542,7 @@
           <p:cNvPr id="4" name="Date Placeholder 3">
             <a:extLst>
               <a:ext uri="{FF2B5EF4-FFF2-40B4-BE49-F238E27FC236}">
-                <a16:creationId xmlns:a16="http://schemas.microsoft.com/office/drawing/2014/main" xmlns="" id="{5DDFB56A-387F-42AA-B1A6-1FA493A0285F}"/>
+                <a16:creationId xmlns="" xmlns:a16="http://schemas.microsoft.com/office/drawing/2014/main" id="{5DDFB56A-387F-42AA-B1A6-1FA493A0285F}"/>
               </a:ext>
             </a:extLst>
           </p:cNvPr>
@@ -3996,7 +3560,7 @@
           <a:p>
             <a:fld id="{88482940-FF35-4572-8E5A-CB20602E0318}" type="datetimeFigureOut">
               <a:rPr lang="en-US" smtClean="0"/>
-              <a:t>2/10/2020</a:t>
+              <a:t>2/11/2020</a:t>
             </a:fld>
             <a:endParaRPr lang="en-US"/>
           </a:p>
@@ -4007,7 +3571,7 @@
           <p:cNvPr id="5" name="Footer Placeholder 4">
             <a:extLst>
               <a:ext uri="{FF2B5EF4-FFF2-40B4-BE49-F238E27FC236}">
-                <a16:creationId xmlns:a16="http://schemas.microsoft.com/office/drawing/2014/main" xmlns="" id="{F3A6901C-A33D-4F16-92B8-CF9D03DA2439}"/>
+                <a16:creationId xmlns="" xmlns:a16="http://schemas.microsoft.com/office/drawing/2014/main" id="{F3A6901C-A33D-4F16-92B8-CF9D03DA2439}"/>
               </a:ext>
             </a:extLst>
           </p:cNvPr>
@@ -4032,7 +3596,7 @@
           <p:cNvPr id="6" name="Slide Number Placeholder 5">
             <a:extLst>
               <a:ext uri="{FF2B5EF4-FFF2-40B4-BE49-F238E27FC236}">
-                <a16:creationId xmlns:a16="http://schemas.microsoft.com/office/drawing/2014/main" xmlns="" id="{E32D5493-0761-426C-B807-58151AB1C7EB}"/>
+                <a16:creationId xmlns="" xmlns:a16="http://schemas.microsoft.com/office/drawing/2014/main" id="{E32D5493-0761-426C-B807-58151AB1C7EB}"/>
               </a:ext>
             </a:extLst>
           </p:cNvPr>
@@ -4091,7 +3655,7 @@
           <p:cNvPr id="2" name="Title 1">
             <a:extLst>
               <a:ext uri="{FF2B5EF4-FFF2-40B4-BE49-F238E27FC236}">
-                <a16:creationId xmlns:a16="http://schemas.microsoft.com/office/drawing/2014/main" xmlns="" id="{FD4EAEF8-4934-441D-9F9B-BFECAF0F0635}"/>
+                <a16:creationId xmlns="" xmlns:a16="http://schemas.microsoft.com/office/drawing/2014/main" id="{FD4EAEF8-4934-441D-9F9B-BFECAF0F0635}"/>
               </a:ext>
             </a:extLst>
           </p:cNvPr>
@@ -4128,7 +3692,7 @@
           <p:cNvPr id="3" name="Text Placeholder 2">
             <a:extLst>
               <a:ext uri="{FF2B5EF4-FFF2-40B4-BE49-F238E27FC236}">
-                <a16:creationId xmlns:a16="http://schemas.microsoft.com/office/drawing/2014/main" xmlns="" id="{74251986-3334-4F08-8ED0-3CAD7619EE23}"/>
+                <a16:creationId xmlns="" xmlns:a16="http://schemas.microsoft.com/office/drawing/2014/main" id="{74251986-3334-4F08-8ED0-3CAD7619EE23}"/>
               </a:ext>
             </a:extLst>
           </p:cNvPr>
@@ -4253,7 +3817,7 @@
           <p:cNvPr id="4" name="Date Placeholder 3">
             <a:extLst>
               <a:ext uri="{FF2B5EF4-FFF2-40B4-BE49-F238E27FC236}">
-                <a16:creationId xmlns:a16="http://schemas.microsoft.com/office/drawing/2014/main" xmlns="" id="{19A10837-E335-4D10-8407-A7C3C4AF1562}"/>
+                <a16:creationId xmlns="" xmlns:a16="http://schemas.microsoft.com/office/drawing/2014/main" id="{19A10837-E335-4D10-8407-A7C3C4AF1562}"/>
               </a:ext>
             </a:extLst>
           </p:cNvPr>
@@ -4271,7 +3835,7 @@
           <a:p>
             <a:fld id="{88482940-FF35-4572-8E5A-CB20602E0318}" type="datetimeFigureOut">
               <a:rPr lang="en-US" smtClean="0"/>
-              <a:t>2/10/2020</a:t>
+              <a:t>2/11/2020</a:t>
             </a:fld>
             <a:endParaRPr lang="en-US"/>
           </a:p>
@@ -4282,7 +3846,7 @@
           <p:cNvPr id="5" name="Footer Placeholder 4">
             <a:extLst>
               <a:ext uri="{FF2B5EF4-FFF2-40B4-BE49-F238E27FC236}">
-                <a16:creationId xmlns:a16="http://schemas.microsoft.com/office/drawing/2014/main" xmlns="" id="{B0908EA2-FE9C-49F3-96ED-46B64DA9C14D}"/>
+                <a16:creationId xmlns="" xmlns:a16="http://schemas.microsoft.com/office/drawing/2014/main" id="{B0908EA2-FE9C-49F3-96ED-46B64DA9C14D}"/>
               </a:ext>
             </a:extLst>
           </p:cNvPr>
@@ -4307,7 +3871,7 @@
           <p:cNvPr id="6" name="Slide Number Placeholder 5">
             <a:extLst>
               <a:ext uri="{FF2B5EF4-FFF2-40B4-BE49-F238E27FC236}">
-                <a16:creationId xmlns:a16="http://schemas.microsoft.com/office/drawing/2014/main" xmlns="" id="{B9FFD0E4-78CE-4C79-B2C3-202991128EB5}"/>
+                <a16:creationId xmlns="" xmlns:a16="http://schemas.microsoft.com/office/drawing/2014/main" id="{B9FFD0E4-78CE-4C79-B2C3-202991128EB5}"/>
               </a:ext>
             </a:extLst>
           </p:cNvPr>
@@ -4366,7 +3930,7 @@
           <p:cNvPr id="2" name="Title 1">
             <a:extLst>
               <a:ext uri="{FF2B5EF4-FFF2-40B4-BE49-F238E27FC236}">
-                <a16:creationId xmlns:a16="http://schemas.microsoft.com/office/drawing/2014/main" xmlns="" id="{485CCA07-5FBA-4499-9594-8F5DF0B55189}"/>
+                <a16:creationId xmlns="" xmlns:a16="http://schemas.microsoft.com/office/drawing/2014/main" id="{485CCA07-5FBA-4499-9594-8F5DF0B55189}"/>
               </a:ext>
             </a:extLst>
           </p:cNvPr>
@@ -4394,7 +3958,7 @@
           <p:cNvPr id="3" name="Content Placeholder 2">
             <a:extLst>
               <a:ext uri="{FF2B5EF4-FFF2-40B4-BE49-F238E27FC236}">
-                <a16:creationId xmlns:a16="http://schemas.microsoft.com/office/drawing/2014/main" xmlns="" id="{5528036E-FA1B-479C-8689-5DA15C00B1EB}"/>
+                <a16:creationId xmlns="" xmlns:a16="http://schemas.microsoft.com/office/drawing/2014/main" id="{5528036E-FA1B-479C-8689-5DA15C00B1EB}"/>
               </a:ext>
             </a:extLst>
           </p:cNvPr>
@@ -4456,7 +4020,7 @@
           <p:cNvPr id="4" name="Content Placeholder 3">
             <a:extLst>
               <a:ext uri="{FF2B5EF4-FFF2-40B4-BE49-F238E27FC236}">
-                <a16:creationId xmlns:a16="http://schemas.microsoft.com/office/drawing/2014/main" xmlns="" id="{28C479B8-218E-463B-A8F4-6A0DCF298452}"/>
+                <a16:creationId xmlns="" xmlns:a16="http://schemas.microsoft.com/office/drawing/2014/main" id="{28C479B8-218E-463B-A8F4-6A0DCF298452}"/>
               </a:ext>
             </a:extLst>
           </p:cNvPr>
@@ -4518,7 +4082,7 @@
           <p:cNvPr id="5" name="Date Placeholder 4">
             <a:extLst>
               <a:ext uri="{FF2B5EF4-FFF2-40B4-BE49-F238E27FC236}">
-                <a16:creationId xmlns:a16="http://schemas.microsoft.com/office/drawing/2014/main" xmlns="" id="{C957170C-8895-49F1-BBCB-F2CBF622A292}"/>
+                <a16:creationId xmlns="" xmlns:a16="http://schemas.microsoft.com/office/drawing/2014/main" id="{C957170C-8895-49F1-BBCB-F2CBF622A292}"/>
               </a:ext>
             </a:extLst>
           </p:cNvPr>
@@ -4536,7 +4100,7 @@
           <a:p>
             <a:fld id="{88482940-FF35-4572-8E5A-CB20602E0318}" type="datetimeFigureOut">
               <a:rPr lang="en-US" smtClean="0"/>
-              <a:t>2/10/2020</a:t>
+              <a:t>2/11/2020</a:t>
             </a:fld>
             <a:endParaRPr lang="en-US"/>
           </a:p>
@@ -4547,7 +4111,7 @@
           <p:cNvPr id="6" name="Footer Placeholder 5">
             <a:extLst>
               <a:ext uri="{FF2B5EF4-FFF2-40B4-BE49-F238E27FC236}">
-                <a16:creationId xmlns:a16="http://schemas.microsoft.com/office/drawing/2014/main" xmlns="" id="{EF2DF467-A199-4526-87D9-1E7FBE433F34}"/>
+                <a16:creationId xmlns="" xmlns:a16="http://schemas.microsoft.com/office/drawing/2014/main" id="{EF2DF467-A199-4526-87D9-1E7FBE433F34}"/>
               </a:ext>
             </a:extLst>
           </p:cNvPr>
@@ -4572,7 +4136,7 @@
           <p:cNvPr id="7" name="Slide Number Placeholder 6">
             <a:extLst>
               <a:ext uri="{FF2B5EF4-FFF2-40B4-BE49-F238E27FC236}">
-                <a16:creationId xmlns:a16="http://schemas.microsoft.com/office/drawing/2014/main" xmlns="" id="{2EDCFA81-4D2A-434E-97B0-EEB1EBBA9A6C}"/>
+                <a16:creationId xmlns="" xmlns:a16="http://schemas.microsoft.com/office/drawing/2014/main" id="{2EDCFA81-4D2A-434E-97B0-EEB1EBBA9A6C}"/>
               </a:ext>
             </a:extLst>
           </p:cNvPr>
@@ -4631,7 +4195,7 @@
           <p:cNvPr id="2" name="Title 1">
             <a:extLst>
               <a:ext uri="{FF2B5EF4-FFF2-40B4-BE49-F238E27FC236}">
-                <a16:creationId xmlns:a16="http://schemas.microsoft.com/office/drawing/2014/main" xmlns="" id="{D14F9892-F47C-49BC-BF05-1A81CA1F41A7}"/>
+                <a16:creationId xmlns="" xmlns:a16="http://schemas.microsoft.com/office/drawing/2014/main" id="{D14F9892-F47C-49BC-BF05-1A81CA1F41A7}"/>
               </a:ext>
             </a:extLst>
           </p:cNvPr>
@@ -4664,7 +4228,7 @@
           <p:cNvPr id="3" name="Text Placeholder 2">
             <a:extLst>
               <a:ext uri="{FF2B5EF4-FFF2-40B4-BE49-F238E27FC236}">
-                <a16:creationId xmlns:a16="http://schemas.microsoft.com/office/drawing/2014/main" xmlns="" id="{108B371F-8791-42D4-A3E5-04EF52A7F4BD}"/>
+                <a16:creationId xmlns="" xmlns:a16="http://schemas.microsoft.com/office/drawing/2014/main" id="{108B371F-8791-42D4-A3E5-04EF52A7F4BD}"/>
               </a:ext>
             </a:extLst>
           </p:cNvPr>
@@ -4735,7 +4299,7 @@
           <p:cNvPr id="4" name="Content Placeholder 3">
             <a:extLst>
               <a:ext uri="{FF2B5EF4-FFF2-40B4-BE49-F238E27FC236}">
-                <a16:creationId xmlns:a16="http://schemas.microsoft.com/office/drawing/2014/main" xmlns="" id="{64E8F007-172A-402F-97A7-652D06F63AA5}"/>
+                <a16:creationId xmlns="" xmlns:a16="http://schemas.microsoft.com/office/drawing/2014/main" id="{64E8F007-172A-402F-97A7-652D06F63AA5}"/>
               </a:ext>
             </a:extLst>
           </p:cNvPr>
@@ -4797,7 +4361,7 @@
           <p:cNvPr id="5" name="Text Placeholder 4">
             <a:extLst>
               <a:ext uri="{FF2B5EF4-FFF2-40B4-BE49-F238E27FC236}">
-                <a16:creationId xmlns:a16="http://schemas.microsoft.com/office/drawing/2014/main" xmlns="" id="{AF5CF8EE-0782-4B70-A32A-77A6E122D0B5}"/>
+                <a16:creationId xmlns="" xmlns:a16="http://schemas.microsoft.com/office/drawing/2014/main" id="{AF5CF8EE-0782-4B70-A32A-77A6E122D0B5}"/>
               </a:ext>
             </a:extLst>
           </p:cNvPr>
@@ -4868,7 +4432,7 @@
           <p:cNvPr id="6" name="Content Placeholder 5">
             <a:extLst>
               <a:ext uri="{FF2B5EF4-FFF2-40B4-BE49-F238E27FC236}">
-                <a16:creationId xmlns:a16="http://schemas.microsoft.com/office/drawing/2014/main" xmlns="" id="{6EECD84F-A18D-4D42-B91D-1DDB34ED4C3F}"/>
+                <a16:creationId xmlns="" xmlns:a16="http://schemas.microsoft.com/office/drawing/2014/main" id="{6EECD84F-A18D-4D42-B91D-1DDB34ED4C3F}"/>
               </a:ext>
             </a:extLst>
           </p:cNvPr>
@@ -4930,7 +4494,7 @@
           <p:cNvPr id="7" name="Date Placeholder 6">
             <a:extLst>
               <a:ext uri="{FF2B5EF4-FFF2-40B4-BE49-F238E27FC236}">
-                <a16:creationId xmlns:a16="http://schemas.microsoft.com/office/drawing/2014/main" xmlns="" id="{52CC6C0E-C801-4E0F-8A80-8EF703FCAC34}"/>
+                <a16:creationId xmlns="" xmlns:a16="http://schemas.microsoft.com/office/drawing/2014/main" id="{52CC6C0E-C801-4E0F-8A80-8EF703FCAC34}"/>
               </a:ext>
             </a:extLst>
           </p:cNvPr>
@@ -4948,7 +4512,7 @@
           <a:p>
             <a:fld id="{88482940-FF35-4572-8E5A-CB20602E0318}" type="datetimeFigureOut">
               <a:rPr lang="en-US" smtClean="0"/>
-              <a:t>2/10/2020</a:t>
+              <a:t>2/11/2020</a:t>
             </a:fld>
             <a:endParaRPr lang="en-US"/>
           </a:p>
@@ -4959,7 +4523,7 @@
           <p:cNvPr id="8" name="Footer Placeholder 7">
             <a:extLst>
               <a:ext uri="{FF2B5EF4-FFF2-40B4-BE49-F238E27FC236}">
-                <a16:creationId xmlns:a16="http://schemas.microsoft.com/office/drawing/2014/main" xmlns="" id="{FAD4B0B5-8BDF-4F03-97F8-EC763350B837}"/>
+                <a16:creationId xmlns="" xmlns:a16="http://schemas.microsoft.com/office/drawing/2014/main" id="{FAD4B0B5-8BDF-4F03-97F8-EC763350B837}"/>
               </a:ext>
             </a:extLst>
           </p:cNvPr>
@@ -4984,7 +4548,7 @@
           <p:cNvPr id="9" name="Slide Number Placeholder 8">
             <a:extLst>
               <a:ext uri="{FF2B5EF4-FFF2-40B4-BE49-F238E27FC236}">
-                <a16:creationId xmlns:a16="http://schemas.microsoft.com/office/drawing/2014/main" xmlns="" id="{802717E0-0509-4180-A221-8B614F7B3CC8}"/>
+                <a16:creationId xmlns="" xmlns:a16="http://schemas.microsoft.com/office/drawing/2014/main" id="{802717E0-0509-4180-A221-8B614F7B3CC8}"/>
               </a:ext>
             </a:extLst>
           </p:cNvPr>
@@ -5043,7 +4607,7 @@
           <p:cNvPr id="2" name="Title 1">
             <a:extLst>
               <a:ext uri="{FF2B5EF4-FFF2-40B4-BE49-F238E27FC236}">
-                <a16:creationId xmlns:a16="http://schemas.microsoft.com/office/drawing/2014/main" xmlns="" id="{4460C170-94F7-4A34-A039-2F48F0FC093A}"/>
+                <a16:creationId xmlns="" xmlns:a16="http://schemas.microsoft.com/office/drawing/2014/main" id="{4460C170-94F7-4A34-A039-2F48F0FC093A}"/>
               </a:ext>
             </a:extLst>
           </p:cNvPr>
@@ -5071,7 +4635,7 @@
           <p:cNvPr id="3" name="Date Placeholder 2">
             <a:extLst>
               <a:ext uri="{FF2B5EF4-FFF2-40B4-BE49-F238E27FC236}">
-                <a16:creationId xmlns:a16="http://schemas.microsoft.com/office/drawing/2014/main" xmlns="" id="{2A947BAA-8D6D-4FB7-BFE4-0E0F19F80DA4}"/>
+                <a16:creationId xmlns="" xmlns:a16="http://schemas.microsoft.com/office/drawing/2014/main" id="{2A947BAA-8D6D-4FB7-BFE4-0E0F19F80DA4}"/>
               </a:ext>
             </a:extLst>
           </p:cNvPr>
@@ -5089,7 +4653,7 @@
           <a:p>
             <a:fld id="{88482940-FF35-4572-8E5A-CB20602E0318}" type="datetimeFigureOut">
               <a:rPr lang="en-US" smtClean="0"/>
-              <a:t>2/10/2020</a:t>
+              <a:t>2/11/2020</a:t>
             </a:fld>
             <a:endParaRPr lang="en-US"/>
           </a:p>
@@ -5100,7 +4664,7 @@
           <p:cNvPr id="4" name="Footer Placeholder 3">
             <a:extLst>
               <a:ext uri="{FF2B5EF4-FFF2-40B4-BE49-F238E27FC236}">
-                <a16:creationId xmlns:a16="http://schemas.microsoft.com/office/drawing/2014/main" xmlns="" id="{83870DE4-5341-4476-ADB6-7A1A38439F3F}"/>
+                <a16:creationId xmlns="" xmlns:a16="http://schemas.microsoft.com/office/drawing/2014/main" id="{83870DE4-5341-4476-ADB6-7A1A38439F3F}"/>
               </a:ext>
             </a:extLst>
           </p:cNvPr>
@@ -5125,7 +4689,7 @@
           <p:cNvPr id="5" name="Slide Number Placeholder 4">
             <a:extLst>
               <a:ext uri="{FF2B5EF4-FFF2-40B4-BE49-F238E27FC236}">
-                <a16:creationId xmlns:a16="http://schemas.microsoft.com/office/drawing/2014/main" xmlns="" id="{01659951-9816-45B7-9331-AE0B6D49667E}"/>
+                <a16:creationId xmlns="" xmlns:a16="http://schemas.microsoft.com/office/drawing/2014/main" id="{01659951-9816-45B7-9331-AE0B6D49667E}"/>
               </a:ext>
             </a:extLst>
           </p:cNvPr>
@@ -5184,7 +4748,7 @@
           <p:cNvPr id="2" name="Date Placeholder 1">
             <a:extLst>
               <a:ext uri="{FF2B5EF4-FFF2-40B4-BE49-F238E27FC236}">
-                <a16:creationId xmlns:a16="http://schemas.microsoft.com/office/drawing/2014/main" xmlns="" id="{E8D4CDE2-EAC7-45C0-AA19-B73ADD84F7A3}"/>
+                <a16:creationId xmlns="" xmlns:a16="http://schemas.microsoft.com/office/drawing/2014/main" id="{E8D4CDE2-EAC7-45C0-AA19-B73ADD84F7A3}"/>
               </a:ext>
             </a:extLst>
           </p:cNvPr>
@@ -5202,7 +4766,7 @@
           <a:p>
             <a:fld id="{88482940-FF35-4572-8E5A-CB20602E0318}" type="datetimeFigureOut">
               <a:rPr lang="en-US" smtClean="0"/>
-              <a:t>2/10/2020</a:t>
+              <a:t>2/11/2020</a:t>
             </a:fld>
             <a:endParaRPr lang="en-US"/>
           </a:p>
@@ -5213,7 +4777,7 @@
           <p:cNvPr id="3" name="Footer Placeholder 2">
             <a:extLst>
               <a:ext uri="{FF2B5EF4-FFF2-40B4-BE49-F238E27FC236}">
-                <a16:creationId xmlns:a16="http://schemas.microsoft.com/office/drawing/2014/main" xmlns="" id="{B7D79954-936C-403B-A630-53CFCAC04AD3}"/>
+                <a16:creationId xmlns="" xmlns:a16="http://schemas.microsoft.com/office/drawing/2014/main" id="{B7D79954-936C-403B-A630-53CFCAC04AD3}"/>
               </a:ext>
             </a:extLst>
           </p:cNvPr>
@@ -5238,7 +4802,7 @@
           <p:cNvPr id="4" name="Slide Number Placeholder 3">
             <a:extLst>
               <a:ext uri="{FF2B5EF4-FFF2-40B4-BE49-F238E27FC236}">
-                <a16:creationId xmlns:a16="http://schemas.microsoft.com/office/drawing/2014/main" xmlns="" id="{22DB6F29-F44B-49AD-A4EC-269AB4BBA850}"/>
+                <a16:creationId xmlns="" xmlns:a16="http://schemas.microsoft.com/office/drawing/2014/main" id="{22DB6F29-F44B-49AD-A4EC-269AB4BBA850}"/>
               </a:ext>
             </a:extLst>
           </p:cNvPr>
@@ -5297,7 +4861,7 @@
           <p:cNvPr id="2" name="Title 1">
             <a:extLst>
               <a:ext uri="{FF2B5EF4-FFF2-40B4-BE49-F238E27FC236}">
-                <a16:creationId xmlns:a16="http://schemas.microsoft.com/office/drawing/2014/main" xmlns="" id="{AA5444F8-F305-4890-8A3C-81F4BE773F36}"/>
+                <a16:creationId xmlns="" xmlns:a16="http://schemas.microsoft.com/office/drawing/2014/main" id="{AA5444F8-F305-4890-8A3C-81F4BE773F36}"/>
               </a:ext>
             </a:extLst>
           </p:cNvPr>
@@ -5334,7 +4898,7 @@
           <p:cNvPr id="3" name="Content Placeholder 2">
             <a:extLst>
               <a:ext uri="{FF2B5EF4-FFF2-40B4-BE49-F238E27FC236}">
-                <a16:creationId xmlns:a16="http://schemas.microsoft.com/office/drawing/2014/main" xmlns="" id="{86557835-74AE-4613-B3C9-B83E7FB7B83A}"/>
+                <a16:creationId xmlns="" xmlns:a16="http://schemas.microsoft.com/office/drawing/2014/main" id="{86557835-74AE-4613-B3C9-B83E7FB7B83A}"/>
               </a:ext>
             </a:extLst>
           </p:cNvPr>
@@ -5424,7 +4988,7 @@
           <p:cNvPr id="4" name="Text Placeholder 3">
             <a:extLst>
               <a:ext uri="{FF2B5EF4-FFF2-40B4-BE49-F238E27FC236}">
-                <a16:creationId xmlns:a16="http://schemas.microsoft.com/office/drawing/2014/main" xmlns="" id="{E99C5B36-8640-468E-AC26-E8F69C2A014F}"/>
+                <a16:creationId xmlns="" xmlns:a16="http://schemas.microsoft.com/office/drawing/2014/main" id="{E99C5B36-8640-468E-AC26-E8F69C2A014F}"/>
               </a:ext>
             </a:extLst>
           </p:cNvPr>
@@ -5495,7 +5059,7 @@
           <p:cNvPr id="5" name="Date Placeholder 4">
             <a:extLst>
               <a:ext uri="{FF2B5EF4-FFF2-40B4-BE49-F238E27FC236}">
-                <a16:creationId xmlns:a16="http://schemas.microsoft.com/office/drawing/2014/main" xmlns="" id="{236E5843-5145-4CB8-9530-7DEBFC4B6DF7}"/>
+                <a16:creationId xmlns="" xmlns:a16="http://schemas.microsoft.com/office/drawing/2014/main" id="{236E5843-5145-4CB8-9530-7DEBFC4B6DF7}"/>
               </a:ext>
             </a:extLst>
           </p:cNvPr>
@@ -5513,7 +5077,7 @@
           <a:p>
             <a:fld id="{88482940-FF35-4572-8E5A-CB20602E0318}" type="datetimeFigureOut">
               <a:rPr lang="en-US" smtClean="0"/>
-              <a:t>2/10/2020</a:t>
+              <a:t>2/11/2020</a:t>
             </a:fld>
             <a:endParaRPr lang="en-US"/>
           </a:p>
@@ -5524,7 +5088,7 @@
           <p:cNvPr id="6" name="Footer Placeholder 5">
             <a:extLst>
               <a:ext uri="{FF2B5EF4-FFF2-40B4-BE49-F238E27FC236}">
-                <a16:creationId xmlns:a16="http://schemas.microsoft.com/office/drawing/2014/main" xmlns="" id="{52B2297B-FEE5-4EB0-B278-5E175F07E004}"/>
+                <a16:creationId xmlns="" xmlns:a16="http://schemas.microsoft.com/office/drawing/2014/main" id="{52B2297B-FEE5-4EB0-B278-5E175F07E004}"/>
               </a:ext>
             </a:extLst>
           </p:cNvPr>
@@ -5549,7 +5113,7 @@
           <p:cNvPr id="7" name="Slide Number Placeholder 6">
             <a:extLst>
               <a:ext uri="{FF2B5EF4-FFF2-40B4-BE49-F238E27FC236}">
-                <a16:creationId xmlns:a16="http://schemas.microsoft.com/office/drawing/2014/main" xmlns="" id="{5DF13754-EFE8-4937-BB5A-9EDE4F7B893E}"/>
+                <a16:creationId xmlns="" xmlns:a16="http://schemas.microsoft.com/office/drawing/2014/main" id="{5DF13754-EFE8-4937-BB5A-9EDE4F7B893E}"/>
               </a:ext>
             </a:extLst>
           </p:cNvPr>
@@ -5608,7 +5172,7 @@
           <p:cNvPr id="2" name="Title 1">
             <a:extLst>
               <a:ext uri="{FF2B5EF4-FFF2-40B4-BE49-F238E27FC236}">
-                <a16:creationId xmlns:a16="http://schemas.microsoft.com/office/drawing/2014/main" xmlns="" id="{26D7812D-1F21-4D25-8AD3-2F4F5AB9B6D7}"/>
+                <a16:creationId xmlns="" xmlns:a16="http://schemas.microsoft.com/office/drawing/2014/main" id="{26D7812D-1F21-4D25-8AD3-2F4F5AB9B6D7}"/>
               </a:ext>
             </a:extLst>
           </p:cNvPr>
@@ -5645,7 +5209,7 @@
           <p:cNvPr id="3" name="Picture Placeholder 2">
             <a:extLst>
               <a:ext uri="{FF2B5EF4-FFF2-40B4-BE49-F238E27FC236}">
-                <a16:creationId xmlns:a16="http://schemas.microsoft.com/office/drawing/2014/main" xmlns="" id="{1C8C4CA6-D636-45BE-B38C-F18CFEBF503E}"/>
+                <a16:creationId xmlns="" xmlns:a16="http://schemas.microsoft.com/office/drawing/2014/main" id="{1C8C4CA6-D636-45BE-B38C-F18CFEBF503E}"/>
               </a:ext>
             </a:extLst>
           </p:cNvPr>
@@ -5712,7 +5276,7 @@
           <p:cNvPr id="4" name="Text Placeholder 3">
             <a:extLst>
               <a:ext uri="{FF2B5EF4-FFF2-40B4-BE49-F238E27FC236}">
-                <a16:creationId xmlns:a16="http://schemas.microsoft.com/office/drawing/2014/main" xmlns="" id="{785F0FF9-2DF6-4E7F-8077-72D5ED9EC521}"/>
+                <a16:creationId xmlns="" xmlns:a16="http://schemas.microsoft.com/office/drawing/2014/main" id="{785F0FF9-2DF6-4E7F-8077-72D5ED9EC521}"/>
               </a:ext>
             </a:extLst>
           </p:cNvPr>
@@ -5783,7 +5347,7 @@
           <p:cNvPr id="5" name="Date Placeholder 4">
             <a:extLst>
               <a:ext uri="{FF2B5EF4-FFF2-40B4-BE49-F238E27FC236}">
-                <a16:creationId xmlns:a16="http://schemas.microsoft.com/office/drawing/2014/main" xmlns="" id="{7299BEB2-2537-4098-86A1-2B03FDE956C5}"/>
+                <a16:creationId xmlns="" xmlns:a16="http://schemas.microsoft.com/office/drawing/2014/main" id="{7299BEB2-2537-4098-86A1-2B03FDE956C5}"/>
               </a:ext>
             </a:extLst>
           </p:cNvPr>
@@ -5801,7 +5365,7 @@
           <a:p>
             <a:fld id="{88482940-FF35-4572-8E5A-CB20602E0318}" type="datetimeFigureOut">
               <a:rPr lang="en-US" smtClean="0"/>
-              <a:t>2/10/2020</a:t>
+              <a:t>2/11/2020</a:t>
             </a:fld>
             <a:endParaRPr lang="en-US"/>
           </a:p>
@@ -5812,7 +5376,7 @@
           <p:cNvPr id="6" name="Footer Placeholder 5">
             <a:extLst>
               <a:ext uri="{FF2B5EF4-FFF2-40B4-BE49-F238E27FC236}">
-                <a16:creationId xmlns:a16="http://schemas.microsoft.com/office/drawing/2014/main" xmlns="" id="{33516CF6-8E29-4060-95B6-9165BCBC1900}"/>
+                <a16:creationId xmlns="" xmlns:a16="http://schemas.microsoft.com/office/drawing/2014/main" id="{33516CF6-8E29-4060-95B6-9165BCBC1900}"/>
               </a:ext>
             </a:extLst>
           </p:cNvPr>
@@ -5837,7 +5401,7 @@
           <p:cNvPr id="7" name="Slide Number Placeholder 6">
             <a:extLst>
               <a:ext uri="{FF2B5EF4-FFF2-40B4-BE49-F238E27FC236}">
-                <a16:creationId xmlns:a16="http://schemas.microsoft.com/office/drawing/2014/main" xmlns="" id="{FCC780A1-7F33-4FB2-95A0-C709596E05BD}"/>
+                <a16:creationId xmlns="" xmlns:a16="http://schemas.microsoft.com/office/drawing/2014/main" id="{FCC780A1-7F33-4FB2-95A0-C709596E05BD}"/>
               </a:ext>
             </a:extLst>
           </p:cNvPr>
@@ -5901,7 +5465,7 @@
           <p:cNvPr id="2" name="Title Placeholder 1">
             <a:extLst>
               <a:ext uri="{FF2B5EF4-FFF2-40B4-BE49-F238E27FC236}">
-                <a16:creationId xmlns:a16="http://schemas.microsoft.com/office/drawing/2014/main" xmlns="" id="{4653846A-86F2-48A0-A076-110FE1AFDBD8}"/>
+                <a16:creationId xmlns="" xmlns:a16="http://schemas.microsoft.com/office/drawing/2014/main" id="{4653846A-86F2-48A0-A076-110FE1AFDBD8}"/>
               </a:ext>
             </a:extLst>
           </p:cNvPr>
@@ -5939,7 +5503,7 @@
           <p:cNvPr id="3" name="Text Placeholder 2">
             <a:extLst>
               <a:ext uri="{FF2B5EF4-FFF2-40B4-BE49-F238E27FC236}">
-                <a16:creationId xmlns:a16="http://schemas.microsoft.com/office/drawing/2014/main" xmlns="" id="{FBFFDF31-4D74-47BD-9F48-C8643F55822B}"/>
+                <a16:creationId xmlns="" xmlns:a16="http://schemas.microsoft.com/office/drawing/2014/main" id="{FBFFDF31-4D74-47BD-9F48-C8643F55822B}"/>
               </a:ext>
             </a:extLst>
           </p:cNvPr>
@@ -6006,7 +5570,7 @@
           <p:cNvPr id="4" name="Date Placeholder 3">
             <a:extLst>
               <a:ext uri="{FF2B5EF4-FFF2-40B4-BE49-F238E27FC236}">
-                <a16:creationId xmlns:a16="http://schemas.microsoft.com/office/drawing/2014/main" xmlns="" id="{9EB4E7F1-BDBE-4F10-A01C-73E316C72D80}"/>
+                <a16:creationId xmlns="" xmlns:a16="http://schemas.microsoft.com/office/drawing/2014/main" id="{9EB4E7F1-BDBE-4F10-A01C-73E316C72D80}"/>
               </a:ext>
             </a:extLst>
           </p:cNvPr>
@@ -6042,7 +5606,7 @@
           <a:p>
             <a:fld id="{88482940-FF35-4572-8E5A-CB20602E0318}" type="datetimeFigureOut">
               <a:rPr lang="en-US" smtClean="0"/>
-              <a:t>2/10/2020</a:t>
+              <a:t>2/11/2020</a:t>
             </a:fld>
             <a:endParaRPr lang="en-US"/>
           </a:p>
@@ -6053,7 +5617,7 @@
           <p:cNvPr id="5" name="Footer Placeholder 4">
             <a:extLst>
               <a:ext uri="{FF2B5EF4-FFF2-40B4-BE49-F238E27FC236}">
-                <a16:creationId xmlns:a16="http://schemas.microsoft.com/office/drawing/2014/main" xmlns="" id="{25D4A8EE-E657-4193-95E5-02B89EAA59B0}"/>
+                <a16:creationId xmlns="" xmlns:a16="http://schemas.microsoft.com/office/drawing/2014/main" id="{25D4A8EE-E657-4193-95E5-02B89EAA59B0}"/>
               </a:ext>
             </a:extLst>
           </p:cNvPr>
@@ -6096,7 +5660,7 @@
           <p:cNvPr id="6" name="Slide Number Placeholder 5">
             <a:extLst>
               <a:ext uri="{FF2B5EF4-FFF2-40B4-BE49-F238E27FC236}">
-                <a16:creationId xmlns:a16="http://schemas.microsoft.com/office/drawing/2014/main" xmlns="" id="{B4944946-F262-401A-91F4-DE67AE6E5904}"/>
+                <a16:creationId xmlns="" xmlns:a16="http://schemas.microsoft.com/office/drawing/2014/main" id="{B4944946-F262-401A-91F4-DE67AE6E5904}"/>
               </a:ext>
             </a:extLst>
           </p:cNvPr>
@@ -6464,7 +6028,7 @@
           <p:cNvPr id="2" name="Title 1">
             <a:extLst>
               <a:ext uri="{FF2B5EF4-FFF2-40B4-BE49-F238E27FC236}">
-                <a16:creationId xmlns:a16="http://schemas.microsoft.com/office/drawing/2014/main" xmlns="" id="{78FD68DA-43BA-4508-8DE2-BA9BB7B2FA5B}"/>
+                <a16:creationId xmlns="" xmlns:a16="http://schemas.microsoft.com/office/drawing/2014/main" id="{78FD68DA-43BA-4508-8DE2-BA9BB7B2FA5B}"/>
               </a:ext>
             </a:extLst>
           </p:cNvPr>
@@ -6500,7 +6064,7 @@
           <p:cNvPr id="3" name="Subtitle 2">
             <a:extLst>
               <a:ext uri="{FF2B5EF4-FFF2-40B4-BE49-F238E27FC236}">
-                <a16:creationId xmlns:a16="http://schemas.microsoft.com/office/drawing/2014/main" xmlns="" id="{A8E9CFF2-3777-4FF4-A759-8491175B0B7C}"/>
+                <a16:creationId xmlns="" xmlns:a16="http://schemas.microsoft.com/office/drawing/2014/main" id="{A8E9CFF2-3777-4FF4-A759-8491175B0B7C}"/>
               </a:ext>
             </a:extLst>
           </p:cNvPr>
@@ -6543,7 +6107,7 @@
           <p:cNvPr id="5" name="Picture 4" descr="A picture containing building, sitting, bench, side&#10;&#10;Description automatically generated">
             <a:extLst>
               <a:ext uri="{FF2B5EF4-FFF2-40B4-BE49-F238E27FC236}">
-                <a16:creationId xmlns:a16="http://schemas.microsoft.com/office/drawing/2014/main" xmlns="" id="{282CF6DD-7FE8-4063-9551-1B7BBCE92ABE}"/>
+                <a16:creationId xmlns="" xmlns:a16="http://schemas.microsoft.com/office/drawing/2014/main" id="{282CF6DD-7FE8-4063-9551-1B7BBCE92ABE}"/>
               </a:ext>
             </a:extLst>
           </p:cNvPr>
@@ -6608,7 +6172,7 @@
           <p:cNvPr id="2" name="Title 1">
             <a:extLst>
               <a:ext uri="{FF2B5EF4-FFF2-40B4-BE49-F238E27FC236}">
-                <a16:creationId xmlns:a16="http://schemas.microsoft.com/office/drawing/2014/main" xmlns="" id="{1AEFE4C2-9ED5-4000-BF06-0B80F4B6F24F}"/>
+                <a16:creationId xmlns="" xmlns:a16="http://schemas.microsoft.com/office/drawing/2014/main" id="{1AEFE4C2-9ED5-4000-BF06-0B80F4B6F24F}"/>
               </a:ext>
             </a:extLst>
           </p:cNvPr>
@@ -6636,7 +6200,7 @@
           <p:cNvPr id="44" name="Content Placeholder 43">
             <a:extLst>
               <a:ext uri="{FF2B5EF4-FFF2-40B4-BE49-F238E27FC236}">
-                <a16:creationId xmlns:a16="http://schemas.microsoft.com/office/drawing/2014/main" xmlns="" id="{0A8127B2-61B3-4A1A-BDAF-9A27FC94BBED}"/>
+                <a16:creationId xmlns="" xmlns:a16="http://schemas.microsoft.com/office/drawing/2014/main" id="{0A8127B2-61B3-4A1A-BDAF-9A27FC94BBED}"/>
               </a:ext>
             </a:extLst>
           </p:cNvPr>
@@ -6697,7 +6261,7 @@
           <p:cNvPr id="2" name="Title 1">
             <a:extLst>
               <a:ext uri="{FF2B5EF4-FFF2-40B4-BE49-F238E27FC236}">
-                <a16:creationId xmlns:a16="http://schemas.microsoft.com/office/drawing/2014/main" xmlns="" id="{A3D90280-2EF3-48F3-A385-FB7886418254}"/>
+                <a16:creationId xmlns="" xmlns:a16="http://schemas.microsoft.com/office/drawing/2014/main" id="{A3D90280-2EF3-48F3-A385-FB7886418254}"/>
               </a:ext>
             </a:extLst>
           </p:cNvPr>
@@ -6730,7 +6294,7 @@
           <p:cNvPr id="3" name="Content Placeholder 2">
             <a:extLst>
               <a:ext uri="{FF2B5EF4-FFF2-40B4-BE49-F238E27FC236}">
-                <a16:creationId xmlns:a16="http://schemas.microsoft.com/office/drawing/2014/main" xmlns="" id="{67434BC2-1534-4591-8FD9-C0574D17CEFF}"/>
+                <a16:creationId xmlns="" xmlns:a16="http://schemas.microsoft.com/office/drawing/2014/main" id="{67434BC2-1534-4591-8FD9-C0574D17CEFF}"/>
               </a:ext>
             </a:extLst>
           </p:cNvPr>
@@ -6841,7 +6405,7 @@
           <p:cNvPr id="2" name="Title 1">
             <a:extLst>
               <a:ext uri="{FF2B5EF4-FFF2-40B4-BE49-F238E27FC236}">
-                <a16:creationId xmlns:a16="http://schemas.microsoft.com/office/drawing/2014/main" xmlns="" id="{DED2EC7D-FB3C-42CE-8B2B-ED4DD6FAABC5}"/>
+                <a16:creationId xmlns="" xmlns:a16="http://schemas.microsoft.com/office/drawing/2014/main" id="{DED2EC7D-FB3C-42CE-8B2B-ED4DD6FAABC5}"/>
               </a:ext>
             </a:extLst>
           </p:cNvPr>
@@ -6869,7 +6433,7 @@
           <p:cNvPr id="3" name="Content Placeholder 2">
             <a:extLst>
               <a:ext uri="{FF2B5EF4-FFF2-40B4-BE49-F238E27FC236}">
-                <a16:creationId xmlns:a16="http://schemas.microsoft.com/office/drawing/2014/main" xmlns="" id="{D8A54030-EF5F-4748-A7EA-C95A2CF82F76}"/>
+                <a16:creationId xmlns="" xmlns:a16="http://schemas.microsoft.com/office/drawing/2014/main" id="{D8A54030-EF5F-4748-A7EA-C95A2CF82F76}"/>
               </a:ext>
             </a:extLst>
           </p:cNvPr>
@@ -6973,7 +6537,7 @@
           <p:cNvPr id="2" name="Title 1">
             <a:extLst>
               <a:ext uri="{FF2B5EF4-FFF2-40B4-BE49-F238E27FC236}">
-                <a16:creationId xmlns:a16="http://schemas.microsoft.com/office/drawing/2014/main" xmlns="" id="{C6D24CA7-2E20-4A0C-9F64-77A6091DEE62}"/>
+                <a16:creationId xmlns="" xmlns:a16="http://schemas.microsoft.com/office/drawing/2014/main" id="{C6D24CA7-2E20-4A0C-9F64-77A6091DEE62}"/>
               </a:ext>
             </a:extLst>
           </p:cNvPr>
@@ -6998,13 +6562,7 @@
       </p:sp>
       <p:graphicFrame>
         <p:nvGraphicFramePr>
-          <p:cNvPr id="4" name="Table 4">
-            <a:extLst>
-              <a:ext uri="{FF2B5EF4-FFF2-40B4-BE49-F238E27FC236}">
-                <a16:creationId xmlns:a16="http://schemas.microsoft.com/office/drawing/2014/main" xmlns="" id="{7601EB8D-7B4F-413E-9F18-9B78F6F0458F}"/>
-              </a:ext>
-            </a:extLst>
-          </p:cNvPr>
+          <p:cNvPr id="7" name="Content Placeholder 6"/>
           <p:cNvGraphicFramePr>
             <a:graphicFrameLocks noGrp="1"/>
           </p:cNvGraphicFramePr>
@@ -7012,14 +6570,14 @@
             <p:ph idx="1"/>
             <p:extLst>
               <p:ext uri="{D42A27DB-BD31-4B8C-83A1-F6EECF244321}">
-                <p14:modId xmlns:p14="http://schemas.microsoft.com/office/powerpoint/2010/main" val="650571747"/>
+                <p14:modId xmlns:p14="http://schemas.microsoft.com/office/powerpoint/2010/main" val="1034364886"/>
               </p:ext>
             </p:extLst>
           </p:nvPr>
         </p:nvGraphicFramePr>
         <p:xfrm>
           <a:off x="838200" y="1825625"/>
-          <a:ext cx="10515595" cy="2494280"/>
+          <a:ext cx="10515600" cy="2992120"/>
         </p:xfrm>
         <a:graphic>
           <a:graphicData uri="http://schemas.openxmlformats.org/drawingml/2006/table">
@@ -7028,340 +6586,92 @@
                 <a:tableStyleId>{5C22544A-7EE6-4342-B048-85BDC9FD1C3A}</a:tableStyleId>
               </a:tblPr>
               <a:tblGrid>
-                <a:gridCol w="2103119">
-                  <a:extLst>
-                    <a:ext uri="{9D8B030D-6E8A-4147-A177-3AD203B41FA5}">
-                      <a16:colId xmlns:a16="http://schemas.microsoft.com/office/drawing/2014/main" xmlns="" val="789809358"/>
-                    </a:ext>
-                  </a:extLst>
-                </a:gridCol>
-                <a:gridCol w="2103119">
-                  <a:extLst>
-                    <a:ext uri="{9D8B030D-6E8A-4147-A177-3AD203B41FA5}">
-                      <a16:colId xmlns:a16="http://schemas.microsoft.com/office/drawing/2014/main" xmlns="" val="436758790"/>
-                    </a:ext>
-                  </a:extLst>
-                </a:gridCol>
-                <a:gridCol w="2103119">
-                  <a:extLst>
-                    <a:ext uri="{9D8B030D-6E8A-4147-A177-3AD203B41FA5}">
-                      <a16:colId xmlns:a16="http://schemas.microsoft.com/office/drawing/2014/main" xmlns="" val="3902827820"/>
-                    </a:ext>
-                  </a:extLst>
-                </a:gridCol>
-                <a:gridCol w="1805943">
-                  <a:extLst>
-                    <a:ext uri="{9D8B030D-6E8A-4147-A177-3AD203B41FA5}">
-                      <a16:colId xmlns:a16="http://schemas.microsoft.com/office/drawing/2014/main" xmlns="" val="2631945717"/>
-                    </a:ext>
-                  </a:extLst>
-                </a:gridCol>
-                <a:gridCol w="2400295">
-                  <a:extLst>
-                    <a:ext uri="{9D8B030D-6E8A-4147-A177-3AD203B41FA5}">
-                      <a16:colId xmlns:a16="http://schemas.microsoft.com/office/drawing/2014/main" xmlns="" val="2041964866"/>
-                    </a:ext>
-                  </a:extLst>
-                </a:gridCol>
+                <a:gridCol w="2103120"/>
+                <a:gridCol w="2103120"/>
+                <a:gridCol w="2103120"/>
+                <a:gridCol w="2103120"/>
+                <a:gridCol w="2103120"/>
               </a:tblGrid>
               <a:tr h="370840">
-                <a:tc>
+                <a:tc rowSpan="2">
                   <a:txBody>
                     <a:bodyPr/>
                     <a:lstStyle/>
                     <a:p>
-                      <a:r>
-                        <a:rPr lang="en-US" dirty="0"/>
-                        <a:t>Model</a:t>
-                      </a:r>
+                      <a:endParaRPr lang="en-US" dirty="0"/>
                     </a:p>
                   </a:txBody>
                   <a:tcPr/>
                 </a:tc>
-                <a:tc>
+                <a:tc gridSpan="2">
                   <a:txBody>
                     <a:bodyPr/>
                     <a:lstStyle/>
                     <a:p>
+                      <a:pPr algn="ctr"/>
                       <a:r>
-                        <a:rPr lang="en-US" dirty="0"/>
-                        <a:t>R2 (train set)</a:t>
+                        <a:rPr lang="en-US" sz="2000" b="1" kern="1200" dirty="0" smtClean="0">
+                          <a:solidFill>
+                            <a:schemeClr val="lt1"/>
+                          </a:solidFill>
+                          <a:effectLst/>
+                          <a:latin typeface="+mn-lt"/>
+                          <a:ea typeface="+mn-ea"/>
+                          <a:cs typeface="+mn-cs"/>
+                        </a:rPr>
+                        <a:t>MSE Values</a:t>
                       </a:r>
+                      <a:endParaRPr lang="en-US" sz="2000" dirty="0"/>
                     </a:p>
                   </a:txBody>
                   <a:tcPr/>
                 </a:tc>
-                <a:tc>
+                <a:tc hMerge="1">
                   <a:txBody>
                     <a:bodyPr/>
                     <a:lstStyle/>
                     <a:p>
-                      <a:pPr marL="0" marR="0" lvl="0" indent="0" algn="l" defTabSz="914400" rtl="0" eaLnBrk="1" fontAlgn="auto" latinLnBrk="0" hangingPunct="1">
-                        <a:lnSpc>
-                          <a:spcPct val="100000"/>
-                        </a:lnSpc>
-                        <a:spcBef>
-                          <a:spcPts val="0"/>
-                        </a:spcBef>
-                        <a:spcAft>
-                          <a:spcPts val="0"/>
-                        </a:spcAft>
-                        <a:buClrTx/>
-                        <a:buSzTx/>
-                        <a:buFontTx/>
-                        <a:buNone/>
-                        <a:tabLst/>
-                        <a:defRPr/>
-                      </a:pPr>
-                      <a:r>
-                        <a:rPr lang="en-US" dirty="0"/>
-                        <a:t>R2 (validation set)</a:t>
-                      </a:r>
+                      <a:endParaRPr lang="en-US" dirty="0"/>
                     </a:p>
                   </a:txBody>
                   <a:tcPr/>
                 </a:tc>
-                <a:tc>
+                <a:tc gridSpan="2">
                   <a:txBody>
                     <a:bodyPr/>
                     <a:lstStyle/>
                     <a:p>
+                      <a:pPr algn="ctr"/>
                       <a:r>
-                        <a:rPr lang="en-US" dirty="0" smtClean="0"/>
-                        <a:t>MSE </a:t>
+                        <a:rPr lang="en-US" sz="2000" b="1" kern="1200" dirty="0" smtClean="0">
+                          <a:solidFill>
+                            <a:schemeClr val="lt1"/>
+                          </a:solidFill>
+                          <a:effectLst/>
+                          <a:latin typeface="+mn-lt"/>
+                          <a:ea typeface="+mn-ea"/>
+                          <a:cs typeface="+mn-cs"/>
+                        </a:rPr>
+                        <a:t>r2 score Values</a:t>
                       </a:r>
-                      <a:r>
-                        <a:rPr lang="en-US" dirty="0"/>
-                        <a:t>(train set)</a:t>
-                      </a:r>
+                      <a:endParaRPr lang="en-US" sz="2000" dirty="0"/>
                     </a:p>
                   </a:txBody>
                   <a:tcPr/>
                 </a:tc>
-                <a:tc>
+                <a:tc hMerge="1">
                   <a:txBody>
                     <a:bodyPr/>
                     <a:lstStyle/>
                     <a:p>
-                      <a:r>
-                        <a:rPr lang="en-US" dirty="0" smtClean="0"/>
-                        <a:t>MSE(validation </a:t>
-                      </a:r>
-                      <a:r>
-                        <a:rPr lang="en-US" dirty="0"/>
-                        <a:t>set)</a:t>
-                      </a:r>
+                      <a:endParaRPr lang="en-US" dirty="0"/>
                     </a:p>
                   </a:txBody>
                   <a:tcPr/>
                 </a:tc>
-                <a:extLst>
-                  <a:ext uri="{0D108BD9-81ED-4DB2-BD59-A6C34878D82A}">
-                    <a16:rowId xmlns:a16="http://schemas.microsoft.com/office/drawing/2014/main" xmlns="" val="3349153093"/>
-                  </a:ext>
-                </a:extLst>
               </a:tr>
               <a:tr h="370840">
-                <a:tc>
-                  <a:txBody>
-                    <a:bodyPr/>
-                    <a:lstStyle/>
-                    <a:p>
-                      <a:pPr marL="0" marR="0" lvl="0" indent="0" algn="l" defTabSz="914400" rtl="0" eaLnBrk="1" fontAlgn="auto" latinLnBrk="0" hangingPunct="1">
-                        <a:lnSpc>
-                          <a:spcPct val="100000"/>
-                        </a:lnSpc>
-                        <a:spcBef>
-                          <a:spcPts val="0"/>
-                        </a:spcBef>
-                        <a:spcAft>
-                          <a:spcPts val="0"/>
-                        </a:spcAft>
-                        <a:buClrTx/>
-                        <a:buSzTx/>
-                        <a:buFontTx/>
-                        <a:buNone/>
-                        <a:tabLst/>
-                        <a:defRPr/>
-                      </a:pPr>
-                      <a:r>
-                        <a:rPr lang="en-US" dirty="0"/>
-                        <a:t> </a:t>
-                      </a:r>
-                      <a:r>
-                        <a:rPr lang="en-US" dirty="0" err="1"/>
-                        <a:t>XGBoost</a:t>
-                      </a:r>
-                      <a:r>
-                        <a:rPr lang="en-US" dirty="0"/>
-                        <a:t> Regression</a:t>
-                      </a:r>
-                    </a:p>
-                  </a:txBody>
-                  <a:tcPr/>
-                </a:tc>
-                <a:tc>
-                  <a:txBody>
-                    <a:bodyPr/>
-                    <a:lstStyle/>
-                    <a:p>
-                      <a:r>
-                        <a:rPr lang="en-US" dirty="0"/>
-                        <a:t>0.918</a:t>
-                      </a:r>
-                    </a:p>
-                  </a:txBody>
-                  <a:tcPr/>
-                </a:tc>
-                <a:tc>
-                  <a:txBody>
-                    <a:bodyPr/>
-                    <a:lstStyle/>
-                    <a:p>
-                      <a:r>
-                        <a:rPr lang="en-US" dirty="0"/>
-                        <a:t>0.837</a:t>
-                      </a:r>
-                    </a:p>
-                  </a:txBody>
-                  <a:tcPr/>
-                </a:tc>
-                <a:tc>
-                  <a:txBody>
-                    <a:bodyPr/>
-                    <a:lstStyle/>
-                    <a:p>
-                      <a:r>
-                        <a:rPr lang="en-US" dirty="0"/>
-                        <a:t>0.003</a:t>
-                      </a:r>
-                    </a:p>
-                  </a:txBody>
-                  <a:tcPr/>
-                </a:tc>
-                <a:tc>
-                  <a:txBody>
-                    <a:bodyPr/>
-                    <a:lstStyle/>
-                    <a:p>
-                      <a:r>
-                        <a:rPr lang="en-US" dirty="0"/>
-                        <a:t>0.006</a:t>
-                      </a:r>
-                    </a:p>
-                  </a:txBody>
-                  <a:tcPr/>
-                </a:tc>
-                <a:extLst>
-                  <a:ext uri="{0D108BD9-81ED-4DB2-BD59-A6C34878D82A}">
-                    <a16:rowId xmlns:a16="http://schemas.microsoft.com/office/drawing/2014/main" xmlns="" val="2670063664"/>
-                  </a:ext>
-                </a:extLst>
-              </a:tr>
-              <a:tr h="370840">
-                <a:tc>
-                  <a:txBody>
-                    <a:bodyPr/>
-                    <a:lstStyle/>
-                    <a:p>
-                      <a:r>
-                        <a:rPr lang="en-US" dirty="0"/>
-                        <a:t>Ridge Regression</a:t>
-                      </a:r>
-                    </a:p>
-                  </a:txBody>
-                  <a:tcPr/>
-                </a:tc>
-                <a:tc>
-                  <a:txBody>
-                    <a:bodyPr/>
-                    <a:lstStyle/>
-                    <a:p>
-                      <a:r>
-                        <a:rPr lang="en-US" dirty="0"/>
-                        <a:t>0.74</a:t>
-                      </a:r>
-                    </a:p>
-                  </a:txBody>
-                  <a:tcPr/>
-                </a:tc>
-                <a:tc>
-                  <a:txBody>
-                    <a:bodyPr/>
-                    <a:lstStyle/>
-                    <a:p>
-                      <a:r>
-                        <a:rPr lang="en-US" dirty="0"/>
-                        <a:t>0.75</a:t>
-                      </a:r>
-                    </a:p>
-                  </a:txBody>
-                  <a:tcPr/>
-                </a:tc>
-                <a:tc>
-                  <a:txBody>
-                    <a:bodyPr/>
-                    <a:lstStyle/>
-                    <a:p>
-                      <a:r>
-                        <a:rPr lang="en-US" dirty="0"/>
-                        <a:t>0.1</a:t>
-                      </a:r>
-                    </a:p>
-                  </a:txBody>
-                  <a:tcPr/>
-                </a:tc>
-                <a:tc>
-                  <a:txBody>
-                    <a:bodyPr/>
-                    <a:lstStyle/>
-                    <a:p>
-                      <a:r>
-                        <a:rPr lang="en-US" dirty="0"/>
-                        <a:t>0.099</a:t>
-                      </a:r>
-                    </a:p>
-                  </a:txBody>
-                  <a:tcPr/>
-                </a:tc>
-                <a:extLst>
-                  <a:ext uri="{0D108BD9-81ED-4DB2-BD59-A6C34878D82A}">
-                    <a16:rowId xmlns:a16="http://schemas.microsoft.com/office/drawing/2014/main" xmlns="" val="1754104440"/>
-                  </a:ext>
-                </a:extLst>
-              </a:tr>
-              <a:tr h="370840">
-                <a:tc>
-                  <a:txBody>
-                    <a:bodyPr/>
-                    <a:lstStyle/>
-                    <a:p>
-                      <a:pPr marL="0" marR="0" lvl="0" indent="0" algn="l" defTabSz="914400" rtl="0" eaLnBrk="1" fontAlgn="auto" latinLnBrk="0" hangingPunct="1">
-                        <a:lnSpc>
-                          <a:spcPct val="100000"/>
-                        </a:lnSpc>
-                        <a:spcBef>
-                          <a:spcPts val="0"/>
-                        </a:spcBef>
-                        <a:spcAft>
-                          <a:spcPts val="0"/>
-                        </a:spcAft>
-                        <a:buClrTx/>
-                        <a:buSzTx/>
-                        <a:buFontTx/>
-                        <a:buNone/>
-                        <a:tabLst/>
-                        <a:defRPr/>
-                      </a:pPr>
-                      <a:r>
-                        <a:rPr lang="en-US" dirty="0"/>
-                        <a:t>Multiple Linear Regression</a:t>
-                      </a:r>
-                    </a:p>
-                  </a:txBody>
-                  <a:tcPr/>
-                </a:tc>
-                <a:tc>
+                <a:tc vMerge="1">
                   <a:txBody>
                     <a:bodyPr/>
                     <a:lstStyle/>
@@ -7376,36 +6686,117 @@
                     <a:bodyPr/>
                     <a:lstStyle/>
                     <a:p>
-                      <a:endParaRPr lang="en-US"/>
+                      <a:pPr marL="0" marR="0" algn="ctr">
+                        <a:lnSpc>
+                          <a:spcPct val="107000"/>
+                        </a:lnSpc>
+                        <a:spcBef>
+                          <a:spcPts val="0"/>
+                        </a:spcBef>
+                        <a:spcAft>
+                          <a:spcPts val="0"/>
+                        </a:spcAft>
+                      </a:pPr>
+                      <a:r>
+                        <a:rPr lang="en-US" sz="2000" dirty="0">
+                          <a:effectLst/>
+                          <a:latin typeface="Calibri" panose="020F0502020204030204" pitchFamily="34" charset="0"/>
+                          <a:ea typeface="Calibri" panose="020F0502020204030204" pitchFamily="34" charset="0"/>
+                          <a:cs typeface="Arial" panose="020B0604020202020204" pitchFamily="34" charset="0"/>
+                        </a:rPr>
+                        <a:t>Training Set</a:t>
+                      </a:r>
                     </a:p>
                   </a:txBody>
-                  <a:tcPr/>
+                  <a:tcPr marL="68580" marR="68580" marT="0" marB="0"/>
                 </a:tc>
                 <a:tc>
                   <a:txBody>
                     <a:bodyPr/>
                     <a:lstStyle/>
                     <a:p>
-                      <a:endParaRPr lang="en-US"/>
+                      <a:pPr marL="0" marR="0" algn="ctr">
+                        <a:lnSpc>
+                          <a:spcPct val="107000"/>
+                        </a:lnSpc>
+                        <a:spcBef>
+                          <a:spcPts val="0"/>
+                        </a:spcBef>
+                        <a:spcAft>
+                          <a:spcPts val="0"/>
+                        </a:spcAft>
+                      </a:pPr>
+                      <a:r>
+                        <a:rPr lang="en-US" sz="2000" dirty="0">
+                          <a:effectLst/>
+                          <a:latin typeface="Calibri" panose="020F0502020204030204" pitchFamily="34" charset="0"/>
+                          <a:ea typeface="Calibri" panose="020F0502020204030204" pitchFamily="34" charset="0"/>
+                          <a:cs typeface="Arial" panose="020B0604020202020204" pitchFamily="34" charset="0"/>
+                        </a:rPr>
+                        <a:t>Tet Set</a:t>
+                      </a:r>
                     </a:p>
                   </a:txBody>
-                  <a:tcPr/>
+                  <a:tcPr marL="68580" marR="68580" marT="0" marB="0"/>
                 </a:tc>
                 <a:tc>
                   <a:txBody>
                     <a:bodyPr/>
                     <a:lstStyle/>
                     <a:p>
-                      <a:endParaRPr lang="en-US"/>
+                      <a:pPr marL="0" marR="0" algn="ctr">
+                        <a:lnSpc>
+                          <a:spcPct val="107000"/>
+                        </a:lnSpc>
+                        <a:spcBef>
+                          <a:spcPts val="0"/>
+                        </a:spcBef>
+                        <a:spcAft>
+                          <a:spcPts val="0"/>
+                        </a:spcAft>
+                      </a:pPr>
+                      <a:r>
+                        <a:rPr lang="en-US" sz="2000" dirty="0">
+                          <a:effectLst/>
+                          <a:latin typeface="Calibri" panose="020F0502020204030204" pitchFamily="34" charset="0"/>
+                          <a:ea typeface="Calibri" panose="020F0502020204030204" pitchFamily="34" charset="0"/>
+                          <a:cs typeface="Arial" panose="020B0604020202020204" pitchFamily="34" charset="0"/>
+                        </a:rPr>
+                        <a:t>Training Set</a:t>
+                      </a:r>
                     </a:p>
                   </a:txBody>
-                  <a:tcPr/>
+                  <a:tcPr marL="68580" marR="68580" marT="0" marB="0"/>
                 </a:tc>
-                <a:extLst>
-                  <a:ext uri="{0D108BD9-81ED-4DB2-BD59-A6C34878D82A}">
-                    <a16:rowId xmlns:a16="http://schemas.microsoft.com/office/drawing/2014/main" xmlns="" val="3582733532"/>
-                  </a:ext>
-                </a:extLst>
+                <a:tc>
+                  <a:txBody>
+                    <a:bodyPr/>
+                    <a:lstStyle/>
+                    <a:p>
+                      <a:pPr marL="0" marR="0" algn="ctr">
+                        <a:lnSpc>
+                          <a:spcPct val="107000"/>
+                        </a:lnSpc>
+                        <a:spcBef>
+                          <a:spcPts val="0"/>
+                        </a:spcBef>
+                        <a:spcAft>
+                          <a:spcPts val="0"/>
+                        </a:spcAft>
+                      </a:pPr>
+                      <a:r>
+                        <a:rPr lang="en-US" sz="2000" dirty="0">
+                          <a:effectLst/>
+                          <a:latin typeface="Calibri" panose="020F0502020204030204" pitchFamily="34" charset="0"/>
+                          <a:ea typeface="Calibri" panose="020F0502020204030204" pitchFamily="34" charset="0"/>
+                          <a:cs typeface="Arial" panose="020B0604020202020204" pitchFamily="34" charset="0"/>
+                        </a:rPr>
+                        <a:t>Tet Set</a:t>
+                      </a:r>
+                    </a:p>
+                  </a:txBody>
+                  <a:tcPr marL="68580" marR="68580" marT="0" marB="0"/>
+                </a:tc>
               </a:tr>
               <a:tr h="370840">
                 <a:tc>
@@ -7413,9 +6804,9 @@
                     <a:bodyPr/>
                     <a:lstStyle/>
                     <a:p>
-                      <a:pPr marL="0" marR="0" lvl="0" indent="0" algn="l" defTabSz="914400" rtl="0" eaLnBrk="1" fontAlgn="auto" latinLnBrk="0" hangingPunct="1">
+                      <a:pPr marL="0" marR="0">
                         <a:lnSpc>
-                          <a:spcPct val="100000"/>
+                          <a:spcPct val="107000"/>
                         </a:lnSpc>
                         <a:spcBef>
                           <a:spcPts val="0"/>
@@ -7423,66 +6814,120 @@
                         <a:spcAft>
                           <a:spcPts val="0"/>
                         </a:spcAft>
-                        <a:buClrTx/>
-                        <a:buSzTx/>
-                        <a:buFontTx/>
-                        <a:buNone/>
-                        <a:tabLst/>
-                        <a:defRPr/>
                       </a:pPr>
                       <a:r>
-                        <a:rPr lang="en-US" dirty="0"/>
-                        <a:t>SVR</a:t>
+                        <a:rPr lang="en-US" sz="2000">
+                          <a:effectLst/>
+                          <a:latin typeface="Calibri" panose="020F0502020204030204" pitchFamily="34" charset="0"/>
+                          <a:ea typeface="Calibri" panose="020F0502020204030204" pitchFamily="34" charset="0"/>
+                          <a:cs typeface="Arial" panose="020B0604020202020204" pitchFamily="34" charset="0"/>
+                        </a:rPr>
+                        <a:t>XGBoost</a:t>
                       </a:r>
                     </a:p>
                   </a:txBody>
-                  <a:tcPr/>
+                  <a:tcPr marL="68580" marR="68580" marT="0" marB="0"/>
                 </a:tc>
                 <a:tc>
                   <a:txBody>
                     <a:bodyPr/>
                     <a:lstStyle/>
                     <a:p>
-                      <a:endParaRPr lang="en-US"/>
+                      <a:r>
+                        <a:rPr lang="en-US" sz="2000">
+                          <a:solidFill>
+                            <a:srgbClr val="000000"/>
+                          </a:solidFill>
+                          <a:effectLst/>
+                          <a:latin typeface="Calibri" panose="020F0502020204030204" pitchFamily="34" charset="0"/>
+                          <a:cs typeface="Arial" panose="020B0604020202020204" pitchFamily="34" charset="0"/>
+                        </a:rPr>
+                        <a:t>0.0053</a:t>
+                      </a:r>
+                      <a:endParaRPr lang="en-US" sz="2000">
+                        <a:effectLst/>
+                        <a:latin typeface="Calibri" panose="020F0502020204030204" pitchFamily="34" charset="0"/>
+                        <a:cs typeface="Arial" panose="020B0604020202020204" pitchFamily="34" charset="0"/>
+                      </a:endParaRPr>
                     </a:p>
                   </a:txBody>
-                  <a:tcPr/>
+                  <a:tcPr marL="68580" marR="68580" marT="0" marB="0"/>
                 </a:tc>
                 <a:tc>
                   <a:txBody>
                     <a:bodyPr/>
                     <a:lstStyle/>
                     <a:p>
-                      <a:endParaRPr lang="en-US"/>
+                      <a:r>
+                        <a:rPr lang="en-US" sz="2000">
+                          <a:solidFill>
+                            <a:srgbClr val="000000"/>
+                          </a:solidFill>
+                          <a:effectLst/>
+                          <a:latin typeface="Calibri" panose="020F0502020204030204" pitchFamily="34" charset="0"/>
+                          <a:cs typeface="Arial" panose="020B0604020202020204" pitchFamily="34" charset="0"/>
+                        </a:rPr>
+                        <a:t>0.0075</a:t>
+                      </a:r>
+                      <a:endParaRPr lang="en-US" sz="2000">
+                        <a:effectLst/>
+                        <a:latin typeface="Calibri" panose="020F0502020204030204" pitchFamily="34" charset="0"/>
+                        <a:cs typeface="Arial" panose="020B0604020202020204" pitchFamily="34" charset="0"/>
+                      </a:endParaRPr>
                     </a:p>
                   </a:txBody>
-                  <a:tcPr/>
+                  <a:tcPr marL="68580" marR="68580" marT="0" marB="0"/>
                 </a:tc>
                 <a:tc>
                   <a:txBody>
                     <a:bodyPr/>
                     <a:lstStyle/>
                     <a:p>
-                      <a:endParaRPr lang="en-US"/>
+                      <a:r>
+                        <a:rPr lang="en-US" sz="2000">
+                          <a:solidFill>
+                            <a:srgbClr val="000000"/>
+                          </a:solidFill>
+                          <a:effectLst/>
+                          <a:latin typeface="Calibri" panose="020F0502020204030204" pitchFamily="34" charset="0"/>
+                          <a:cs typeface="Arial" panose="020B0604020202020204" pitchFamily="34" charset="0"/>
+                        </a:rPr>
+                        <a:t>0.8629</a:t>
+                      </a:r>
+                      <a:endParaRPr lang="en-US" sz="2000">
+                        <a:effectLst/>
+                        <a:latin typeface="Calibri" panose="020F0502020204030204" pitchFamily="34" charset="0"/>
+                        <a:cs typeface="Arial" panose="020B0604020202020204" pitchFamily="34" charset="0"/>
+                      </a:endParaRPr>
                     </a:p>
                   </a:txBody>
-                  <a:tcPr/>
+                  <a:tcPr marL="68580" marR="68580" marT="0" marB="0"/>
                 </a:tc>
                 <a:tc>
                   <a:txBody>
                     <a:bodyPr/>
                     <a:lstStyle/>
                     <a:p>
-                      <a:endParaRPr lang="en-US"/>
+                      <a:r>
+                        <a:rPr lang="en-US" sz="2000">
+                          <a:solidFill>
+                            <a:srgbClr val="000000"/>
+                          </a:solidFill>
+                          <a:effectLst/>
+                          <a:latin typeface="Calibri" panose="020F0502020204030204" pitchFamily="34" charset="0"/>
+                          <a:cs typeface="Arial" panose="020B0604020202020204" pitchFamily="34" charset="0"/>
+                        </a:rPr>
+                        <a:t>0.8045</a:t>
+                      </a:r>
+                      <a:endParaRPr lang="en-US" sz="2000">
+                        <a:effectLst/>
+                        <a:latin typeface="Calibri" panose="020F0502020204030204" pitchFamily="34" charset="0"/>
+                        <a:cs typeface="Arial" panose="020B0604020202020204" pitchFamily="34" charset="0"/>
+                      </a:endParaRPr>
                     </a:p>
                   </a:txBody>
-                  <a:tcPr/>
+                  <a:tcPr marL="68580" marR="68580" marT="0" marB="0"/>
                 </a:tc>
-                <a:extLst>
-                  <a:ext uri="{0D108BD9-81ED-4DB2-BD59-A6C34878D82A}">
-                    <a16:rowId xmlns:a16="http://schemas.microsoft.com/office/drawing/2014/main" xmlns="" val="1030742981"/>
-                  </a:ext>
-                </a:extLst>
               </a:tr>
               <a:tr h="370840">
                 <a:tc>
@@ -7490,9 +6935,9 @@
                     <a:bodyPr/>
                     <a:lstStyle/>
                     <a:p>
-                      <a:pPr marL="0" marR="0" lvl="0" indent="0" algn="l" defTabSz="914400" rtl="0" eaLnBrk="1" fontAlgn="auto" latinLnBrk="0" hangingPunct="1">
+                      <a:pPr marL="0" marR="0">
                         <a:lnSpc>
-                          <a:spcPct val="100000"/>
+                          <a:spcPct val="107000"/>
                         </a:lnSpc>
                         <a:spcBef>
                           <a:spcPts val="0"/>
@@ -7500,66 +6945,772 @@
                         <a:spcAft>
                           <a:spcPts val="0"/>
                         </a:spcAft>
-                        <a:buClrTx/>
-                        <a:buSzTx/>
-                        <a:buFontTx/>
-                        <a:buNone/>
-                        <a:tabLst/>
-                        <a:defRPr/>
                       </a:pPr>
                       <a:r>
-                        <a:rPr lang="en-US" dirty="0"/>
-                        <a:t>Lasso</a:t>
+                        <a:rPr lang="en-US" sz="2000">
+                          <a:effectLst/>
+                          <a:latin typeface="Calibri" panose="020F0502020204030204" pitchFamily="34" charset="0"/>
+                          <a:ea typeface="Calibri" panose="020F0502020204030204" pitchFamily="34" charset="0"/>
+                          <a:cs typeface="Arial" panose="020B0604020202020204" pitchFamily="34" charset="0"/>
+                        </a:rPr>
+                        <a:t>Ridge</a:t>
                       </a:r>
                     </a:p>
                   </a:txBody>
-                  <a:tcPr/>
+                  <a:tcPr marL="68580" marR="68580" marT="0" marB="0"/>
                 </a:tc>
                 <a:tc>
                   <a:txBody>
                     <a:bodyPr/>
                     <a:lstStyle/>
                     <a:p>
-                      <a:endParaRPr lang="en-US"/>
+                      <a:r>
+                        <a:rPr lang="en-US" sz="2000">
+                          <a:solidFill>
+                            <a:srgbClr val="000000"/>
+                          </a:solidFill>
+                          <a:effectLst/>
+                          <a:latin typeface="Calibri" panose="020F0502020204030204" pitchFamily="34" charset="0"/>
+                          <a:cs typeface="Arial" panose="020B0604020202020204" pitchFamily="34" charset="0"/>
+                        </a:rPr>
+                        <a:t>0.0100</a:t>
+                      </a:r>
+                      <a:endParaRPr lang="en-US" sz="2000">
+                        <a:effectLst/>
+                        <a:latin typeface="Calibri" panose="020F0502020204030204" pitchFamily="34" charset="0"/>
+                        <a:cs typeface="Arial" panose="020B0604020202020204" pitchFamily="34" charset="0"/>
+                      </a:endParaRPr>
                     </a:p>
                   </a:txBody>
-                  <a:tcPr/>
+                  <a:tcPr marL="68580" marR="68580" marT="0" marB="0"/>
                 </a:tc>
                 <a:tc>
                   <a:txBody>
                     <a:bodyPr/>
                     <a:lstStyle/>
                     <a:p>
-                      <a:endParaRPr lang="en-US" dirty="0"/>
+                      <a:r>
+                        <a:rPr lang="en-US" sz="2000">
+                          <a:solidFill>
+                            <a:srgbClr val="000000"/>
+                          </a:solidFill>
+                          <a:effectLst/>
+                          <a:latin typeface="Calibri" panose="020F0502020204030204" pitchFamily="34" charset="0"/>
+                          <a:cs typeface="Arial" panose="020B0604020202020204" pitchFamily="34" charset="0"/>
+                        </a:rPr>
+                        <a:t>0.0098</a:t>
+                      </a:r>
+                      <a:endParaRPr lang="en-US" sz="2000">
+                        <a:effectLst/>
+                        <a:latin typeface="Calibri" panose="020F0502020204030204" pitchFamily="34" charset="0"/>
+                        <a:cs typeface="Arial" panose="020B0604020202020204" pitchFamily="34" charset="0"/>
+                      </a:endParaRPr>
                     </a:p>
                   </a:txBody>
-                  <a:tcPr/>
+                  <a:tcPr marL="68580" marR="68580" marT="0" marB="0"/>
                 </a:tc>
                 <a:tc>
                   <a:txBody>
                     <a:bodyPr/>
                     <a:lstStyle/>
                     <a:p>
-                      <a:endParaRPr lang="en-US" dirty="0"/>
+                      <a:r>
+                        <a:rPr lang="en-US" sz="2000">
+                          <a:solidFill>
+                            <a:srgbClr val="000000"/>
+                          </a:solidFill>
+                          <a:effectLst/>
+                          <a:latin typeface="Calibri" panose="020F0502020204030204" pitchFamily="34" charset="0"/>
+                          <a:cs typeface="Arial" panose="020B0604020202020204" pitchFamily="34" charset="0"/>
+                        </a:rPr>
+                        <a:t>0.7428</a:t>
+                      </a:r>
+                      <a:endParaRPr lang="en-US" sz="2000">
+                        <a:effectLst/>
+                        <a:latin typeface="Calibri" panose="020F0502020204030204" pitchFamily="34" charset="0"/>
+                        <a:cs typeface="Arial" panose="020B0604020202020204" pitchFamily="34" charset="0"/>
+                      </a:endParaRPr>
                     </a:p>
                   </a:txBody>
-                  <a:tcPr/>
+                  <a:tcPr marL="68580" marR="68580" marT="0" marB="0"/>
                 </a:tc>
                 <a:tc>
                   <a:txBody>
                     <a:bodyPr/>
                     <a:lstStyle/>
                     <a:p>
-                      <a:endParaRPr lang="en-US" dirty="0"/>
+                      <a:r>
+                        <a:rPr lang="en-US" sz="2000">
+                          <a:solidFill>
+                            <a:srgbClr val="000000"/>
+                          </a:solidFill>
+                          <a:effectLst/>
+                          <a:latin typeface="Calibri" panose="020F0502020204030204" pitchFamily="34" charset="0"/>
+                          <a:cs typeface="Arial" panose="020B0604020202020204" pitchFamily="34" charset="0"/>
+                        </a:rPr>
+                        <a:t>0.7513</a:t>
+                      </a:r>
+                      <a:endParaRPr lang="en-US" sz="2000">
+                        <a:effectLst/>
+                        <a:latin typeface="Calibri" panose="020F0502020204030204" pitchFamily="34" charset="0"/>
+                        <a:cs typeface="Arial" panose="020B0604020202020204" pitchFamily="34" charset="0"/>
+                      </a:endParaRPr>
                     </a:p>
                   </a:txBody>
-                  <a:tcPr/>
+                  <a:tcPr marL="68580" marR="68580" marT="0" marB="0"/>
                 </a:tc>
-                <a:extLst>
-                  <a:ext uri="{0D108BD9-81ED-4DB2-BD59-A6C34878D82A}">
-                    <a16:rowId xmlns:a16="http://schemas.microsoft.com/office/drawing/2014/main" xmlns="" val="565457509"/>
-                  </a:ext>
-                </a:extLst>
+              </a:tr>
+              <a:tr h="370840">
+                <a:tc>
+                  <a:txBody>
+                    <a:bodyPr/>
+                    <a:lstStyle/>
+                    <a:p>
+                      <a:pPr marL="0" marR="0">
+                        <a:lnSpc>
+                          <a:spcPct val="107000"/>
+                        </a:lnSpc>
+                        <a:spcBef>
+                          <a:spcPts val="0"/>
+                        </a:spcBef>
+                        <a:spcAft>
+                          <a:spcPts val="0"/>
+                        </a:spcAft>
+                      </a:pPr>
+                      <a:r>
+                        <a:rPr lang="en-US" sz="2000" dirty="0">
+                          <a:effectLst/>
+                          <a:latin typeface="Calibri" panose="020F0502020204030204" pitchFamily="34" charset="0"/>
+                          <a:ea typeface="Calibri" panose="020F0502020204030204" pitchFamily="34" charset="0"/>
+                          <a:cs typeface="Arial" panose="020B0604020202020204" pitchFamily="34" charset="0"/>
+                        </a:rPr>
+                        <a:t>Lasso</a:t>
+                      </a:r>
+                    </a:p>
+                  </a:txBody>
+                  <a:tcPr marL="68580" marR="68580" marT="0" marB="0"/>
+                </a:tc>
+                <a:tc>
+                  <a:txBody>
+                    <a:bodyPr/>
+                    <a:lstStyle/>
+                    <a:p>
+                      <a:r>
+                        <a:rPr lang="en-US" sz="2000">
+                          <a:solidFill>
+                            <a:srgbClr val="000000"/>
+                          </a:solidFill>
+                          <a:effectLst/>
+                          <a:latin typeface="Calibri" panose="020F0502020204030204" pitchFamily="34" charset="0"/>
+                          <a:cs typeface="Arial" panose="020B0604020202020204" pitchFamily="34" charset="0"/>
+                        </a:rPr>
+                        <a:t>0.0101</a:t>
+                      </a:r>
+                      <a:endParaRPr lang="en-US" sz="2000">
+                        <a:effectLst/>
+                        <a:latin typeface="Calibri" panose="020F0502020204030204" pitchFamily="34" charset="0"/>
+                        <a:cs typeface="Arial" panose="020B0604020202020204" pitchFamily="34" charset="0"/>
+                      </a:endParaRPr>
+                    </a:p>
+                  </a:txBody>
+                  <a:tcPr marL="68580" marR="68580" marT="0" marB="0"/>
+                </a:tc>
+                <a:tc>
+                  <a:txBody>
+                    <a:bodyPr/>
+                    <a:lstStyle/>
+                    <a:p>
+                      <a:r>
+                        <a:rPr lang="en-US" sz="2000">
+                          <a:solidFill>
+                            <a:srgbClr val="000000"/>
+                          </a:solidFill>
+                          <a:effectLst/>
+                          <a:latin typeface="Calibri" panose="020F0502020204030204" pitchFamily="34" charset="0"/>
+                          <a:cs typeface="Arial" panose="020B0604020202020204" pitchFamily="34" charset="0"/>
+                        </a:rPr>
+                        <a:t>0.0097</a:t>
+                      </a:r>
+                      <a:endParaRPr lang="en-US" sz="2000">
+                        <a:effectLst/>
+                        <a:latin typeface="Calibri" panose="020F0502020204030204" pitchFamily="34" charset="0"/>
+                        <a:cs typeface="Arial" panose="020B0604020202020204" pitchFamily="34" charset="0"/>
+                      </a:endParaRPr>
+                    </a:p>
+                  </a:txBody>
+                  <a:tcPr marL="68580" marR="68580" marT="0" marB="0"/>
+                </a:tc>
+                <a:tc>
+                  <a:txBody>
+                    <a:bodyPr/>
+                    <a:lstStyle/>
+                    <a:p>
+                      <a:r>
+                        <a:rPr lang="en-US" sz="2000">
+                          <a:solidFill>
+                            <a:srgbClr val="000000"/>
+                          </a:solidFill>
+                          <a:effectLst/>
+                          <a:latin typeface="Calibri" panose="020F0502020204030204" pitchFamily="34" charset="0"/>
+                          <a:cs typeface="Arial" panose="020B0604020202020204" pitchFamily="34" charset="0"/>
+                        </a:rPr>
+                        <a:t>0.7401</a:t>
+                      </a:r>
+                      <a:endParaRPr lang="en-US" sz="2000">
+                        <a:effectLst/>
+                        <a:latin typeface="Calibri" panose="020F0502020204030204" pitchFamily="34" charset="0"/>
+                        <a:cs typeface="Arial" panose="020B0604020202020204" pitchFamily="34" charset="0"/>
+                      </a:endParaRPr>
+                    </a:p>
+                  </a:txBody>
+                  <a:tcPr marL="68580" marR="68580" marT="0" marB="0"/>
+                </a:tc>
+                <a:tc>
+                  <a:txBody>
+                    <a:bodyPr/>
+                    <a:lstStyle/>
+                    <a:p>
+                      <a:r>
+                        <a:rPr lang="en-US" sz="2000">
+                          <a:solidFill>
+                            <a:srgbClr val="000000"/>
+                          </a:solidFill>
+                          <a:effectLst/>
+                          <a:latin typeface="Calibri" panose="020F0502020204030204" pitchFamily="34" charset="0"/>
+                          <a:cs typeface="Arial" panose="020B0604020202020204" pitchFamily="34" charset="0"/>
+                        </a:rPr>
+                        <a:t>0.7527</a:t>
+                      </a:r>
+                      <a:endParaRPr lang="en-US" sz="2000">
+                        <a:effectLst/>
+                        <a:latin typeface="Calibri" panose="020F0502020204030204" pitchFamily="34" charset="0"/>
+                        <a:cs typeface="Arial" panose="020B0604020202020204" pitchFamily="34" charset="0"/>
+                      </a:endParaRPr>
+                    </a:p>
+                  </a:txBody>
+                  <a:tcPr marL="68580" marR="68580" marT="0" marB="0"/>
+                </a:tc>
+              </a:tr>
+              <a:tr h="370840">
+                <a:tc>
+                  <a:txBody>
+                    <a:bodyPr/>
+                    <a:lstStyle/>
+                    <a:p>
+                      <a:pPr marL="0" marR="0">
+                        <a:lnSpc>
+                          <a:spcPct val="107000"/>
+                        </a:lnSpc>
+                        <a:spcBef>
+                          <a:spcPts val="0"/>
+                        </a:spcBef>
+                        <a:spcAft>
+                          <a:spcPts val="0"/>
+                        </a:spcAft>
+                      </a:pPr>
+                      <a:r>
+                        <a:rPr lang="en-US" sz="2000" dirty="0" smtClean="0">
+                          <a:effectLst/>
+                          <a:latin typeface="Calibri" panose="020F0502020204030204" pitchFamily="34" charset="0"/>
+                          <a:ea typeface="Calibri" panose="020F0502020204030204" pitchFamily="34" charset="0"/>
+                          <a:cs typeface="Arial" panose="020B0604020202020204" pitchFamily="34" charset="0"/>
+                        </a:rPr>
+                        <a:t>MLR</a:t>
+                      </a:r>
+                      <a:endParaRPr lang="en-US" sz="2000" dirty="0">
+                        <a:effectLst/>
+                        <a:latin typeface="Calibri" panose="020F0502020204030204" pitchFamily="34" charset="0"/>
+                        <a:ea typeface="Calibri" panose="020F0502020204030204" pitchFamily="34" charset="0"/>
+                        <a:cs typeface="Arial" panose="020B0604020202020204" pitchFamily="34" charset="0"/>
+                      </a:endParaRPr>
+                    </a:p>
+                  </a:txBody>
+                  <a:tcPr marL="68580" marR="68580" marT="0" marB="0"/>
+                </a:tc>
+                <a:tc>
+                  <a:txBody>
+                    <a:bodyPr/>
+                    <a:lstStyle/>
+                    <a:p>
+                      <a:pPr marL="0" marR="0">
+                        <a:lnSpc>
+                          <a:spcPct val="107000"/>
+                        </a:lnSpc>
+                        <a:spcBef>
+                          <a:spcPts val="0"/>
+                        </a:spcBef>
+                        <a:spcAft>
+                          <a:spcPts val="0"/>
+                        </a:spcAft>
+                      </a:pPr>
+                      <a:r>
+                        <a:rPr lang="en-US" sz="2000">
+                          <a:solidFill>
+                            <a:srgbClr val="000000"/>
+                          </a:solidFill>
+                          <a:effectLst/>
+                          <a:latin typeface="Calibri" panose="020F0502020204030204" pitchFamily="34" charset="0"/>
+                          <a:cs typeface="Arial" panose="020B0604020202020204" pitchFamily="34" charset="0"/>
+                        </a:rPr>
+                        <a:t>0.0100</a:t>
+                      </a:r>
+                      <a:r>
+                        <a:rPr lang="en-US" sz="2000">
+                          <a:effectLst/>
+                          <a:latin typeface="Calibri" panose="020F0502020204030204" pitchFamily="34" charset="0"/>
+                          <a:cs typeface="Arial" panose="020B0604020202020204" pitchFamily="34" charset="0"/>
+                        </a:rPr>
+                        <a:t> </a:t>
+                      </a:r>
+                      <a:r>
+                        <a:rPr lang="en-US" sz="2000">
+                          <a:effectLst/>
+                          <a:latin typeface="Calibri" panose="020F0502020204030204" pitchFamily="34" charset="0"/>
+                          <a:ea typeface="Calibri" panose="020F0502020204030204" pitchFamily="34" charset="0"/>
+                          <a:cs typeface="Arial" panose="020B0604020202020204" pitchFamily="34" charset="0"/>
+                        </a:rPr>
+                        <a:t> </a:t>
+                      </a:r>
+                    </a:p>
+                  </a:txBody>
+                  <a:tcPr marL="68580" marR="68580" marT="0" marB="0"/>
+                </a:tc>
+                <a:tc>
+                  <a:txBody>
+                    <a:bodyPr/>
+                    <a:lstStyle/>
+                    <a:p>
+                      <a:pPr marL="0" marR="0">
+                        <a:lnSpc>
+                          <a:spcPct val="107000"/>
+                        </a:lnSpc>
+                        <a:spcBef>
+                          <a:spcPts val="0"/>
+                        </a:spcBef>
+                        <a:spcAft>
+                          <a:spcPts val="0"/>
+                        </a:spcAft>
+                      </a:pPr>
+                      <a:r>
+                        <a:rPr lang="en-US" sz="2000">
+                          <a:solidFill>
+                            <a:srgbClr val="000000"/>
+                          </a:solidFill>
+                          <a:effectLst/>
+                          <a:latin typeface="Calibri" panose="020F0502020204030204" pitchFamily="34" charset="0"/>
+                          <a:cs typeface="Arial" panose="020B0604020202020204" pitchFamily="34" charset="0"/>
+                        </a:rPr>
+                        <a:t>0.0097</a:t>
+                      </a:r>
+                      <a:r>
+                        <a:rPr lang="en-US" sz="2000">
+                          <a:effectLst/>
+                          <a:latin typeface="Calibri" panose="020F0502020204030204" pitchFamily="34" charset="0"/>
+                          <a:cs typeface="Arial" panose="020B0604020202020204" pitchFamily="34" charset="0"/>
+                        </a:rPr>
+                        <a:t> </a:t>
+                      </a:r>
+                      <a:r>
+                        <a:rPr lang="en-US" sz="2000">
+                          <a:effectLst/>
+                          <a:latin typeface="Calibri" panose="020F0502020204030204" pitchFamily="34" charset="0"/>
+                          <a:ea typeface="Calibri" panose="020F0502020204030204" pitchFamily="34" charset="0"/>
+                          <a:cs typeface="Arial" panose="020B0604020202020204" pitchFamily="34" charset="0"/>
+                        </a:rPr>
+                        <a:t> </a:t>
+                      </a:r>
+                    </a:p>
+                  </a:txBody>
+                  <a:tcPr marL="68580" marR="68580" marT="0" marB="0"/>
+                </a:tc>
+                <a:tc>
+                  <a:txBody>
+                    <a:bodyPr/>
+                    <a:lstStyle/>
+                    <a:p>
+                      <a:pPr marL="0" marR="0">
+                        <a:lnSpc>
+                          <a:spcPct val="107000"/>
+                        </a:lnSpc>
+                        <a:spcBef>
+                          <a:spcPts val="0"/>
+                        </a:spcBef>
+                        <a:spcAft>
+                          <a:spcPts val="0"/>
+                        </a:spcAft>
+                      </a:pPr>
+                      <a:r>
+                        <a:rPr lang="en-US" sz="2000">
+                          <a:solidFill>
+                            <a:srgbClr val="000000"/>
+                          </a:solidFill>
+                          <a:effectLst/>
+                          <a:latin typeface="Calibri" panose="020F0502020204030204" pitchFamily="34" charset="0"/>
+                          <a:cs typeface="Arial" panose="020B0604020202020204" pitchFamily="34" charset="0"/>
+                        </a:rPr>
+                        <a:t>0.7425</a:t>
+                      </a:r>
+                      <a:r>
+                        <a:rPr lang="en-US" sz="2000">
+                          <a:effectLst/>
+                          <a:latin typeface="Calibri" panose="020F0502020204030204" pitchFamily="34" charset="0"/>
+                          <a:cs typeface="Arial" panose="020B0604020202020204" pitchFamily="34" charset="0"/>
+                        </a:rPr>
+                        <a:t> </a:t>
+                      </a:r>
+                      <a:r>
+                        <a:rPr lang="en-US" sz="2000">
+                          <a:effectLst/>
+                          <a:latin typeface="Calibri" panose="020F0502020204030204" pitchFamily="34" charset="0"/>
+                          <a:ea typeface="Calibri" panose="020F0502020204030204" pitchFamily="34" charset="0"/>
+                          <a:cs typeface="Arial" panose="020B0604020202020204" pitchFamily="34" charset="0"/>
+                        </a:rPr>
+                        <a:t> </a:t>
+                      </a:r>
+                    </a:p>
+                  </a:txBody>
+                  <a:tcPr marL="68580" marR="68580" marT="0" marB="0"/>
+                </a:tc>
+                <a:tc>
+                  <a:txBody>
+                    <a:bodyPr/>
+                    <a:lstStyle/>
+                    <a:p>
+                      <a:pPr marL="0" marR="0">
+                        <a:lnSpc>
+                          <a:spcPct val="107000"/>
+                        </a:lnSpc>
+                        <a:spcBef>
+                          <a:spcPts val="0"/>
+                        </a:spcBef>
+                        <a:spcAft>
+                          <a:spcPts val="0"/>
+                        </a:spcAft>
+                      </a:pPr>
+                      <a:r>
+                        <a:rPr lang="en-US" sz="2000" dirty="0">
+                          <a:solidFill>
+                            <a:srgbClr val="000000"/>
+                          </a:solidFill>
+                          <a:effectLst/>
+                          <a:latin typeface="Calibri" panose="020F0502020204030204" pitchFamily="34" charset="0"/>
+                          <a:cs typeface="Arial" panose="020B0604020202020204" pitchFamily="34" charset="0"/>
+                        </a:rPr>
+                        <a:t>0.7525</a:t>
+                      </a:r>
+                      <a:r>
+                        <a:rPr lang="en-US" sz="2000" dirty="0">
+                          <a:effectLst/>
+                          <a:latin typeface="Calibri" panose="020F0502020204030204" pitchFamily="34" charset="0"/>
+                          <a:cs typeface="Arial" panose="020B0604020202020204" pitchFamily="34" charset="0"/>
+                        </a:rPr>
+                        <a:t> </a:t>
+                      </a:r>
+                      <a:r>
+                        <a:rPr lang="en-US" sz="2000" dirty="0">
+                          <a:effectLst/>
+                          <a:latin typeface="Calibri" panose="020F0502020204030204" pitchFamily="34" charset="0"/>
+                          <a:ea typeface="Calibri" panose="020F0502020204030204" pitchFamily="34" charset="0"/>
+                          <a:cs typeface="Arial" panose="020B0604020202020204" pitchFamily="34" charset="0"/>
+                        </a:rPr>
+                        <a:t> </a:t>
+                      </a:r>
+                    </a:p>
+                  </a:txBody>
+                  <a:tcPr marL="68580" marR="68580" marT="0" marB="0"/>
+                </a:tc>
+              </a:tr>
+              <a:tr h="370840">
+                <a:tc>
+                  <a:txBody>
+                    <a:bodyPr/>
+                    <a:lstStyle/>
+                    <a:p>
+                      <a:pPr marL="0" marR="0">
+                        <a:lnSpc>
+                          <a:spcPct val="107000"/>
+                        </a:lnSpc>
+                        <a:spcBef>
+                          <a:spcPts val="0"/>
+                        </a:spcBef>
+                        <a:spcAft>
+                          <a:spcPts val="0"/>
+                        </a:spcAft>
+                      </a:pPr>
+                      <a:r>
+                        <a:rPr lang="en-US" sz="2000" dirty="0">
+                          <a:effectLst/>
+                          <a:latin typeface="Calibri" panose="020F0502020204030204" pitchFamily="34" charset="0"/>
+                          <a:ea typeface="Calibri" panose="020F0502020204030204" pitchFamily="34" charset="0"/>
+                          <a:cs typeface="Arial" panose="020B0604020202020204" pitchFamily="34" charset="0"/>
+                        </a:rPr>
+                        <a:t>SVR </a:t>
+                      </a:r>
+                      <a:r>
+                        <a:rPr lang="en-US" sz="2000" dirty="0" smtClean="0">
+                          <a:effectLst/>
+                          <a:latin typeface="Calibri" panose="020F0502020204030204" pitchFamily="34" charset="0"/>
+                          <a:ea typeface="Calibri" panose="020F0502020204030204" pitchFamily="34" charset="0"/>
+                          <a:cs typeface="Arial" panose="020B0604020202020204" pitchFamily="34" charset="0"/>
+                        </a:rPr>
+                        <a:t>(Linear)</a:t>
+                      </a:r>
+                      <a:endParaRPr lang="en-US" sz="2000" dirty="0">
+                        <a:effectLst/>
+                        <a:latin typeface="Calibri" panose="020F0502020204030204" pitchFamily="34" charset="0"/>
+                        <a:ea typeface="Calibri" panose="020F0502020204030204" pitchFamily="34" charset="0"/>
+                        <a:cs typeface="Arial" panose="020B0604020202020204" pitchFamily="34" charset="0"/>
+                      </a:endParaRPr>
+                    </a:p>
+                  </a:txBody>
+                  <a:tcPr marL="68580" marR="68580" marT="0" marB="0"/>
+                </a:tc>
+                <a:tc>
+                  <a:txBody>
+                    <a:bodyPr/>
+                    <a:lstStyle/>
+                    <a:p>
+                      <a:r>
+                        <a:rPr lang="en-US" sz="2000">
+                          <a:solidFill>
+                            <a:srgbClr val="000000"/>
+                          </a:solidFill>
+                          <a:effectLst/>
+                          <a:latin typeface="Calibri" panose="020F0502020204030204" pitchFamily="34" charset="0"/>
+                          <a:cs typeface="Arial" panose="020B0604020202020204" pitchFamily="34" charset="0"/>
+                        </a:rPr>
+                        <a:t>0.0354</a:t>
+                      </a:r>
+                      <a:endParaRPr lang="en-US" sz="2000">
+                        <a:effectLst/>
+                        <a:latin typeface="Calibri" panose="020F0502020204030204" pitchFamily="34" charset="0"/>
+                        <a:cs typeface="Arial" panose="020B0604020202020204" pitchFamily="34" charset="0"/>
+                      </a:endParaRPr>
+                    </a:p>
+                  </a:txBody>
+                  <a:tcPr marL="68580" marR="68580" marT="0" marB="0"/>
+                </a:tc>
+                <a:tc>
+                  <a:txBody>
+                    <a:bodyPr/>
+                    <a:lstStyle/>
+                    <a:p>
+                      <a:r>
+                        <a:rPr lang="en-US" sz="2000">
+                          <a:solidFill>
+                            <a:srgbClr val="000000"/>
+                          </a:solidFill>
+                          <a:effectLst/>
+                          <a:latin typeface="Calibri" panose="020F0502020204030204" pitchFamily="34" charset="0"/>
+                          <a:cs typeface="Arial" panose="020B0604020202020204" pitchFamily="34" charset="0"/>
+                        </a:rPr>
+                        <a:t>0.0355</a:t>
+                      </a:r>
+                      <a:endParaRPr lang="en-US" sz="2000">
+                        <a:effectLst/>
+                        <a:latin typeface="Calibri" panose="020F0502020204030204" pitchFamily="34" charset="0"/>
+                        <a:cs typeface="Arial" panose="020B0604020202020204" pitchFamily="34" charset="0"/>
+                      </a:endParaRPr>
+                    </a:p>
+                  </a:txBody>
+                  <a:tcPr marL="68580" marR="68580" marT="0" marB="0"/>
+                </a:tc>
+                <a:tc>
+                  <a:txBody>
+                    <a:bodyPr/>
+                    <a:lstStyle/>
+                    <a:p>
+                      <a:r>
+                        <a:rPr lang="en-US" sz="2000">
+                          <a:solidFill>
+                            <a:srgbClr val="000000"/>
+                          </a:solidFill>
+                          <a:effectLst/>
+                          <a:latin typeface="Calibri" panose="020F0502020204030204" pitchFamily="34" charset="0"/>
+                          <a:cs typeface="Arial" panose="020B0604020202020204" pitchFamily="34" charset="0"/>
+                        </a:rPr>
+                        <a:t>0.0883</a:t>
+                      </a:r>
+                      <a:endParaRPr lang="en-US" sz="2000">
+                        <a:effectLst/>
+                        <a:latin typeface="Calibri" panose="020F0502020204030204" pitchFamily="34" charset="0"/>
+                        <a:cs typeface="Arial" panose="020B0604020202020204" pitchFamily="34" charset="0"/>
+                      </a:endParaRPr>
+                    </a:p>
+                  </a:txBody>
+                  <a:tcPr marL="68580" marR="68580" marT="0" marB="0"/>
+                </a:tc>
+                <a:tc>
+                  <a:txBody>
+                    <a:bodyPr/>
+                    <a:lstStyle/>
+                    <a:p>
+                      <a:r>
+                        <a:rPr lang="en-US" sz="2000">
+                          <a:solidFill>
+                            <a:srgbClr val="000000"/>
+                          </a:solidFill>
+                          <a:effectLst/>
+                          <a:latin typeface="Calibri" panose="020F0502020204030204" pitchFamily="34" charset="0"/>
+                          <a:cs typeface="Arial" panose="020B0604020202020204" pitchFamily="34" charset="0"/>
+                        </a:rPr>
+                        <a:t>0.0985</a:t>
+                      </a:r>
+                      <a:endParaRPr lang="en-US" sz="2000">
+                        <a:effectLst/>
+                        <a:latin typeface="Calibri" panose="020F0502020204030204" pitchFamily="34" charset="0"/>
+                        <a:cs typeface="Arial" panose="020B0604020202020204" pitchFamily="34" charset="0"/>
+                      </a:endParaRPr>
+                    </a:p>
+                  </a:txBody>
+                  <a:tcPr marL="68580" marR="68580" marT="0" marB="0"/>
+                </a:tc>
+              </a:tr>
+              <a:tr h="370840">
+                <a:tc>
+                  <a:txBody>
+                    <a:bodyPr/>
+                    <a:lstStyle/>
+                    <a:p>
+                      <a:pPr marL="0" marR="0">
+                        <a:lnSpc>
+                          <a:spcPct val="107000"/>
+                        </a:lnSpc>
+                        <a:spcBef>
+                          <a:spcPts val="0"/>
+                        </a:spcBef>
+                        <a:spcAft>
+                          <a:spcPts val="0"/>
+                        </a:spcAft>
+                      </a:pPr>
+                      <a:r>
+                        <a:rPr lang="en-US" sz="2000" dirty="0">
+                          <a:effectLst/>
+                          <a:latin typeface="Calibri" panose="020F0502020204030204" pitchFamily="34" charset="0"/>
+                          <a:ea typeface="Calibri" panose="020F0502020204030204" pitchFamily="34" charset="0"/>
+                          <a:cs typeface="Arial" panose="020B0604020202020204" pitchFamily="34" charset="0"/>
+                        </a:rPr>
+                        <a:t>SVR </a:t>
+                      </a:r>
+                      <a:r>
+                        <a:rPr lang="en-US" sz="2000" dirty="0" smtClean="0">
+                          <a:effectLst/>
+                          <a:latin typeface="Calibri" panose="020F0502020204030204" pitchFamily="34" charset="0"/>
+                          <a:ea typeface="Calibri" panose="020F0502020204030204" pitchFamily="34" charset="0"/>
+                          <a:cs typeface="Arial" panose="020B0604020202020204" pitchFamily="34" charset="0"/>
+                        </a:rPr>
+                        <a:t>(RBF)</a:t>
+                      </a:r>
+                      <a:endParaRPr lang="en-US" sz="2000" dirty="0">
+                        <a:effectLst/>
+                        <a:latin typeface="Calibri" panose="020F0502020204030204" pitchFamily="34" charset="0"/>
+                        <a:ea typeface="Calibri" panose="020F0502020204030204" pitchFamily="34" charset="0"/>
+                        <a:cs typeface="Arial" panose="020B0604020202020204" pitchFamily="34" charset="0"/>
+                      </a:endParaRPr>
+                    </a:p>
+                  </a:txBody>
+                  <a:tcPr marL="68580" marR="68580" marT="0" marB="0"/>
+                </a:tc>
+                <a:tc>
+                  <a:txBody>
+                    <a:bodyPr/>
+                    <a:lstStyle/>
+                    <a:p>
+                      <a:r>
+                        <a:rPr lang="en-US" sz="2000">
+                          <a:solidFill>
+                            <a:srgbClr val="000000"/>
+                          </a:solidFill>
+                          <a:effectLst/>
+                          <a:latin typeface="Calibri" panose="020F0502020204030204" pitchFamily="34" charset="0"/>
+                          <a:cs typeface="Arial" panose="020B0604020202020204" pitchFamily="34" charset="0"/>
+                        </a:rPr>
+                        <a:t>0.0079</a:t>
+                      </a:r>
+                      <a:endParaRPr lang="en-US" sz="2000">
+                        <a:effectLst/>
+                        <a:latin typeface="Calibri" panose="020F0502020204030204" pitchFamily="34" charset="0"/>
+                        <a:cs typeface="Arial" panose="020B0604020202020204" pitchFamily="34" charset="0"/>
+                      </a:endParaRPr>
+                    </a:p>
+                  </a:txBody>
+                  <a:tcPr marL="68580" marR="68580" marT="0" marB="0"/>
+                </a:tc>
+                <a:tc>
+                  <a:txBody>
+                    <a:bodyPr/>
+                    <a:lstStyle/>
+                    <a:p>
+                      <a:r>
+                        <a:rPr lang="en-US" sz="2000">
+                          <a:solidFill>
+                            <a:srgbClr val="000000"/>
+                          </a:solidFill>
+                          <a:effectLst/>
+                          <a:latin typeface="Calibri" panose="020F0502020204030204" pitchFamily="34" charset="0"/>
+                          <a:cs typeface="Arial" panose="020B0604020202020204" pitchFamily="34" charset="0"/>
+                        </a:rPr>
+                        <a:t>0.0394</a:t>
+                      </a:r>
+                      <a:endParaRPr lang="en-US" sz="2000">
+                        <a:effectLst/>
+                        <a:latin typeface="Calibri" panose="020F0502020204030204" pitchFamily="34" charset="0"/>
+                        <a:cs typeface="Arial" panose="020B0604020202020204" pitchFamily="34" charset="0"/>
+                      </a:endParaRPr>
+                    </a:p>
+                  </a:txBody>
+                  <a:tcPr marL="68580" marR="68580" marT="0" marB="0"/>
+                </a:tc>
+                <a:tc>
+                  <a:txBody>
+                    <a:bodyPr/>
+                    <a:lstStyle/>
+                    <a:p>
+                      <a:r>
+                        <a:rPr lang="en-US" sz="2000">
+                          <a:solidFill>
+                            <a:srgbClr val="000000"/>
+                          </a:solidFill>
+                          <a:effectLst/>
+                          <a:latin typeface="Calibri" panose="020F0502020204030204" pitchFamily="34" charset="0"/>
+                          <a:cs typeface="Arial" panose="020B0604020202020204" pitchFamily="34" charset="0"/>
+                        </a:rPr>
+                        <a:t>0.7950</a:t>
+                      </a:r>
+                      <a:endParaRPr lang="en-US" sz="2000">
+                        <a:effectLst/>
+                        <a:latin typeface="Calibri" panose="020F0502020204030204" pitchFamily="34" charset="0"/>
+                        <a:cs typeface="Arial" panose="020B0604020202020204" pitchFamily="34" charset="0"/>
+                      </a:endParaRPr>
+                    </a:p>
+                  </a:txBody>
+                  <a:tcPr marL="68580" marR="68580" marT="0" marB="0"/>
+                </a:tc>
+                <a:tc>
+                  <a:txBody>
+                    <a:bodyPr/>
+                    <a:lstStyle/>
+                    <a:p>
+                      <a:r>
+                        <a:rPr lang="en-US" sz="2000" dirty="0">
+                          <a:solidFill>
+                            <a:srgbClr val="000000"/>
+                          </a:solidFill>
+                          <a:effectLst/>
+                          <a:latin typeface="Calibri" panose="020F0502020204030204" pitchFamily="34" charset="0"/>
+                          <a:cs typeface="Arial" panose="020B0604020202020204" pitchFamily="34" charset="0"/>
+                        </a:rPr>
+                        <a:t>-0.0004</a:t>
+                      </a:r>
+                      <a:endParaRPr lang="en-US" sz="2000" dirty="0">
+                        <a:effectLst/>
+                        <a:latin typeface="Calibri" panose="020F0502020204030204" pitchFamily="34" charset="0"/>
+                        <a:cs typeface="Arial" panose="020B0604020202020204" pitchFamily="34" charset="0"/>
+                      </a:endParaRPr>
+                    </a:p>
+                  </a:txBody>
+                  <a:tcPr marL="68580" marR="68580" marT="0" marB="0"/>
+                </a:tc>
               </a:tr>
             </a:tbl>
           </a:graphicData>
@@ -7600,7 +7751,7 @@
           <p:cNvPr id="2" name="Title 1">
             <a:extLst>
               <a:ext uri="{FF2B5EF4-FFF2-40B4-BE49-F238E27FC236}">
-                <a16:creationId xmlns:a16="http://schemas.microsoft.com/office/drawing/2014/main" xmlns="" id="{79E65A62-C5FB-431E-B862-461D341E5983}"/>
+                <a16:creationId xmlns="" xmlns:a16="http://schemas.microsoft.com/office/drawing/2014/main" id="{79E65A62-C5FB-431E-B862-461D341E5983}"/>
               </a:ext>
             </a:extLst>
           </p:cNvPr>
@@ -7694,7 +7845,7 @@
           <p:cNvPr id="2" name="Title 1">
             <a:extLst>
               <a:ext uri="{FF2B5EF4-FFF2-40B4-BE49-F238E27FC236}">
-                <a16:creationId xmlns:a16="http://schemas.microsoft.com/office/drawing/2014/main" xmlns="" id="{C312DCD3-A96E-4302-AACC-82ADF7558357}"/>
+                <a16:creationId xmlns="" xmlns:a16="http://schemas.microsoft.com/office/drawing/2014/main" id="{C312DCD3-A96E-4302-AACC-82ADF7558357}"/>
               </a:ext>
             </a:extLst>
           </p:cNvPr>
@@ -7722,7 +7873,7 @@
           <p:cNvPr id="3" name="Content Placeholder 2">
             <a:extLst>
               <a:ext uri="{FF2B5EF4-FFF2-40B4-BE49-F238E27FC236}">
-                <a16:creationId xmlns:a16="http://schemas.microsoft.com/office/drawing/2014/main" xmlns="" id="{A686377E-288B-4E0D-8E13-61E84A3C29D0}"/>
+                <a16:creationId xmlns="" xmlns:a16="http://schemas.microsoft.com/office/drawing/2014/main" id="{A686377E-288B-4E0D-8E13-61E84A3C29D0}"/>
               </a:ext>
             </a:extLst>
           </p:cNvPr>
@@ -7839,7 +7990,7 @@
           <p:cNvPr id="3" name="Subtitle 2">
             <a:extLst>
               <a:ext uri="{FF2B5EF4-FFF2-40B4-BE49-F238E27FC236}">
-                <a16:creationId xmlns:a16="http://schemas.microsoft.com/office/drawing/2014/main" xmlns="" id="{0491E7B6-C738-4E38-934D-4ADF7B4F25A8}"/>
+                <a16:creationId xmlns="" xmlns:a16="http://schemas.microsoft.com/office/drawing/2014/main" id="{0491E7B6-C738-4E38-934D-4ADF7B4F25A8}"/>
               </a:ext>
             </a:extLst>
           </p:cNvPr>
@@ -8018,7 +8169,7 @@
           <p:cNvPr id="2" name="Title 1">
             <a:extLst>
               <a:ext uri="{FF2B5EF4-FFF2-40B4-BE49-F238E27FC236}">
-                <a16:creationId xmlns:a16="http://schemas.microsoft.com/office/drawing/2014/main" xmlns="" id="{5D97B85C-D385-4447-8C64-08FCE36F92EE}"/>
+                <a16:creationId xmlns="" xmlns:a16="http://schemas.microsoft.com/office/drawing/2014/main" id="{5D97B85C-D385-4447-8C64-08FCE36F92EE}"/>
               </a:ext>
             </a:extLst>
           </p:cNvPr>
@@ -8046,7 +8197,7 @@
           <p:cNvPr id="3" name="Content Placeholder 2">
             <a:extLst>
               <a:ext uri="{FF2B5EF4-FFF2-40B4-BE49-F238E27FC236}">
-                <a16:creationId xmlns:a16="http://schemas.microsoft.com/office/drawing/2014/main" xmlns="" id="{6597500A-BA87-4425-9F10-02CEDA1B675D}"/>
+                <a16:creationId xmlns="" xmlns:a16="http://schemas.microsoft.com/office/drawing/2014/main" id="{6597500A-BA87-4425-9F10-02CEDA1B675D}"/>
               </a:ext>
             </a:extLst>
           </p:cNvPr>
@@ -8127,7 +8278,7 @@
           <p:cNvPr id="2" name="Title 1">
             <a:extLst>
               <a:ext uri="{FF2B5EF4-FFF2-40B4-BE49-F238E27FC236}">
-                <a16:creationId xmlns:a16="http://schemas.microsoft.com/office/drawing/2014/main" xmlns="" id="{6FEC3F22-8B15-4466-96D5-3CF8F1FF9F4C}"/>
+                <a16:creationId xmlns="" xmlns:a16="http://schemas.microsoft.com/office/drawing/2014/main" id="{6FEC3F22-8B15-4466-96D5-3CF8F1FF9F4C}"/>
               </a:ext>
             </a:extLst>
           </p:cNvPr>
@@ -8155,7 +8306,7 @@
           <p:cNvPr id="3" name="Content Placeholder 2">
             <a:extLst>
               <a:ext uri="{FF2B5EF4-FFF2-40B4-BE49-F238E27FC236}">
-                <a16:creationId xmlns:a16="http://schemas.microsoft.com/office/drawing/2014/main" xmlns="" id="{3C217D7B-52B8-4779-AE2F-93D29A46AE16}"/>
+                <a16:creationId xmlns="" xmlns:a16="http://schemas.microsoft.com/office/drawing/2014/main" id="{3C217D7B-52B8-4779-AE2F-93D29A46AE16}"/>
               </a:ext>
             </a:extLst>
           </p:cNvPr>
@@ -8225,7 +8376,7 @@
           <p:cNvPr id="2" name="Title 1">
             <a:extLst>
               <a:ext uri="{FF2B5EF4-FFF2-40B4-BE49-F238E27FC236}">
-                <a16:creationId xmlns:a16="http://schemas.microsoft.com/office/drawing/2014/main" xmlns="" id="{BAF51D18-8BAF-400D-A965-98950209E8E5}"/>
+                <a16:creationId xmlns="" xmlns:a16="http://schemas.microsoft.com/office/drawing/2014/main" id="{BAF51D18-8BAF-400D-A965-98950209E8E5}"/>
               </a:ext>
             </a:extLst>
           </p:cNvPr>
@@ -8253,7 +8404,7 @@
           <p:cNvPr id="3" name="Content Placeholder 2">
             <a:extLst>
               <a:ext uri="{FF2B5EF4-FFF2-40B4-BE49-F238E27FC236}">
-                <a16:creationId xmlns:a16="http://schemas.microsoft.com/office/drawing/2014/main" xmlns="" id="{A5DF8413-ACA4-4184-B1CB-504921689A29}"/>
+                <a16:creationId xmlns="" xmlns:a16="http://schemas.microsoft.com/office/drawing/2014/main" id="{A5DF8413-ACA4-4184-B1CB-504921689A29}"/>
               </a:ext>
             </a:extLst>
           </p:cNvPr>
@@ -8342,7 +8493,7 @@
           <p:cNvPr id="2" name="Title 1">
             <a:extLst>
               <a:ext uri="{FF2B5EF4-FFF2-40B4-BE49-F238E27FC236}">
-                <a16:creationId xmlns:a16="http://schemas.microsoft.com/office/drawing/2014/main" xmlns="" id="{2659340A-85FA-44B4-A7C6-61B4FE39900E}"/>
+                <a16:creationId xmlns="" xmlns:a16="http://schemas.microsoft.com/office/drawing/2014/main" id="{2659340A-85FA-44B4-A7C6-61B4FE39900E}"/>
               </a:ext>
             </a:extLst>
           </p:cNvPr>
@@ -8370,7 +8521,7 @@
           <p:cNvPr id="4" name="Table 4">
             <a:extLst>
               <a:ext uri="{FF2B5EF4-FFF2-40B4-BE49-F238E27FC236}">
-                <a16:creationId xmlns:a16="http://schemas.microsoft.com/office/drawing/2014/main" xmlns="" id="{5ADF95A4-239B-47BC-AB79-B90C26415251}"/>
+                <a16:creationId xmlns="" xmlns:a16="http://schemas.microsoft.com/office/drawing/2014/main" id="{5ADF95A4-239B-47BC-AB79-B90C26415251}"/>
               </a:ext>
             </a:extLst>
           </p:cNvPr>
@@ -8400,14 +8551,14 @@
                 <a:gridCol w="2311416">
                   <a:extLst>
                     <a:ext uri="{9D8B030D-6E8A-4147-A177-3AD203B41FA5}">
-                      <a16:colId xmlns:a16="http://schemas.microsoft.com/office/drawing/2014/main" xmlns="" val="2556204690"/>
+                      <a16:colId xmlns="" xmlns:a16="http://schemas.microsoft.com/office/drawing/2014/main" val="2556204690"/>
                     </a:ext>
                   </a:extLst>
                 </a:gridCol>
                 <a:gridCol w="7937484">
                   <a:extLst>
                     <a:ext uri="{9D8B030D-6E8A-4147-A177-3AD203B41FA5}">
-                      <a16:colId xmlns:a16="http://schemas.microsoft.com/office/drawing/2014/main" xmlns="" val="1728797356"/>
+                      <a16:colId xmlns="" xmlns:a16="http://schemas.microsoft.com/office/drawing/2014/main" val="1728797356"/>
                     </a:ext>
                   </a:extLst>
                 </a:gridCol>
@@ -8441,7 +8592,7 @@
                 </a:tc>
                 <a:extLst>
                   <a:ext uri="{0D108BD9-81ED-4DB2-BD59-A6C34878D82A}">
-                    <a16:rowId xmlns:a16="http://schemas.microsoft.com/office/drawing/2014/main" xmlns="" val="3792044333"/>
+                    <a16:rowId xmlns="" xmlns:a16="http://schemas.microsoft.com/office/drawing/2014/main" val="3792044333"/>
                   </a:ext>
                 </a:extLst>
               </a:tr>
@@ -8491,7 +8642,7 @@
                 </a:tc>
                 <a:extLst>
                   <a:ext uri="{0D108BD9-81ED-4DB2-BD59-A6C34878D82A}">
-                    <a16:rowId xmlns:a16="http://schemas.microsoft.com/office/drawing/2014/main" xmlns="" val="1133442547"/>
+                    <a16:rowId xmlns="" xmlns:a16="http://schemas.microsoft.com/office/drawing/2014/main" val="1133442547"/>
                   </a:ext>
                 </a:extLst>
               </a:tr>
@@ -8541,7 +8692,7 @@
                 </a:tc>
                 <a:extLst>
                   <a:ext uri="{0D108BD9-81ED-4DB2-BD59-A6C34878D82A}">
-                    <a16:rowId xmlns:a16="http://schemas.microsoft.com/office/drawing/2014/main" xmlns="" val="3089579431"/>
+                    <a16:rowId xmlns="" xmlns:a16="http://schemas.microsoft.com/office/drawing/2014/main" val="3089579431"/>
                   </a:ext>
                 </a:extLst>
               </a:tr>
@@ -8591,7 +8742,7 @@
                 </a:tc>
                 <a:extLst>
                   <a:ext uri="{0D108BD9-81ED-4DB2-BD59-A6C34878D82A}">
-                    <a16:rowId xmlns:a16="http://schemas.microsoft.com/office/drawing/2014/main" xmlns="" val="2944153996"/>
+                    <a16:rowId xmlns="" xmlns:a16="http://schemas.microsoft.com/office/drawing/2014/main" val="2944153996"/>
                   </a:ext>
                 </a:extLst>
               </a:tr>
@@ -8641,7 +8792,7 @@
                 </a:tc>
                 <a:extLst>
                   <a:ext uri="{0D108BD9-81ED-4DB2-BD59-A6C34878D82A}">
-                    <a16:rowId xmlns:a16="http://schemas.microsoft.com/office/drawing/2014/main" xmlns="" val="1315504536"/>
+                    <a16:rowId xmlns="" xmlns:a16="http://schemas.microsoft.com/office/drawing/2014/main" val="1315504536"/>
                   </a:ext>
                 </a:extLst>
               </a:tr>
@@ -8692,7 +8843,7 @@
                 </a:tc>
                 <a:extLst>
                   <a:ext uri="{0D108BD9-81ED-4DB2-BD59-A6C34878D82A}">
-                    <a16:rowId xmlns:a16="http://schemas.microsoft.com/office/drawing/2014/main" xmlns="" val="2518857726"/>
+                    <a16:rowId xmlns="" xmlns:a16="http://schemas.microsoft.com/office/drawing/2014/main" val="2518857726"/>
                   </a:ext>
                 </a:extLst>
               </a:tr>
@@ -8743,7 +8894,7 @@
                 </a:tc>
                 <a:extLst>
                   <a:ext uri="{0D108BD9-81ED-4DB2-BD59-A6C34878D82A}">
-                    <a16:rowId xmlns:a16="http://schemas.microsoft.com/office/drawing/2014/main" xmlns="" val="4196000835"/>
+                    <a16:rowId xmlns="" xmlns:a16="http://schemas.microsoft.com/office/drawing/2014/main" val="4196000835"/>
                   </a:ext>
                 </a:extLst>
               </a:tr>
@@ -8794,7 +8945,7 @@
                 </a:tc>
                 <a:extLst>
                   <a:ext uri="{0D108BD9-81ED-4DB2-BD59-A6C34878D82A}">
-                    <a16:rowId xmlns:a16="http://schemas.microsoft.com/office/drawing/2014/main" xmlns="" val="1368942327"/>
+                    <a16:rowId xmlns="" xmlns:a16="http://schemas.microsoft.com/office/drawing/2014/main" val="1368942327"/>
                   </a:ext>
                 </a:extLst>
               </a:tr>
@@ -8844,7 +8995,7 @@
                 </a:tc>
                 <a:extLst>
                   <a:ext uri="{0D108BD9-81ED-4DB2-BD59-A6C34878D82A}">
-                    <a16:rowId xmlns:a16="http://schemas.microsoft.com/office/drawing/2014/main" xmlns="" val="2898101195"/>
+                    <a16:rowId xmlns="" xmlns:a16="http://schemas.microsoft.com/office/drawing/2014/main" val="2898101195"/>
                   </a:ext>
                 </a:extLst>
               </a:tr>
@@ -8895,7 +9046,7 @@
                 </a:tc>
                 <a:extLst>
                   <a:ext uri="{0D108BD9-81ED-4DB2-BD59-A6C34878D82A}">
-                    <a16:rowId xmlns:a16="http://schemas.microsoft.com/office/drawing/2014/main" xmlns="" val="1707008614"/>
+                    <a16:rowId xmlns="" xmlns:a16="http://schemas.microsoft.com/office/drawing/2014/main" val="1707008614"/>
                   </a:ext>
                 </a:extLst>
               </a:tr>
@@ -8946,7 +9097,7 @@
                 </a:tc>
                 <a:extLst>
                   <a:ext uri="{0D108BD9-81ED-4DB2-BD59-A6C34878D82A}">
-                    <a16:rowId xmlns:a16="http://schemas.microsoft.com/office/drawing/2014/main" xmlns="" val="2712609509"/>
+                    <a16:rowId xmlns="" xmlns:a16="http://schemas.microsoft.com/office/drawing/2014/main" val="2712609509"/>
                   </a:ext>
                 </a:extLst>
               </a:tr>
@@ -8997,7 +9148,7 @@
                 </a:tc>
                 <a:extLst>
                   <a:ext uri="{0D108BD9-81ED-4DB2-BD59-A6C34878D82A}">
-                    <a16:rowId xmlns:a16="http://schemas.microsoft.com/office/drawing/2014/main" xmlns="" val="2277428236"/>
+                    <a16:rowId xmlns="" xmlns:a16="http://schemas.microsoft.com/office/drawing/2014/main" val="2277428236"/>
                   </a:ext>
                 </a:extLst>
               </a:tr>
@@ -9040,7 +9191,7 @@
           <p:cNvPr id="2" name="Title 1">
             <a:extLst>
               <a:ext uri="{FF2B5EF4-FFF2-40B4-BE49-F238E27FC236}">
-                <a16:creationId xmlns:a16="http://schemas.microsoft.com/office/drawing/2014/main" xmlns="" id="{42890A3A-528A-4265-8BE8-AA801076FDDA}"/>
+                <a16:creationId xmlns="" xmlns:a16="http://schemas.microsoft.com/office/drawing/2014/main" id="{42890A3A-528A-4265-8BE8-AA801076FDDA}"/>
               </a:ext>
             </a:extLst>
           </p:cNvPr>
@@ -9068,7 +9219,7 @@
           <p:cNvPr id="11" name="Content Placeholder 3">
             <a:extLst>
               <a:ext uri="{FF2B5EF4-FFF2-40B4-BE49-F238E27FC236}">
-                <a16:creationId xmlns:a16="http://schemas.microsoft.com/office/drawing/2014/main" xmlns="" id="{D5A84EE7-D3F4-4850-BBC2-4613C248F974}"/>
+                <a16:creationId xmlns="" xmlns:a16="http://schemas.microsoft.com/office/drawing/2014/main" id="{D5A84EE7-D3F4-4850-BBC2-4613C248F974}"/>
               </a:ext>
             </a:extLst>
           </p:cNvPr>
@@ -9097,7 +9248,7 @@
           <p:cNvPr id="6" name="Content Placeholder 8">
             <a:extLst>
               <a:ext uri="{FF2B5EF4-FFF2-40B4-BE49-F238E27FC236}">
-                <a16:creationId xmlns:a16="http://schemas.microsoft.com/office/drawing/2014/main" xmlns="" id="{496C42B8-8E33-4EE5-85E6-A485161A92D3}"/>
+                <a16:creationId xmlns="" xmlns:a16="http://schemas.microsoft.com/office/drawing/2014/main" id="{496C42B8-8E33-4EE5-85E6-A485161A92D3}"/>
               </a:ext>
             </a:extLst>
           </p:cNvPr>
@@ -9159,7 +9310,7 @@
           <p:cNvPr id="2" name="Title 1">
             <a:extLst>
               <a:ext uri="{FF2B5EF4-FFF2-40B4-BE49-F238E27FC236}">
-                <a16:creationId xmlns:a16="http://schemas.microsoft.com/office/drawing/2014/main" xmlns="" id="{42890A3A-528A-4265-8BE8-AA801076FDDA}"/>
+                <a16:creationId xmlns="" xmlns:a16="http://schemas.microsoft.com/office/drawing/2014/main" id="{42890A3A-528A-4265-8BE8-AA801076FDDA}"/>
               </a:ext>
             </a:extLst>
           </p:cNvPr>
@@ -9187,7 +9338,7 @@
           <p:cNvPr id="8" name="Content Placeholder 7">
             <a:extLst>
               <a:ext uri="{FF2B5EF4-FFF2-40B4-BE49-F238E27FC236}">
-                <a16:creationId xmlns:a16="http://schemas.microsoft.com/office/drawing/2014/main" xmlns="" id="{5244B290-EE69-4E2F-9DF0-E96446C0148C}"/>
+                <a16:creationId xmlns="" xmlns:a16="http://schemas.microsoft.com/office/drawing/2014/main" id="{5244B290-EE69-4E2F-9DF0-E96446C0148C}"/>
               </a:ext>
             </a:extLst>
           </p:cNvPr>
@@ -9219,7 +9370,7 @@
           <p:cNvPr id="6" name="Content Placeholder 6">
             <a:extLst>
               <a:ext uri="{FF2B5EF4-FFF2-40B4-BE49-F238E27FC236}">
-                <a16:creationId xmlns:a16="http://schemas.microsoft.com/office/drawing/2014/main" xmlns="" id="{FFA0746F-CF5C-4A95-9BAC-4A111B96BD37}"/>
+                <a16:creationId xmlns="" xmlns:a16="http://schemas.microsoft.com/office/drawing/2014/main" id="{FFA0746F-CF5C-4A95-9BAC-4A111B96BD37}"/>
               </a:ext>
             </a:extLst>
           </p:cNvPr>
@@ -9281,7 +9432,7 @@
           <p:cNvPr id="2" name="Title 1">
             <a:extLst>
               <a:ext uri="{FF2B5EF4-FFF2-40B4-BE49-F238E27FC236}">
-                <a16:creationId xmlns:a16="http://schemas.microsoft.com/office/drawing/2014/main" xmlns="" id="{42890A3A-528A-4265-8BE8-AA801076FDDA}"/>
+                <a16:creationId xmlns="" xmlns:a16="http://schemas.microsoft.com/office/drawing/2014/main" id="{42890A3A-528A-4265-8BE8-AA801076FDDA}"/>
               </a:ext>
             </a:extLst>
           </p:cNvPr>
@@ -9309,7 +9460,7 @@
           <p:cNvPr id="8" name="Content Placeholder 7">
             <a:extLst>
               <a:ext uri="{FF2B5EF4-FFF2-40B4-BE49-F238E27FC236}">
-                <a16:creationId xmlns:a16="http://schemas.microsoft.com/office/drawing/2014/main" xmlns="" id="{FE55763A-FA9F-43CC-AF6F-A904BBC18DF5}"/>
+                <a16:creationId xmlns="" xmlns:a16="http://schemas.microsoft.com/office/drawing/2014/main" id="{FE55763A-FA9F-43CC-AF6F-A904BBC18DF5}"/>
               </a:ext>
             </a:extLst>
           </p:cNvPr>
@@ -9341,7 +9492,7 @@
           <p:cNvPr id="9" name="Content Placeholder 8">
             <a:extLst>
               <a:ext uri="{FF2B5EF4-FFF2-40B4-BE49-F238E27FC236}">
-                <a16:creationId xmlns:a16="http://schemas.microsoft.com/office/drawing/2014/main" xmlns="" id="{1F5CE2E8-01C0-486F-9CEC-19A40B9293D5}"/>
+                <a16:creationId xmlns="" xmlns:a16="http://schemas.microsoft.com/office/drawing/2014/main" id="{1F5CE2E8-01C0-486F-9CEC-19A40B9293D5}"/>
               </a:ext>
             </a:extLst>
           </p:cNvPr>

--- a/Educational Loans Repayment.pptx
+++ b/Educational Loans Repayment.pptx
@@ -1368,6 +1368,442 @@
       <dsp:cNvGrpSpPr/>
     </dsp:nvGrpSpPr>
     <dsp:grpSpPr/>
+    <dsp:sp modelId="{6FC7205F-6AE8-49C7-9553-4D4683B4BC2F}">
+      <dsp:nvSpPr>
+        <dsp:cNvPr id="0" name=""/>
+        <dsp:cNvSpPr/>
+      </dsp:nvSpPr>
+      <dsp:spPr>
+        <a:xfrm>
+          <a:off x="3104102" y="-27825"/>
+          <a:ext cx="4307394" cy="4307394"/>
+        </a:xfrm>
+        <a:prstGeom prst="circularArrow">
+          <a:avLst>
+            <a:gd name="adj1" fmla="val 5544"/>
+            <a:gd name="adj2" fmla="val 330680"/>
+            <a:gd name="adj3" fmla="val 13736417"/>
+            <a:gd name="adj4" fmla="val 17410056"/>
+            <a:gd name="adj5" fmla="val 5757"/>
+          </a:avLst>
+        </a:prstGeom>
+        <a:solidFill>
+          <a:schemeClr val="accent1">
+            <a:tint val="40000"/>
+            <a:hueOff val="0"/>
+            <a:satOff val="0"/>
+            <a:lumOff val="0"/>
+            <a:alphaOff val="0"/>
+          </a:schemeClr>
+        </a:solidFill>
+        <a:ln>
+          <a:noFill/>
+        </a:ln>
+        <a:effectLst/>
+      </dsp:spPr>
+      <dsp:style>
+        <a:lnRef idx="0">
+          <a:scrgbClr r="0" g="0" b="0"/>
+        </a:lnRef>
+        <a:fillRef idx="1">
+          <a:scrgbClr r="0" g="0" b="0"/>
+        </a:fillRef>
+        <a:effectRef idx="0">
+          <a:scrgbClr r="0" g="0" b="0"/>
+        </a:effectRef>
+        <a:fontRef idx="minor"/>
+      </dsp:style>
+    </dsp:sp>
+    <dsp:sp modelId="{0CCEA857-E7C8-4792-AA34-8F0E8E7B7663}">
+      <dsp:nvSpPr>
+        <dsp:cNvPr id="0" name=""/>
+        <dsp:cNvSpPr/>
+      </dsp:nvSpPr>
+      <dsp:spPr>
+        <a:xfrm>
+          <a:off x="4232169" y="1414"/>
+          <a:ext cx="2051260" cy="1025630"/>
+        </a:xfrm>
+        <a:prstGeom prst="parallelogram">
+          <a:avLst/>
+        </a:prstGeom>
+        <a:solidFill>
+          <a:schemeClr val="accent1">
+            <a:shade val="80000"/>
+            <a:hueOff val="0"/>
+            <a:satOff val="0"/>
+            <a:lumOff val="0"/>
+            <a:alphaOff val="0"/>
+          </a:schemeClr>
+        </a:solidFill>
+        <a:ln w="12700" cap="flat" cmpd="sng" algn="ctr">
+          <a:solidFill>
+            <a:schemeClr val="lt1">
+              <a:hueOff val="0"/>
+              <a:satOff val="0"/>
+              <a:lumOff val="0"/>
+              <a:alphaOff val="0"/>
+            </a:schemeClr>
+          </a:solidFill>
+          <a:prstDash val="solid"/>
+          <a:miter lim="800000"/>
+        </a:ln>
+        <a:effectLst/>
+      </dsp:spPr>
+      <dsp:style>
+        <a:lnRef idx="2">
+          <a:scrgbClr r="0" g="0" b="0"/>
+        </a:lnRef>
+        <a:fillRef idx="1">
+          <a:scrgbClr r="0" g="0" b="0"/>
+        </a:fillRef>
+        <a:effectRef idx="0">
+          <a:scrgbClr r="0" g="0" b="0"/>
+        </a:effectRef>
+        <a:fontRef idx="minor">
+          <a:schemeClr val="lt1"/>
+        </a:fontRef>
+      </dsp:style>
+      <dsp:txBody>
+        <a:bodyPr spcFirstLastPara="0" vert="horz" wrap="square" lIns="99060" tIns="99060" rIns="99060" bIns="99060" numCol="1" spcCol="1270" anchor="ctr" anchorCtr="0">
+          <a:noAutofit/>
+        </a:bodyPr>
+        <a:lstStyle/>
+        <a:p>
+          <a:pPr lvl="0" algn="ctr" defTabSz="1155700">
+            <a:lnSpc>
+              <a:spcPct val="90000"/>
+            </a:lnSpc>
+            <a:spcBef>
+              <a:spcPct val="0"/>
+            </a:spcBef>
+            <a:spcAft>
+              <a:spcPct val="35000"/>
+            </a:spcAft>
+          </a:pPr>
+          <a:r>
+            <a:rPr lang="en-US" sz="2600" kern="1200" dirty="0"/>
+            <a:t>Data</a:t>
+          </a:r>
+        </a:p>
+      </dsp:txBody>
+      <dsp:txXfrm>
+        <a:off x="4509944" y="140301"/>
+        <a:ext cx="1495710" cy="747856"/>
+      </dsp:txXfrm>
+    </dsp:sp>
+    <dsp:sp modelId="{AE8DAA40-5F26-48AD-B3C8-FE38E606A6F4}">
+      <dsp:nvSpPr>
+        <dsp:cNvPr id="0" name=""/>
+        <dsp:cNvSpPr/>
+      </dsp:nvSpPr>
+      <dsp:spPr>
+        <a:xfrm>
+          <a:off x="5979109" y="1270641"/>
+          <a:ext cx="2051260" cy="1025630"/>
+        </a:xfrm>
+        <a:prstGeom prst="roundRect">
+          <a:avLst/>
+        </a:prstGeom>
+        <a:solidFill>
+          <a:schemeClr val="accent1">
+            <a:shade val="80000"/>
+            <a:hueOff val="87321"/>
+            <a:satOff val="-1564"/>
+            <a:lumOff val="6646"/>
+            <a:alphaOff val="0"/>
+          </a:schemeClr>
+        </a:solidFill>
+        <a:ln w="12700" cap="flat" cmpd="sng" algn="ctr">
+          <a:solidFill>
+            <a:schemeClr val="lt1">
+              <a:hueOff val="0"/>
+              <a:satOff val="0"/>
+              <a:lumOff val="0"/>
+              <a:alphaOff val="0"/>
+            </a:schemeClr>
+          </a:solidFill>
+          <a:prstDash val="solid"/>
+          <a:miter lim="800000"/>
+        </a:ln>
+        <a:effectLst/>
+      </dsp:spPr>
+      <dsp:style>
+        <a:lnRef idx="2">
+          <a:scrgbClr r="0" g="0" b="0"/>
+        </a:lnRef>
+        <a:fillRef idx="1">
+          <a:scrgbClr r="0" g="0" b="0"/>
+        </a:fillRef>
+        <a:effectRef idx="0">
+          <a:scrgbClr r="0" g="0" b="0"/>
+        </a:effectRef>
+        <a:fontRef idx="minor">
+          <a:schemeClr val="lt1"/>
+        </a:fontRef>
+      </dsp:style>
+      <dsp:txBody>
+        <a:bodyPr spcFirstLastPara="0" vert="horz" wrap="square" lIns="99060" tIns="99060" rIns="99060" bIns="99060" numCol="1" spcCol="1270" anchor="ctr" anchorCtr="0">
+          <a:noAutofit/>
+        </a:bodyPr>
+        <a:lstStyle/>
+        <a:p>
+          <a:pPr lvl="0" algn="ctr" defTabSz="1155700">
+            <a:lnSpc>
+              <a:spcPct val="90000"/>
+            </a:lnSpc>
+            <a:spcBef>
+              <a:spcPct val="0"/>
+            </a:spcBef>
+            <a:spcAft>
+              <a:spcPct val="35000"/>
+            </a:spcAft>
+          </a:pPr>
+          <a:r>
+            <a:rPr lang="en-US" sz="2600" kern="1200" dirty="0"/>
+            <a:t>Data Preparation</a:t>
+          </a:r>
+        </a:p>
+      </dsp:txBody>
+      <dsp:txXfrm>
+        <a:off x="6029176" y="1320708"/>
+        <a:ext cx="1951126" cy="925496"/>
+      </dsp:txXfrm>
+    </dsp:sp>
+    <dsp:sp modelId="{6D4E9B0F-D149-416B-9772-4EDB1350C034}">
+      <dsp:nvSpPr>
+        <dsp:cNvPr id="0" name=""/>
+        <dsp:cNvSpPr/>
+      </dsp:nvSpPr>
+      <dsp:spPr>
+        <a:xfrm>
+          <a:off x="5311838" y="3324292"/>
+          <a:ext cx="2051260" cy="1025630"/>
+        </a:xfrm>
+        <a:prstGeom prst="roundRect">
+          <a:avLst/>
+        </a:prstGeom>
+        <a:solidFill>
+          <a:schemeClr val="accent1">
+            <a:shade val="80000"/>
+            <a:hueOff val="174641"/>
+            <a:satOff val="-3128"/>
+            <a:lumOff val="13293"/>
+            <a:alphaOff val="0"/>
+          </a:schemeClr>
+        </a:solidFill>
+        <a:ln w="12700" cap="flat" cmpd="sng" algn="ctr">
+          <a:solidFill>
+            <a:schemeClr val="lt1">
+              <a:hueOff val="0"/>
+              <a:satOff val="0"/>
+              <a:lumOff val="0"/>
+              <a:alphaOff val="0"/>
+            </a:schemeClr>
+          </a:solidFill>
+          <a:prstDash val="solid"/>
+          <a:miter lim="800000"/>
+        </a:ln>
+        <a:effectLst/>
+      </dsp:spPr>
+      <dsp:style>
+        <a:lnRef idx="2">
+          <a:scrgbClr r="0" g="0" b="0"/>
+        </a:lnRef>
+        <a:fillRef idx="1">
+          <a:scrgbClr r="0" g="0" b="0"/>
+        </a:fillRef>
+        <a:effectRef idx="0">
+          <a:scrgbClr r="0" g="0" b="0"/>
+        </a:effectRef>
+        <a:fontRef idx="minor">
+          <a:schemeClr val="lt1"/>
+        </a:fontRef>
+      </dsp:style>
+      <dsp:txBody>
+        <a:bodyPr spcFirstLastPara="0" vert="horz" wrap="square" lIns="99060" tIns="99060" rIns="99060" bIns="99060" numCol="1" spcCol="1270" anchor="ctr" anchorCtr="0">
+          <a:noAutofit/>
+        </a:bodyPr>
+        <a:lstStyle/>
+        <a:p>
+          <a:pPr lvl="0" algn="ctr" defTabSz="1155700">
+            <a:lnSpc>
+              <a:spcPct val="90000"/>
+            </a:lnSpc>
+            <a:spcBef>
+              <a:spcPct val="0"/>
+            </a:spcBef>
+            <a:spcAft>
+              <a:spcPct val="35000"/>
+            </a:spcAft>
+          </a:pPr>
+          <a:r>
+            <a:rPr lang="en-US" sz="2600" kern="1200" dirty="0"/>
+            <a:t>Modeling</a:t>
+          </a:r>
+        </a:p>
+      </dsp:txBody>
+      <dsp:txXfrm>
+        <a:off x="5361905" y="3374359"/>
+        <a:ext cx="1951126" cy="925496"/>
+      </dsp:txXfrm>
+    </dsp:sp>
+    <dsp:sp modelId="{0B87A5EF-A3BB-41D2-90F8-7949725D0E05}">
+      <dsp:nvSpPr>
+        <dsp:cNvPr id="0" name=""/>
+        <dsp:cNvSpPr/>
+      </dsp:nvSpPr>
+      <dsp:spPr>
+        <a:xfrm>
+          <a:off x="3152501" y="3324292"/>
+          <a:ext cx="2051260" cy="1025630"/>
+        </a:xfrm>
+        <a:prstGeom prst="roundRect">
+          <a:avLst/>
+        </a:prstGeom>
+        <a:solidFill>
+          <a:schemeClr val="accent1">
+            <a:shade val="80000"/>
+            <a:hueOff val="261962"/>
+            <a:satOff val="-4692"/>
+            <a:lumOff val="19939"/>
+            <a:alphaOff val="0"/>
+          </a:schemeClr>
+        </a:solidFill>
+        <a:ln w="12700" cap="flat" cmpd="sng" algn="ctr">
+          <a:solidFill>
+            <a:schemeClr val="lt1">
+              <a:hueOff val="0"/>
+              <a:satOff val="0"/>
+              <a:lumOff val="0"/>
+              <a:alphaOff val="0"/>
+            </a:schemeClr>
+          </a:solidFill>
+          <a:prstDash val="solid"/>
+          <a:miter lim="800000"/>
+        </a:ln>
+        <a:effectLst/>
+      </dsp:spPr>
+      <dsp:style>
+        <a:lnRef idx="2">
+          <a:scrgbClr r="0" g="0" b="0"/>
+        </a:lnRef>
+        <a:fillRef idx="1">
+          <a:scrgbClr r="0" g="0" b="0"/>
+        </a:fillRef>
+        <a:effectRef idx="0">
+          <a:scrgbClr r="0" g="0" b="0"/>
+        </a:effectRef>
+        <a:fontRef idx="minor">
+          <a:schemeClr val="lt1"/>
+        </a:fontRef>
+      </dsp:style>
+      <dsp:txBody>
+        <a:bodyPr spcFirstLastPara="0" vert="horz" wrap="square" lIns="99060" tIns="99060" rIns="99060" bIns="99060" numCol="1" spcCol="1270" anchor="ctr" anchorCtr="0">
+          <a:noAutofit/>
+        </a:bodyPr>
+        <a:lstStyle/>
+        <a:p>
+          <a:pPr lvl="0" algn="ctr" defTabSz="1155700">
+            <a:lnSpc>
+              <a:spcPct val="90000"/>
+            </a:lnSpc>
+            <a:spcBef>
+              <a:spcPct val="0"/>
+            </a:spcBef>
+            <a:spcAft>
+              <a:spcPct val="35000"/>
+            </a:spcAft>
+          </a:pPr>
+          <a:r>
+            <a:rPr lang="en-US" sz="2600" kern="1200" dirty="0"/>
+            <a:t>Evaluation</a:t>
+          </a:r>
+        </a:p>
+      </dsp:txBody>
+      <dsp:txXfrm>
+        <a:off x="3202568" y="3374359"/>
+        <a:ext cx="1951126" cy="925496"/>
+      </dsp:txXfrm>
+    </dsp:sp>
+    <dsp:sp modelId="{A9F9EA1C-1D31-418D-A625-C89682CDEF04}">
+      <dsp:nvSpPr>
+        <dsp:cNvPr id="0" name=""/>
+        <dsp:cNvSpPr/>
+      </dsp:nvSpPr>
+      <dsp:spPr>
+        <a:xfrm>
+          <a:off x="2485229" y="1270641"/>
+          <a:ext cx="2051260" cy="1025630"/>
+        </a:xfrm>
+        <a:prstGeom prst="roundRect">
+          <a:avLst/>
+        </a:prstGeom>
+        <a:solidFill>
+          <a:schemeClr val="accent1">
+            <a:shade val="80000"/>
+            <a:hueOff val="349283"/>
+            <a:satOff val="-6256"/>
+            <a:lumOff val="26585"/>
+            <a:alphaOff val="0"/>
+          </a:schemeClr>
+        </a:solidFill>
+        <a:ln w="12700" cap="flat" cmpd="sng" algn="ctr">
+          <a:solidFill>
+            <a:schemeClr val="lt1">
+              <a:hueOff val="0"/>
+              <a:satOff val="0"/>
+              <a:lumOff val="0"/>
+              <a:alphaOff val="0"/>
+            </a:schemeClr>
+          </a:solidFill>
+          <a:prstDash val="solid"/>
+          <a:miter lim="800000"/>
+        </a:ln>
+        <a:effectLst/>
+      </dsp:spPr>
+      <dsp:style>
+        <a:lnRef idx="2">
+          <a:scrgbClr r="0" g="0" b="0"/>
+        </a:lnRef>
+        <a:fillRef idx="1">
+          <a:scrgbClr r="0" g="0" b="0"/>
+        </a:fillRef>
+        <a:effectRef idx="0">
+          <a:scrgbClr r="0" g="0" b="0"/>
+        </a:effectRef>
+        <a:fontRef idx="minor">
+          <a:schemeClr val="lt1"/>
+        </a:fontRef>
+      </dsp:style>
+      <dsp:txBody>
+        <a:bodyPr spcFirstLastPara="0" vert="horz" wrap="square" lIns="99060" tIns="99060" rIns="99060" bIns="99060" numCol="1" spcCol="1270" anchor="ctr" anchorCtr="0">
+          <a:noAutofit/>
+        </a:bodyPr>
+        <a:lstStyle/>
+        <a:p>
+          <a:pPr lvl="0" algn="ctr" defTabSz="1155700">
+            <a:lnSpc>
+              <a:spcPct val="90000"/>
+            </a:lnSpc>
+            <a:spcBef>
+              <a:spcPct val="0"/>
+            </a:spcBef>
+            <a:spcAft>
+              <a:spcPct val="35000"/>
+            </a:spcAft>
+          </a:pPr>
+          <a:r>
+            <a:rPr lang="en-US" sz="2600" kern="1200" dirty="0"/>
+            <a:t>Deployment</a:t>
+          </a:r>
+        </a:p>
+      </dsp:txBody>
+      <dsp:txXfrm>
+        <a:off x="2535296" y="1320708"/>
+        <a:ext cx="1951126" cy="925496"/>
+      </dsp:txXfrm>
+    </dsp:sp>
   </dsp:spTree>
 </dsp:drawing>
 </file>
@@ -2831,7 +3267,7 @@
           <p:cNvPr id="2" name="Title 1">
             <a:extLst>
               <a:ext uri="{FF2B5EF4-FFF2-40B4-BE49-F238E27FC236}">
-                <a16:creationId xmlns="" xmlns:a16="http://schemas.microsoft.com/office/drawing/2014/main" id="{13FD9A55-AAC0-48BA-8217-2E89DF564A61}"/>
+                <a16:creationId xmlns:a16="http://schemas.microsoft.com/office/drawing/2014/main" xmlns="" id="{13FD9A55-AAC0-48BA-8217-2E89DF564A61}"/>
               </a:ext>
             </a:extLst>
           </p:cNvPr>
@@ -2868,7 +3304,7 @@
           <p:cNvPr id="3" name="Subtitle 2">
             <a:extLst>
               <a:ext uri="{FF2B5EF4-FFF2-40B4-BE49-F238E27FC236}">
-                <a16:creationId xmlns="" xmlns:a16="http://schemas.microsoft.com/office/drawing/2014/main" id="{A1737C7E-9A5F-4631-9A90-C6759D1B4E3E}"/>
+                <a16:creationId xmlns:a16="http://schemas.microsoft.com/office/drawing/2014/main" xmlns="" id="{A1737C7E-9A5F-4631-9A90-C6759D1B4E3E}"/>
               </a:ext>
             </a:extLst>
           </p:cNvPr>
@@ -2938,7 +3374,7 @@
           <p:cNvPr id="4" name="Date Placeholder 3">
             <a:extLst>
               <a:ext uri="{FF2B5EF4-FFF2-40B4-BE49-F238E27FC236}">
-                <a16:creationId xmlns="" xmlns:a16="http://schemas.microsoft.com/office/drawing/2014/main" id="{2EF7626C-0BE1-4950-8FF6-98D97C1AE04C}"/>
+                <a16:creationId xmlns:a16="http://schemas.microsoft.com/office/drawing/2014/main" xmlns="" id="{2EF7626C-0BE1-4950-8FF6-98D97C1AE04C}"/>
               </a:ext>
             </a:extLst>
           </p:cNvPr>
@@ -2967,7 +3403,7 @@
           <p:cNvPr id="5" name="Footer Placeholder 4">
             <a:extLst>
               <a:ext uri="{FF2B5EF4-FFF2-40B4-BE49-F238E27FC236}">
-                <a16:creationId xmlns="" xmlns:a16="http://schemas.microsoft.com/office/drawing/2014/main" id="{F9797D48-008B-4F4C-8812-AFB35636CA5B}"/>
+                <a16:creationId xmlns:a16="http://schemas.microsoft.com/office/drawing/2014/main" xmlns="" id="{F9797D48-008B-4F4C-8812-AFB35636CA5B}"/>
               </a:ext>
             </a:extLst>
           </p:cNvPr>
@@ -2992,7 +3428,7 @@
           <p:cNvPr id="6" name="Slide Number Placeholder 5">
             <a:extLst>
               <a:ext uri="{FF2B5EF4-FFF2-40B4-BE49-F238E27FC236}">
-                <a16:creationId xmlns="" xmlns:a16="http://schemas.microsoft.com/office/drawing/2014/main" id="{6B1C11B8-205E-436D-B59F-32680FA5B506}"/>
+                <a16:creationId xmlns:a16="http://schemas.microsoft.com/office/drawing/2014/main" xmlns="" id="{6B1C11B8-205E-436D-B59F-32680FA5B506}"/>
               </a:ext>
             </a:extLst>
           </p:cNvPr>
@@ -3051,7 +3487,7 @@
           <p:cNvPr id="2" name="Title 1">
             <a:extLst>
               <a:ext uri="{FF2B5EF4-FFF2-40B4-BE49-F238E27FC236}">
-                <a16:creationId xmlns="" xmlns:a16="http://schemas.microsoft.com/office/drawing/2014/main" id="{908368A3-BCAD-410B-B491-7A7FC5429902}"/>
+                <a16:creationId xmlns:a16="http://schemas.microsoft.com/office/drawing/2014/main" xmlns="" id="{908368A3-BCAD-410B-B491-7A7FC5429902}"/>
               </a:ext>
             </a:extLst>
           </p:cNvPr>
@@ -3079,7 +3515,7 @@
           <p:cNvPr id="3" name="Vertical Text Placeholder 2">
             <a:extLst>
               <a:ext uri="{FF2B5EF4-FFF2-40B4-BE49-F238E27FC236}">
-                <a16:creationId xmlns="" xmlns:a16="http://schemas.microsoft.com/office/drawing/2014/main" id="{ECE5B146-156D-41C1-82B9-938240F6BAF1}"/>
+                <a16:creationId xmlns:a16="http://schemas.microsoft.com/office/drawing/2014/main" xmlns="" id="{ECE5B146-156D-41C1-82B9-938240F6BAF1}"/>
               </a:ext>
             </a:extLst>
           </p:cNvPr>
@@ -3136,7 +3572,7 @@
           <p:cNvPr id="4" name="Date Placeholder 3">
             <a:extLst>
               <a:ext uri="{FF2B5EF4-FFF2-40B4-BE49-F238E27FC236}">
-                <a16:creationId xmlns="" xmlns:a16="http://schemas.microsoft.com/office/drawing/2014/main" id="{E51CCF0D-67B7-42C4-ACC6-5DDA785B4BB7}"/>
+                <a16:creationId xmlns:a16="http://schemas.microsoft.com/office/drawing/2014/main" xmlns="" id="{E51CCF0D-67B7-42C4-ACC6-5DDA785B4BB7}"/>
               </a:ext>
             </a:extLst>
           </p:cNvPr>
@@ -3165,7 +3601,7 @@
           <p:cNvPr id="5" name="Footer Placeholder 4">
             <a:extLst>
               <a:ext uri="{FF2B5EF4-FFF2-40B4-BE49-F238E27FC236}">
-                <a16:creationId xmlns="" xmlns:a16="http://schemas.microsoft.com/office/drawing/2014/main" id="{9400922A-E76A-4147-8BCA-3432B636F086}"/>
+                <a16:creationId xmlns:a16="http://schemas.microsoft.com/office/drawing/2014/main" xmlns="" id="{9400922A-E76A-4147-8BCA-3432B636F086}"/>
               </a:ext>
             </a:extLst>
           </p:cNvPr>
@@ -3190,7 +3626,7 @@
           <p:cNvPr id="6" name="Slide Number Placeholder 5">
             <a:extLst>
               <a:ext uri="{FF2B5EF4-FFF2-40B4-BE49-F238E27FC236}">
-                <a16:creationId xmlns="" xmlns:a16="http://schemas.microsoft.com/office/drawing/2014/main" id="{C8475BB1-AA77-43BA-B67F-A70A0D6B80B5}"/>
+                <a16:creationId xmlns:a16="http://schemas.microsoft.com/office/drawing/2014/main" xmlns="" id="{C8475BB1-AA77-43BA-B67F-A70A0D6B80B5}"/>
               </a:ext>
             </a:extLst>
           </p:cNvPr>
@@ -3249,7 +3685,7 @@
           <p:cNvPr id="2" name="Vertical Title 1">
             <a:extLst>
               <a:ext uri="{FF2B5EF4-FFF2-40B4-BE49-F238E27FC236}">
-                <a16:creationId xmlns="" xmlns:a16="http://schemas.microsoft.com/office/drawing/2014/main" id="{00597DB6-F543-4DD6-8BD2-6D9521304A16}"/>
+                <a16:creationId xmlns:a16="http://schemas.microsoft.com/office/drawing/2014/main" xmlns="" id="{00597DB6-F543-4DD6-8BD2-6D9521304A16}"/>
               </a:ext>
             </a:extLst>
           </p:cNvPr>
@@ -3282,7 +3718,7 @@
           <p:cNvPr id="3" name="Vertical Text Placeholder 2">
             <a:extLst>
               <a:ext uri="{FF2B5EF4-FFF2-40B4-BE49-F238E27FC236}">
-                <a16:creationId xmlns="" xmlns:a16="http://schemas.microsoft.com/office/drawing/2014/main" id="{31B00F08-29EE-4204-8A43-43CEDB33312D}"/>
+                <a16:creationId xmlns:a16="http://schemas.microsoft.com/office/drawing/2014/main" xmlns="" id="{31B00F08-29EE-4204-8A43-43CEDB33312D}"/>
               </a:ext>
             </a:extLst>
           </p:cNvPr>
@@ -3344,7 +3780,7 @@
           <p:cNvPr id="4" name="Date Placeholder 3">
             <a:extLst>
               <a:ext uri="{FF2B5EF4-FFF2-40B4-BE49-F238E27FC236}">
-                <a16:creationId xmlns="" xmlns:a16="http://schemas.microsoft.com/office/drawing/2014/main" id="{D876E71F-1744-458C-90C6-31921C9A6039}"/>
+                <a16:creationId xmlns:a16="http://schemas.microsoft.com/office/drawing/2014/main" xmlns="" id="{D876E71F-1744-458C-90C6-31921C9A6039}"/>
               </a:ext>
             </a:extLst>
           </p:cNvPr>
@@ -3373,7 +3809,7 @@
           <p:cNvPr id="5" name="Footer Placeholder 4">
             <a:extLst>
               <a:ext uri="{FF2B5EF4-FFF2-40B4-BE49-F238E27FC236}">
-                <a16:creationId xmlns="" xmlns:a16="http://schemas.microsoft.com/office/drawing/2014/main" id="{63F50295-5B8D-4167-848E-4EDCFDFE50C8}"/>
+                <a16:creationId xmlns:a16="http://schemas.microsoft.com/office/drawing/2014/main" xmlns="" id="{63F50295-5B8D-4167-848E-4EDCFDFE50C8}"/>
               </a:ext>
             </a:extLst>
           </p:cNvPr>
@@ -3398,7 +3834,7 @@
           <p:cNvPr id="6" name="Slide Number Placeholder 5">
             <a:extLst>
               <a:ext uri="{FF2B5EF4-FFF2-40B4-BE49-F238E27FC236}">
-                <a16:creationId xmlns="" xmlns:a16="http://schemas.microsoft.com/office/drawing/2014/main" id="{1E4CB66C-0DBD-487D-99D1-E9002DD2D6D6}"/>
+                <a16:creationId xmlns:a16="http://schemas.microsoft.com/office/drawing/2014/main" xmlns="" id="{1E4CB66C-0DBD-487D-99D1-E9002DD2D6D6}"/>
               </a:ext>
             </a:extLst>
           </p:cNvPr>
@@ -3457,7 +3893,7 @@
           <p:cNvPr id="2" name="Title 1">
             <a:extLst>
               <a:ext uri="{FF2B5EF4-FFF2-40B4-BE49-F238E27FC236}">
-                <a16:creationId xmlns="" xmlns:a16="http://schemas.microsoft.com/office/drawing/2014/main" id="{8EC9852E-2279-4D2F-B384-37AE9FE8FF00}"/>
+                <a16:creationId xmlns:a16="http://schemas.microsoft.com/office/drawing/2014/main" xmlns="" id="{8EC9852E-2279-4D2F-B384-37AE9FE8FF00}"/>
               </a:ext>
             </a:extLst>
           </p:cNvPr>
@@ -3485,7 +3921,7 @@
           <p:cNvPr id="3" name="Content Placeholder 2">
             <a:extLst>
               <a:ext uri="{FF2B5EF4-FFF2-40B4-BE49-F238E27FC236}">
-                <a16:creationId xmlns="" xmlns:a16="http://schemas.microsoft.com/office/drawing/2014/main" id="{7BDE82F8-9629-4847-B3EC-AA84EE3B4525}"/>
+                <a16:creationId xmlns:a16="http://schemas.microsoft.com/office/drawing/2014/main" xmlns="" id="{7BDE82F8-9629-4847-B3EC-AA84EE3B4525}"/>
               </a:ext>
             </a:extLst>
           </p:cNvPr>
@@ -3542,7 +3978,7 @@
           <p:cNvPr id="4" name="Date Placeholder 3">
             <a:extLst>
               <a:ext uri="{FF2B5EF4-FFF2-40B4-BE49-F238E27FC236}">
-                <a16:creationId xmlns="" xmlns:a16="http://schemas.microsoft.com/office/drawing/2014/main" id="{5DDFB56A-387F-42AA-B1A6-1FA493A0285F}"/>
+                <a16:creationId xmlns:a16="http://schemas.microsoft.com/office/drawing/2014/main" xmlns="" id="{5DDFB56A-387F-42AA-B1A6-1FA493A0285F}"/>
               </a:ext>
             </a:extLst>
           </p:cNvPr>
@@ -3571,7 +4007,7 @@
           <p:cNvPr id="5" name="Footer Placeholder 4">
             <a:extLst>
               <a:ext uri="{FF2B5EF4-FFF2-40B4-BE49-F238E27FC236}">
-                <a16:creationId xmlns="" xmlns:a16="http://schemas.microsoft.com/office/drawing/2014/main" id="{F3A6901C-A33D-4F16-92B8-CF9D03DA2439}"/>
+                <a16:creationId xmlns:a16="http://schemas.microsoft.com/office/drawing/2014/main" xmlns="" id="{F3A6901C-A33D-4F16-92B8-CF9D03DA2439}"/>
               </a:ext>
             </a:extLst>
           </p:cNvPr>
@@ -3596,7 +4032,7 @@
           <p:cNvPr id="6" name="Slide Number Placeholder 5">
             <a:extLst>
               <a:ext uri="{FF2B5EF4-FFF2-40B4-BE49-F238E27FC236}">
-                <a16:creationId xmlns="" xmlns:a16="http://schemas.microsoft.com/office/drawing/2014/main" id="{E32D5493-0761-426C-B807-58151AB1C7EB}"/>
+                <a16:creationId xmlns:a16="http://schemas.microsoft.com/office/drawing/2014/main" xmlns="" id="{E32D5493-0761-426C-B807-58151AB1C7EB}"/>
               </a:ext>
             </a:extLst>
           </p:cNvPr>
@@ -3655,7 +4091,7 @@
           <p:cNvPr id="2" name="Title 1">
             <a:extLst>
               <a:ext uri="{FF2B5EF4-FFF2-40B4-BE49-F238E27FC236}">
-                <a16:creationId xmlns="" xmlns:a16="http://schemas.microsoft.com/office/drawing/2014/main" id="{FD4EAEF8-4934-441D-9F9B-BFECAF0F0635}"/>
+                <a16:creationId xmlns:a16="http://schemas.microsoft.com/office/drawing/2014/main" xmlns="" id="{FD4EAEF8-4934-441D-9F9B-BFECAF0F0635}"/>
               </a:ext>
             </a:extLst>
           </p:cNvPr>
@@ -3692,7 +4128,7 @@
           <p:cNvPr id="3" name="Text Placeholder 2">
             <a:extLst>
               <a:ext uri="{FF2B5EF4-FFF2-40B4-BE49-F238E27FC236}">
-                <a16:creationId xmlns="" xmlns:a16="http://schemas.microsoft.com/office/drawing/2014/main" id="{74251986-3334-4F08-8ED0-3CAD7619EE23}"/>
+                <a16:creationId xmlns:a16="http://schemas.microsoft.com/office/drawing/2014/main" xmlns="" id="{74251986-3334-4F08-8ED0-3CAD7619EE23}"/>
               </a:ext>
             </a:extLst>
           </p:cNvPr>
@@ -3817,7 +4253,7 @@
           <p:cNvPr id="4" name="Date Placeholder 3">
             <a:extLst>
               <a:ext uri="{FF2B5EF4-FFF2-40B4-BE49-F238E27FC236}">
-                <a16:creationId xmlns="" xmlns:a16="http://schemas.microsoft.com/office/drawing/2014/main" id="{19A10837-E335-4D10-8407-A7C3C4AF1562}"/>
+                <a16:creationId xmlns:a16="http://schemas.microsoft.com/office/drawing/2014/main" xmlns="" id="{19A10837-E335-4D10-8407-A7C3C4AF1562}"/>
               </a:ext>
             </a:extLst>
           </p:cNvPr>
@@ -3846,7 +4282,7 @@
           <p:cNvPr id="5" name="Footer Placeholder 4">
             <a:extLst>
               <a:ext uri="{FF2B5EF4-FFF2-40B4-BE49-F238E27FC236}">
-                <a16:creationId xmlns="" xmlns:a16="http://schemas.microsoft.com/office/drawing/2014/main" id="{B0908EA2-FE9C-49F3-96ED-46B64DA9C14D}"/>
+                <a16:creationId xmlns:a16="http://schemas.microsoft.com/office/drawing/2014/main" xmlns="" id="{B0908EA2-FE9C-49F3-96ED-46B64DA9C14D}"/>
               </a:ext>
             </a:extLst>
           </p:cNvPr>
@@ -3871,7 +4307,7 @@
           <p:cNvPr id="6" name="Slide Number Placeholder 5">
             <a:extLst>
               <a:ext uri="{FF2B5EF4-FFF2-40B4-BE49-F238E27FC236}">
-                <a16:creationId xmlns="" xmlns:a16="http://schemas.microsoft.com/office/drawing/2014/main" id="{B9FFD0E4-78CE-4C79-B2C3-202991128EB5}"/>
+                <a16:creationId xmlns:a16="http://schemas.microsoft.com/office/drawing/2014/main" xmlns="" id="{B9FFD0E4-78CE-4C79-B2C3-202991128EB5}"/>
               </a:ext>
             </a:extLst>
           </p:cNvPr>
@@ -3930,7 +4366,7 @@
           <p:cNvPr id="2" name="Title 1">
             <a:extLst>
               <a:ext uri="{FF2B5EF4-FFF2-40B4-BE49-F238E27FC236}">
-                <a16:creationId xmlns="" xmlns:a16="http://schemas.microsoft.com/office/drawing/2014/main" id="{485CCA07-5FBA-4499-9594-8F5DF0B55189}"/>
+                <a16:creationId xmlns:a16="http://schemas.microsoft.com/office/drawing/2014/main" xmlns="" id="{485CCA07-5FBA-4499-9594-8F5DF0B55189}"/>
               </a:ext>
             </a:extLst>
           </p:cNvPr>
@@ -3958,7 +4394,7 @@
           <p:cNvPr id="3" name="Content Placeholder 2">
             <a:extLst>
               <a:ext uri="{FF2B5EF4-FFF2-40B4-BE49-F238E27FC236}">
-                <a16:creationId xmlns="" xmlns:a16="http://schemas.microsoft.com/office/drawing/2014/main" id="{5528036E-FA1B-479C-8689-5DA15C00B1EB}"/>
+                <a16:creationId xmlns:a16="http://schemas.microsoft.com/office/drawing/2014/main" xmlns="" id="{5528036E-FA1B-479C-8689-5DA15C00B1EB}"/>
               </a:ext>
             </a:extLst>
           </p:cNvPr>
@@ -4020,7 +4456,7 @@
           <p:cNvPr id="4" name="Content Placeholder 3">
             <a:extLst>
               <a:ext uri="{FF2B5EF4-FFF2-40B4-BE49-F238E27FC236}">
-                <a16:creationId xmlns="" xmlns:a16="http://schemas.microsoft.com/office/drawing/2014/main" id="{28C479B8-218E-463B-A8F4-6A0DCF298452}"/>
+                <a16:creationId xmlns:a16="http://schemas.microsoft.com/office/drawing/2014/main" xmlns="" id="{28C479B8-218E-463B-A8F4-6A0DCF298452}"/>
               </a:ext>
             </a:extLst>
           </p:cNvPr>
@@ -4082,7 +4518,7 @@
           <p:cNvPr id="5" name="Date Placeholder 4">
             <a:extLst>
               <a:ext uri="{FF2B5EF4-FFF2-40B4-BE49-F238E27FC236}">
-                <a16:creationId xmlns="" xmlns:a16="http://schemas.microsoft.com/office/drawing/2014/main" id="{C957170C-8895-49F1-BBCB-F2CBF622A292}"/>
+                <a16:creationId xmlns:a16="http://schemas.microsoft.com/office/drawing/2014/main" xmlns="" id="{C957170C-8895-49F1-BBCB-F2CBF622A292}"/>
               </a:ext>
             </a:extLst>
           </p:cNvPr>
@@ -4111,7 +4547,7 @@
           <p:cNvPr id="6" name="Footer Placeholder 5">
             <a:extLst>
               <a:ext uri="{FF2B5EF4-FFF2-40B4-BE49-F238E27FC236}">
-                <a16:creationId xmlns="" xmlns:a16="http://schemas.microsoft.com/office/drawing/2014/main" id="{EF2DF467-A199-4526-87D9-1E7FBE433F34}"/>
+                <a16:creationId xmlns:a16="http://schemas.microsoft.com/office/drawing/2014/main" xmlns="" id="{EF2DF467-A199-4526-87D9-1E7FBE433F34}"/>
               </a:ext>
             </a:extLst>
           </p:cNvPr>
@@ -4136,7 +4572,7 @@
           <p:cNvPr id="7" name="Slide Number Placeholder 6">
             <a:extLst>
               <a:ext uri="{FF2B5EF4-FFF2-40B4-BE49-F238E27FC236}">
-                <a16:creationId xmlns="" xmlns:a16="http://schemas.microsoft.com/office/drawing/2014/main" id="{2EDCFA81-4D2A-434E-97B0-EEB1EBBA9A6C}"/>
+                <a16:creationId xmlns:a16="http://schemas.microsoft.com/office/drawing/2014/main" xmlns="" id="{2EDCFA81-4D2A-434E-97B0-EEB1EBBA9A6C}"/>
               </a:ext>
             </a:extLst>
           </p:cNvPr>
@@ -4195,7 +4631,7 @@
           <p:cNvPr id="2" name="Title 1">
             <a:extLst>
               <a:ext uri="{FF2B5EF4-FFF2-40B4-BE49-F238E27FC236}">
-                <a16:creationId xmlns="" xmlns:a16="http://schemas.microsoft.com/office/drawing/2014/main" id="{D14F9892-F47C-49BC-BF05-1A81CA1F41A7}"/>
+                <a16:creationId xmlns:a16="http://schemas.microsoft.com/office/drawing/2014/main" xmlns="" id="{D14F9892-F47C-49BC-BF05-1A81CA1F41A7}"/>
               </a:ext>
             </a:extLst>
           </p:cNvPr>
@@ -4228,7 +4664,7 @@
           <p:cNvPr id="3" name="Text Placeholder 2">
             <a:extLst>
               <a:ext uri="{FF2B5EF4-FFF2-40B4-BE49-F238E27FC236}">
-                <a16:creationId xmlns="" xmlns:a16="http://schemas.microsoft.com/office/drawing/2014/main" id="{108B371F-8791-42D4-A3E5-04EF52A7F4BD}"/>
+                <a16:creationId xmlns:a16="http://schemas.microsoft.com/office/drawing/2014/main" xmlns="" id="{108B371F-8791-42D4-A3E5-04EF52A7F4BD}"/>
               </a:ext>
             </a:extLst>
           </p:cNvPr>
@@ -4299,7 +4735,7 @@
           <p:cNvPr id="4" name="Content Placeholder 3">
             <a:extLst>
               <a:ext uri="{FF2B5EF4-FFF2-40B4-BE49-F238E27FC236}">
-                <a16:creationId xmlns="" xmlns:a16="http://schemas.microsoft.com/office/drawing/2014/main" id="{64E8F007-172A-402F-97A7-652D06F63AA5}"/>
+                <a16:creationId xmlns:a16="http://schemas.microsoft.com/office/drawing/2014/main" xmlns="" id="{64E8F007-172A-402F-97A7-652D06F63AA5}"/>
               </a:ext>
             </a:extLst>
           </p:cNvPr>
@@ -4361,7 +4797,7 @@
           <p:cNvPr id="5" name="Text Placeholder 4">
             <a:extLst>
               <a:ext uri="{FF2B5EF4-FFF2-40B4-BE49-F238E27FC236}">
-                <a16:creationId xmlns="" xmlns:a16="http://schemas.microsoft.com/office/drawing/2014/main" id="{AF5CF8EE-0782-4B70-A32A-77A6E122D0B5}"/>
+                <a16:creationId xmlns:a16="http://schemas.microsoft.com/office/drawing/2014/main" xmlns="" id="{AF5CF8EE-0782-4B70-A32A-77A6E122D0B5}"/>
               </a:ext>
             </a:extLst>
           </p:cNvPr>
@@ -4432,7 +4868,7 @@
           <p:cNvPr id="6" name="Content Placeholder 5">
             <a:extLst>
               <a:ext uri="{FF2B5EF4-FFF2-40B4-BE49-F238E27FC236}">
-                <a16:creationId xmlns="" xmlns:a16="http://schemas.microsoft.com/office/drawing/2014/main" id="{6EECD84F-A18D-4D42-B91D-1DDB34ED4C3F}"/>
+                <a16:creationId xmlns:a16="http://schemas.microsoft.com/office/drawing/2014/main" xmlns="" id="{6EECD84F-A18D-4D42-B91D-1DDB34ED4C3F}"/>
               </a:ext>
             </a:extLst>
           </p:cNvPr>
@@ -4494,7 +4930,7 @@
           <p:cNvPr id="7" name="Date Placeholder 6">
             <a:extLst>
               <a:ext uri="{FF2B5EF4-FFF2-40B4-BE49-F238E27FC236}">
-                <a16:creationId xmlns="" xmlns:a16="http://schemas.microsoft.com/office/drawing/2014/main" id="{52CC6C0E-C801-4E0F-8A80-8EF703FCAC34}"/>
+                <a16:creationId xmlns:a16="http://schemas.microsoft.com/office/drawing/2014/main" xmlns="" id="{52CC6C0E-C801-4E0F-8A80-8EF703FCAC34}"/>
               </a:ext>
             </a:extLst>
           </p:cNvPr>
@@ -4523,7 +4959,7 @@
           <p:cNvPr id="8" name="Footer Placeholder 7">
             <a:extLst>
               <a:ext uri="{FF2B5EF4-FFF2-40B4-BE49-F238E27FC236}">
-                <a16:creationId xmlns="" xmlns:a16="http://schemas.microsoft.com/office/drawing/2014/main" id="{FAD4B0B5-8BDF-4F03-97F8-EC763350B837}"/>
+                <a16:creationId xmlns:a16="http://schemas.microsoft.com/office/drawing/2014/main" xmlns="" id="{FAD4B0B5-8BDF-4F03-97F8-EC763350B837}"/>
               </a:ext>
             </a:extLst>
           </p:cNvPr>
@@ -4548,7 +4984,7 @@
           <p:cNvPr id="9" name="Slide Number Placeholder 8">
             <a:extLst>
               <a:ext uri="{FF2B5EF4-FFF2-40B4-BE49-F238E27FC236}">
-                <a16:creationId xmlns="" xmlns:a16="http://schemas.microsoft.com/office/drawing/2014/main" id="{802717E0-0509-4180-A221-8B614F7B3CC8}"/>
+                <a16:creationId xmlns:a16="http://schemas.microsoft.com/office/drawing/2014/main" xmlns="" id="{802717E0-0509-4180-A221-8B614F7B3CC8}"/>
               </a:ext>
             </a:extLst>
           </p:cNvPr>
@@ -4607,7 +5043,7 @@
           <p:cNvPr id="2" name="Title 1">
             <a:extLst>
               <a:ext uri="{FF2B5EF4-FFF2-40B4-BE49-F238E27FC236}">
-                <a16:creationId xmlns="" xmlns:a16="http://schemas.microsoft.com/office/drawing/2014/main" id="{4460C170-94F7-4A34-A039-2F48F0FC093A}"/>
+                <a16:creationId xmlns:a16="http://schemas.microsoft.com/office/drawing/2014/main" xmlns="" id="{4460C170-94F7-4A34-A039-2F48F0FC093A}"/>
               </a:ext>
             </a:extLst>
           </p:cNvPr>
@@ -4635,7 +5071,7 @@
           <p:cNvPr id="3" name="Date Placeholder 2">
             <a:extLst>
               <a:ext uri="{FF2B5EF4-FFF2-40B4-BE49-F238E27FC236}">
-                <a16:creationId xmlns="" xmlns:a16="http://schemas.microsoft.com/office/drawing/2014/main" id="{2A947BAA-8D6D-4FB7-BFE4-0E0F19F80DA4}"/>
+                <a16:creationId xmlns:a16="http://schemas.microsoft.com/office/drawing/2014/main" xmlns="" id="{2A947BAA-8D6D-4FB7-BFE4-0E0F19F80DA4}"/>
               </a:ext>
             </a:extLst>
           </p:cNvPr>
@@ -4664,7 +5100,7 @@
           <p:cNvPr id="4" name="Footer Placeholder 3">
             <a:extLst>
               <a:ext uri="{FF2B5EF4-FFF2-40B4-BE49-F238E27FC236}">
-                <a16:creationId xmlns="" xmlns:a16="http://schemas.microsoft.com/office/drawing/2014/main" id="{83870DE4-5341-4476-ADB6-7A1A38439F3F}"/>
+                <a16:creationId xmlns:a16="http://schemas.microsoft.com/office/drawing/2014/main" xmlns="" id="{83870DE4-5341-4476-ADB6-7A1A38439F3F}"/>
               </a:ext>
             </a:extLst>
           </p:cNvPr>
@@ -4689,7 +5125,7 @@
           <p:cNvPr id="5" name="Slide Number Placeholder 4">
             <a:extLst>
               <a:ext uri="{FF2B5EF4-FFF2-40B4-BE49-F238E27FC236}">
-                <a16:creationId xmlns="" xmlns:a16="http://schemas.microsoft.com/office/drawing/2014/main" id="{01659951-9816-45B7-9331-AE0B6D49667E}"/>
+                <a16:creationId xmlns:a16="http://schemas.microsoft.com/office/drawing/2014/main" xmlns="" id="{01659951-9816-45B7-9331-AE0B6D49667E}"/>
               </a:ext>
             </a:extLst>
           </p:cNvPr>
@@ -4748,7 +5184,7 @@
           <p:cNvPr id="2" name="Date Placeholder 1">
             <a:extLst>
               <a:ext uri="{FF2B5EF4-FFF2-40B4-BE49-F238E27FC236}">
-                <a16:creationId xmlns="" xmlns:a16="http://schemas.microsoft.com/office/drawing/2014/main" id="{E8D4CDE2-EAC7-45C0-AA19-B73ADD84F7A3}"/>
+                <a16:creationId xmlns:a16="http://schemas.microsoft.com/office/drawing/2014/main" xmlns="" id="{E8D4CDE2-EAC7-45C0-AA19-B73ADD84F7A3}"/>
               </a:ext>
             </a:extLst>
           </p:cNvPr>
@@ -4777,7 +5213,7 @@
           <p:cNvPr id="3" name="Footer Placeholder 2">
             <a:extLst>
               <a:ext uri="{FF2B5EF4-FFF2-40B4-BE49-F238E27FC236}">
-                <a16:creationId xmlns="" xmlns:a16="http://schemas.microsoft.com/office/drawing/2014/main" id="{B7D79954-936C-403B-A630-53CFCAC04AD3}"/>
+                <a16:creationId xmlns:a16="http://schemas.microsoft.com/office/drawing/2014/main" xmlns="" id="{B7D79954-936C-403B-A630-53CFCAC04AD3}"/>
               </a:ext>
             </a:extLst>
           </p:cNvPr>
@@ -4802,7 +5238,7 @@
           <p:cNvPr id="4" name="Slide Number Placeholder 3">
             <a:extLst>
               <a:ext uri="{FF2B5EF4-FFF2-40B4-BE49-F238E27FC236}">
-                <a16:creationId xmlns="" xmlns:a16="http://schemas.microsoft.com/office/drawing/2014/main" id="{22DB6F29-F44B-49AD-A4EC-269AB4BBA850}"/>
+                <a16:creationId xmlns:a16="http://schemas.microsoft.com/office/drawing/2014/main" xmlns="" id="{22DB6F29-F44B-49AD-A4EC-269AB4BBA850}"/>
               </a:ext>
             </a:extLst>
           </p:cNvPr>
@@ -4861,7 +5297,7 @@
           <p:cNvPr id="2" name="Title 1">
             <a:extLst>
               <a:ext uri="{FF2B5EF4-FFF2-40B4-BE49-F238E27FC236}">
-                <a16:creationId xmlns="" xmlns:a16="http://schemas.microsoft.com/office/drawing/2014/main" id="{AA5444F8-F305-4890-8A3C-81F4BE773F36}"/>
+                <a16:creationId xmlns:a16="http://schemas.microsoft.com/office/drawing/2014/main" xmlns="" id="{AA5444F8-F305-4890-8A3C-81F4BE773F36}"/>
               </a:ext>
             </a:extLst>
           </p:cNvPr>
@@ -4898,7 +5334,7 @@
           <p:cNvPr id="3" name="Content Placeholder 2">
             <a:extLst>
               <a:ext uri="{FF2B5EF4-FFF2-40B4-BE49-F238E27FC236}">
-                <a16:creationId xmlns="" xmlns:a16="http://schemas.microsoft.com/office/drawing/2014/main" id="{86557835-74AE-4613-B3C9-B83E7FB7B83A}"/>
+                <a16:creationId xmlns:a16="http://schemas.microsoft.com/office/drawing/2014/main" xmlns="" id="{86557835-74AE-4613-B3C9-B83E7FB7B83A}"/>
               </a:ext>
             </a:extLst>
           </p:cNvPr>
@@ -4988,7 +5424,7 @@
           <p:cNvPr id="4" name="Text Placeholder 3">
             <a:extLst>
               <a:ext uri="{FF2B5EF4-FFF2-40B4-BE49-F238E27FC236}">
-                <a16:creationId xmlns="" xmlns:a16="http://schemas.microsoft.com/office/drawing/2014/main" id="{E99C5B36-8640-468E-AC26-E8F69C2A014F}"/>
+                <a16:creationId xmlns:a16="http://schemas.microsoft.com/office/drawing/2014/main" xmlns="" id="{E99C5B36-8640-468E-AC26-E8F69C2A014F}"/>
               </a:ext>
             </a:extLst>
           </p:cNvPr>
@@ -5059,7 +5495,7 @@
           <p:cNvPr id="5" name="Date Placeholder 4">
             <a:extLst>
               <a:ext uri="{FF2B5EF4-FFF2-40B4-BE49-F238E27FC236}">
-                <a16:creationId xmlns="" xmlns:a16="http://schemas.microsoft.com/office/drawing/2014/main" id="{236E5843-5145-4CB8-9530-7DEBFC4B6DF7}"/>
+                <a16:creationId xmlns:a16="http://schemas.microsoft.com/office/drawing/2014/main" xmlns="" id="{236E5843-5145-4CB8-9530-7DEBFC4B6DF7}"/>
               </a:ext>
             </a:extLst>
           </p:cNvPr>
@@ -5088,7 +5524,7 @@
           <p:cNvPr id="6" name="Footer Placeholder 5">
             <a:extLst>
               <a:ext uri="{FF2B5EF4-FFF2-40B4-BE49-F238E27FC236}">
-                <a16:creationId xmlns="" xmlns:a16="http://schemas.microsoft.com/office/drawing/2014/main" id="{52B2297B-FEE5-4EB0-B278-5E175F07E004}"/>
+                <a16:creationId xmlns:a16="http://schemas.microsoft.com/office/drawing/2014/main" xmlns="" id="{52B2297B-FEE5-4EB0-B278-5E175F07E004}"/>
               </a:ext>
             </a:extLst>
           </p:cNvPr>
@@ -5113,7 +5549,7 @@
           <p:cNvPr id="7" name="Slide Number Placeholder 6">
             <a:extLst>
               <a:ext uri="{FF2B5EF4-FFF2-40B4-BE49-F238E27FC236}">
-                <a16:creationId xmlns="" xmlns:a16="http://schemas.microsoft.com/office/drawing/2014/main" id="{5DF13754-EFE8-4937-BB5A-9EDE4F7B893E}"/>
+                <a16:creationId xmlns:a16="http://schemas.microsoft.com/office/drawing/2014/main" xmlns="" id="{5DF13754-EFE8-4937-BB5A-9EDE4F7B893E}"/>
               </a:ext>
             </a:extLst>
           </p:cNvPr>
@@ -5172,7 +5608,7 @@
           <p:cNvPr id="2" name="Title 1">
             <a:extLst>
               <a:ext uri="{FF2B5EF4-FFF2-40B4-BE49-F238E27FC236}">
-                <a16:creationId xmlns="" xmlns:a16="http://schemas.microsoft.com/office/drawing/2014/main" id="{26D7812D-1F21-4D25-8AD3-2F4F5AB9B6D7}"/>
+                <a16:creationId xmlns:a16="http://schemas.microsoft.com/office/drawing/2014/main" xmlns="" id="{26D7812D-1F21-4D25-8AD3-2F4F5AB9B6D7}"/>
               </a:ext>
             </a:extLst>
           </p:cNvPr>
@@ -5209,7 +5645,7 @@
           <p:cNvPr id="3" name="Picture Placeholder 2">
             <a:extLst>
               <a:ext uri="{FF2B5EF4-FFF2-40B4-BE49-F238E27FC236}">
-                <a16:creationId xmlns="" xmlns:a16="http://schemas.microsoft.com/office/drawing/2014/main" id="{1C8C4CA6-D636-45BE-B38C-F18CFEBF503E}"/>
+                <a16:creationId xmlns:a16="http://schemas.microsoft.com/office/drawing/2014/main" xmlns="" id="{1C8C4CA6-D636-45BE-B38C-F18CFEBF503E}"/>
               </a:ext>
             </a:extLst>
           </p:cNvPr>
@@ -5276,7 +5712,7 @@
           <p:cNvPr id="4" name="Text Placeholder 3">
             <a:extLst>
               <a:ext uri="{FF2B5EF4-FFF2-40B4-BE49-F238E27FC236}">
-                <a16:creationId xmlns="" xmlns:a16="http://schemas.microsoft.com/office/drawing/2014/main" id="{785F0FF9-2DF6-4E7F-8077-72D5ED9EC521}"/>
+                <a16:creationId xmlns:a16="http://schemas.microsoft.com/office/drawing/2014/main" xmlns="" id="{785F0FF9-2DF6-4E7F-8077-72D5ED9EC521}"/>
               </a:ext>
             </a:extLst>
           </p:cNvPr>
@@ -5347,7 +5783,7 @@
           <p:cNvPr id="5" name="Date Placeholder 4">
             <a:extLst>
               <a:ext uri="{FF2B5EF4-FFF2-40B4-BE49-F238E27FC236}">
-                <a16:creationId xmlns="" xmlns:a16="http://schemas.microsoft.com/office/drawing/2014/main" id="{7299BEB2-2537-4098-86A1-2B03FDE956C5}"/>
+                <a16:creationId xmlns:a16="http://schemas.microsoft.com/office/drawing/2014/main" xmlns="" id="{7299BEB2-2537-4098-86A1-2B03FDE956C5}"/>
               </a:ext>
             </a:extLst>
           </p:cNvPr>
@@ -5376,7 +5812,7 @@
           <p:cNvPr id="6" name="Footer Placeholder 5">
             <a:extLst>
               <a:ext uri="{FF2B5EF4-FFF2-40B4-BE49-F238E27FC236}">
-                <a16:creationId xmlns="" xmlns:a16="http://schemas.microsoft.com/office/drawing/2014/main" id="{33516CF6-8E29-4060-95B6-9165BCBC1900}"/>
+                <a16:creationId xmlns:a16="http://schemas.microsoft.com/office/drawing/2014/main" xmlns="" id="{33516CF6-8E29-4060-95B6-9165BCBC1900}"/>
               </a:ext>
             </a:extLst>
           </p:cNvPr>
@@ -5401,7 +5837,7 @@
           <p:cNvPr id="7" name="Slide Number Placeholder 6">
             <a:extLst>
               <a:ext uri="{FF2B5EF4-FFF2-40B4-BE49-F238E27FC236}">
-                <a16:creationId xmlns="" xmlns:a16="http://schemas.microsoft.com/office/drawing/2014/main" id="{FCC780A1-7F33-4FB2-95A0-C709596E05BD}"/>
+                <a16:creationId xmlns:a16="http://schemas.microsoft.com/office/drawing/2014/main" xmlns="" id="{FCC780A1-7F33-4FB2-95A0-C709596E05BD}"/>
               </a:ext>
             </a:extLst>
           </p:cNvPr>
@@ -5465,7 +5901,7 @@
           <p:cNvPr id="2" name="Title Placeholder 1">
             <a:extLst>
               <a:ext uri="{FF2B5EF4-FFF2-40B4-BE49-F238E27FC236}">
-                <a16:creationId xmlns="" xmlns:a16="http://schemas.microsoft.com/office/drawing/2014/main" id="{4653846A-86F2-48A0-A076-110FE1AFDBD8}"/>
+                <a16:creationId xmlns:a16="http://schemas.microsoft.com/office/drawing/2014/main" xmlns="" id="{4653846A-86F2-48A0-A076-110FE1AFDBD8}"/>
               </a:ext>
             </a:extLst>
           </p:cNvPr>
@@ -5503,7 +5939,7 @@
           <p:cNvPr id="3" name="Text Placeholder 2">
             <a:extLst>
               <a:ext uri="{FF2B5EF4-FFF2-40B4-BE49-F238E27FC236}">
-                <a16:creationId xmlns="" xmlns:a16="http://schemas.microsoft.com/office/drawing/2014/main" id="{FBFFDF31-4D74-47BD-9F48-C8643F55822B}"/>
+                <a16:creationId xmlns:a16="http://schemas.microsoft.com/office/drawing/2014/main" xmlns="" id="{FBFFDF31-4D74-47BD-9F48-C8643F55822B}"/>
               </a:ext>
             </a:extLst>
           </p:cNvPr>
@@ -5570,7 +6006,7 @@
           <p:cNvPr id="4" name="Date Placeholder 3">
             <a:extLst>
               <a:ext uri="{FF2B5EF4-FFF2-40B4-BE49-F238E27FC236}">
-                <a16:creationId xmlns="" xmlns:a16="http://schemas.microsoft.com/office/drawing/2014/main" id="{9EB4E7F1-BDBE-4F10-A01C-73E316C72D80}"/>
+                <a16:creationId xmlns:a16="http://schemas.microsoft.com/office/drawing/2014/main" xmlns="" id="{9EB4E7F1-BDBE-4F10-A01C-73E316C72D80}"/>
               </a:ext>
             </a:extLst>
           </p:cNvPr>
@@ -5617,7 +6053,7 @@
           <p:cNvPr id="5" name="Footer Placeholder 4">
             <a:extLst>
               <a:ext uri="{FF2B5EF4-FFF2-40B4-BE49-F238E27FC236}">
-                <a16:creationId xmlns="" xmlns:a16="http://schemas.microsoft.com/office/drawing/2014/main" id="{25D4A8EE-E657-4193-95E5-02B89EAA59B0}"/>
+                <a16:creationId xmlns:a16="http://schemas.microsoft.com/office/drawing/2014/main" xmlns="" id="{25D4A8EE-E657-4193-95E5-02B89EAA59B0}"/>
               </a:ext>
             </a:extLst>
           </p:cNvPr>
@@ -5660,7 +6096,7 @@
           <p:cNvPr id="6" name="Slide Number Placeholder 5">
             <a:extLst>
               <a:ext uri="{FF2B5EF4-FFF2-40B4-BE49-F238E27FC236}">
-                <a16:creationId xmlns="" xmlns:a16="http://schemas.microsoft.com/office/drawing/2014/main" id="{B4944946-F262-401A-91F4-DE67AE6E5904}"/>
+                <a16:creationId xmlns:a16="http://schemas.microsoft.com/office/drawing/2014/main" xmlns="" id="{B4944946-F262-401A-91F4-DE67AE6E5904}"/>
               </a:ext>
             </a:extLst>
           </p:cNvPr>
@@ -6028,7 +6464,7 @@
           <p:cNvPr id="2" name="Title 1">
             <a:extLst>
               <a:ext uri="{FF2B5EF4-FFF2-40B4-BE49-F238E27FC236}">
-                <a16:creationId xmlns="" xmlns:a16="http://schemas.microsoft.com/office/drawing/2014/main" id="{78FD68DA-43BA-4508-8DE2-BA9BB7B2FA5B}"/>
+                <a16:creationId xmlns:a16="http://schemas.microsoft.com/office/drawing/2014/main" xmlns="" id="{78FD68DA-43BA-4508-8DE2-BA9BB7B2FA5B}"/>
               </a:ext>
             </a:extLst>
           </p:cNvPr>
@@ -6064,7 +6500,7 @@
           <p:cNvPr id="3" name="Subtitle 2">
             <a:extLst>
               <a:ext uri="{FF2B5EF4-FFF2-40B4-BE49-F238E27FC236}">
-                <a16:creationId xmlns="" xmlns:a16="http://schemas.microsoft.com/office/drawing/2014/main" id="{A8E9CFF2-3777-4FF4-A759-8491175B0B7C}"/>
+                <a16:creationId xmlns:a16="http://schemas.microsoft.com/office/drawing/2014/main" xmlns="" id="{A8E9CFF2-3777-4FF4-A759-8491175B0B7C}"/>
               </a:ext>
             </a:extLst>
           </p:cNvPr>
@@ -6107,7 +6543,7 @@
           <p:cNvPr id="5" name="Picture 4" descr="A picture containing building, sitting, bench, side&#10;&#10;Description automatically generated">
             <a:extLst>
               <a:ext uri="{FF2B5EF4-FFF2-40B4-BE49-F238E27FC236}">
-                <a16:creationId xmlns="" xmlns:a16="http://schemas.microsoft.com/office/drawing/2014/main" id="{282CF6DD-7FE8-4063-9551-1B7BBCE92ABE}"/>
+                <a16:creationId xmlns:a16="http://schemas.microsoft.com/office/drawing/2014/main" xmlns="" id="{282CF6DD-7FE8-4063-9551-1B7BBCE92ABE}"/>
               </a:ext>
             </a:extLst>
           </p:cNvPr>
@@ -6172,7 +6608,7 @@
           <p:cNvPr id="2" name="Title 1">
             <a:extLst>
               <a:ext uri="{FF2B5EF4-FFF2-40B4-BE49-F238E27FC236}">
-                <a16:creationId xmlns="" xmlns:a16="http://schemas.microsoft.com/office/drawing/2014/main" id="{1AEFE4C2-9ED5-4000-BF06-0B80F4B6F24F}"/>
+                <a16:creationId xmlns:a16="http://schemas.microsoft.com/office/drawing/2014/main" xmlns="" id="{1AEFE4C2-9ED5-4000-BF06-0B80F4B6F24F}"/>
               </a:ext>
             </a:extLst>
           </p:cNvPr>
@@ -6200,7 +6636,7 @@
           <p:cNvPr id="44" name="Content Placeholder 43">
             <a:extLst>
               <a:ext uri="{FF2B5EF4-FFF2-40B4-BE49-F238E27FC236}">
-                <a16:creationId xmlns="" xmlns:a16="http://schemas.microsoft.com/office/drawing/2014/main" id="{0A8127B2-61B3-4A1A-BDAF-9A27FC94BBED}"/>
+                <a16:creationId xmlns:a16="http://schemas.microsoft.com/office/drawing/2014/main" xmlns="" id="{0A8127B2-61B3-4A1A-BDAF-9A27FC94BBED}"/>
               </a:ext>
             </a:extLst>
           </p:cNvPr>
@@ -6261,7 +6697,7 @@
           <p:cNvPr id="2" name="Title 1">
             <a:extLst>
               <a:ext uri="{FF2B5EF4-FFF2-40B4-BE49-F238E27FC236}">
-                <a16:creationId xmlns="" xmlns:a16="http://schemas.microsoft.com/office/drawing/2014/main" id="{A3D90280-2EF3-48F3-A385-FB7886418254}"/>
+                <a16:creationId xmlns:a16="http://schemas.microsoft.com/office/drawing/2014/main" xmlns="" id="{A3D90280-2EF3-48F3-A385-FB7886418254}"/>
               </a:ext>
             </a:extLst>
           </p:cNvPr>
@@ -6294,7 +6730,7 @@
           <p:cNvPr id="3" name="Content Placeholder 2">
             <a:extLst>
               <a:ext uri="{FF2B5EF4-FFF2-40B4-BE49-F238E27FC236}">
-                <a16:creationId xmlns="" xmlns:a16="http://schemas.microsoft.com/office/drawing/2014/main" id="{67434BC2-1534-4591-8FD9-C0574D17CEFF}"/>
+                <a16:creationId xmlns:a16="http://schemas.microsoft.com/office/drawing/2014/main" xmlns="" id="{67434BC2-1534-4591-8FD9-C0574D17CEFF}"/>
               </a:ext>
             </a:extLst>
           </p:cNvPr>
@@ -6405,7 +6841,7 @@
           <p:cNvPr id="2" name="Title 1">
             <a:extLst>
               <a:ext uri="{FF2B5EF4-FFF2-40B4-BE49-F238E27FC236}">
-                <a16:creationId xmlns="" xmlns:a16="http://schemas.microsoft.com/office/drawing/2014/main" id="{DED2EC7D-FB3C-42CE-8B2B-ED4DD6FAABC5}"/>
+                <a16:creationId xmlns:a16="http://schemas.microsoft.com/office/drawing/2014/main" xmlns="" id="{DED2EC7D-FB3C-42CE-8B2B-ED4DD6FAABC5}"/>
               </a:ext>
             </a:extLst>
           </p:cNvPr>
@@ -6433,7 +6869,7 @@
           <p:cNvPr id="3" name="Content Placeholder 2">
             <a:extLst>
               <a:ext uri="{FF2B5EF4-FFF2-40B4-BE49-F238E27FC236}">
-                <a16:creationId xmlns="" xmlns:a16="http://schemas.microsoft.com/office/drawing/2014/main" id="{D8A54030-EF5F-4748-A7EA-C95A2CF82F76}"/>
+                <a16:creationId xmlns:a16="http://schemas.microsoft.com/office/drawing/2014/main" xmlns="" id="{D8A54030-EF5F-4748-A7EA-C95A2CF82F76}"/>
               </a:ext>
             </a:extLst>
           </p:cNvPr>
@@ -6537,7 +6973,7 @@
           <p:cNvPr id="2" name="Title 1">
             <a:extLst>
               <a:ext uri="{FF2B5EF4-FFF2-40B4-BE49-F238E27FC236}">
-                <a16:creationId xmlns="" xmlns:a16="http://schemas.microsoft.com/office/drawing/2014/main" id="{C6D24CA7-2E20-4A0C-9F64-77A6091DEE62}"/>
+                <a16:creationId xmlns:a16="http://schemas.microsoft.com/office/drawing/2014/main" xmlns="" id="{C6D24CA7-2E20-4A0C-9F64-77A6091DEE62}"/>
               </a:ext>
             </a:extLst>
           </p:cNvPr>
@@ -7751,7 +8187,7 @@
           <p:cNvPr id="2" name="Title 1">
             <a:extLst>
               <a:ext uri="{FF2B5EF4-FFF2-40B4-BE49-F238E27FC236}">
-                <a16:creationId xmlns="" xmlns:a16="http://schemas.microsoft.com/office/drawing/2014/main" id="{79E65A62-C5FB-431E-B862-461D341E5983}"/>
+                <a16:creationId xmlns:a16="http://schemas.microsoft.com/office/drawing/2014/main" xmlns="" id="{79E65A62-C5FB-431E-B862-461D341E5983}"/>
               </a:ext>
             </a:extLst>
           </p:cNvPr>
@@ -7845,7 +8281,7 @@
           <p:cNvPr id="2" name="Title 1">
             <a:extLst>
               <a:ext uri="{FF2B5EF4-FFF2-40B4-BE49-F238E27FC236}">
-                <a16:creationId xmlns="" xmlns:a16="http://schemas.microsoft.com/office/drawing/2014/main" id="{C312DCD3-A96E-4302-AACC-82ADF7558357}"/>
+                <a16:creationId xmlns:a16="http://schemas.microsoft.com/office/drawing/2014/main" xmlns="" id="{C312DCD3-A96E-4302-AACC-82ADF7558357}"/>
               </a:ext>
             </a:extLst>
           </p:cNvPr>
@@ -7873,7 +8309,7 @@
           <p:cNvPr id="3" name="Content Placeholder 2">
             <a:extLst>
               <a:ext uri="{FF2B5EF4-FFF2-40B4-BE49-F238E27FC236}">
-                <a16:creationId xmlns="" xmlns:a16="http://schemas.microsoft.com/office/drawing/2014/main" id="{A686377E-288B-4E0D-8E13-61E84A3C29D0}"/>
+                <a16:creationId xmlns:a16="http://schemas.microsoft.com/office/drawing/2014/main" xmlns="" id="{A686377E-288B-4E0D-8E13-61E84A3C29D0}"/>
               </a:ext>
             </a:extLst>
           </p:cNvPr>
@@ -7990,7 +8426,7 @@
           <p:cNvPr id="3" name="Subtitle 2">
             <a:extLst>
               <a:ext uri="{FF2B5EF4-FFF2-40B4-BE49-F238E27FC236}">
-                <a16:creationId xmlns="" xmlns:a16="http://schemas.microsoft.com/office/drawing/2014/main" id="{0491E7B6-C738-4E38-934D-4ADF7B4F25A8}"/>
+                <a16:creationId xmlns:a16="http://schemas.microsoft.com/office/drawing/2014/main" xmlns="" id="{0491E7B6-C738-4E38-934D-4ADF7B4F25A8}"/>
               </a:ext>
             </a:extLst>
           </p:cNvPr>
@@ -8169,7 +8605,7 @@
           <p:cNvPr id="2" name="Title 1">
             <a:extLst>
               <a:ext uri="{FF2B5EF4-FFF2-40B4-BE49-F238E27FC236}">
-                <a16:creationId xmlns="" xmlns:a16="http://schemas.microsoft.com/office/drawing/2014/main" id="{5D97B85C-D385-4447-8C64-08FCE36F92EE}"/>
+                <a16:creationId xmlns:a16="http://schemas.microsoft.com/office/drawing/2014/main" xmlns="" id="{5D97B85C-D385-4447-8C64-08FCE36F92EE}"/>
               </a:ext>
             </a:extLst>
           </p:cNvPr>
@@ -8197,7 +8633,7 @@
           <p:cNvPr id="3" name="Content Placeholder 2">
             <a:extLst>
               <a:ext uri="{FF2B5EF4-FFF2-40B4-BE49-F238E27FC236}">
-                <a16:creationId xmlns="" xmlns:a16="http://schemas.microsoft.com/office/drawing/2014/main" id="{6597500A-BA87-4425-9F10-02CEDA1B675D}"/>
+                <a16:creationId xmlns:a16="http://schemas.microsoft.com/office/drawing/2014/main" xmlns="" id="{6597500A-BA87-4425-9F10-02CEDA1B675D}"/>
               </a:ext>
             </a:extLst>
           </p:cNvPr>
@@ -8278,7 +8714,7 @@
           <p:cNvPr id="2" name="Title 1">
             <a:extLst>
               <a:ext uri="{FF2B5EF4-FFF2-40B4-BE49-F238E27FC236}">
-                <a16:creationId xmlns="" xmlns:a16="http://schemas.microsoft.com/office/drawing/2014/main" id="{6FEC3F22-8B15-4466-96D5-3CF8F1FF9F4C}"/>
+                <a16:creationId xmlns:a16="http://schemas.microsoft.com/office/drawing/2014/main" xmlns="" id="{6FEC3F22-8B15-4466-96D5-3CF8F1FF9F4C}"/>
               </a:ext>
             </a:extLst>
           </p:cNvPr>
@@ -8306,7 +8742,7 @@
           <p:cNvPr id="3" name="Content Placeholder 2">
             <a:extLst>
               <a:ext uri="{FF2B5EF4-FFF2-40B4-BE49-F238E27FC236}">
-                <a16:creationId xmlns="" xmlns:a16="http://schemas.microsoft.com/office/drawing/2014/main" id="{3C217D7B-52B8-4779-AE2F-93D29A46AE16}"/>
+                <a16:creationId xmlns:a16="http://schemas.microsoft.com/office/drawing/2014/main" xmlns="" id="{3C217D7B-52B8-4779-AE2F-93D29A46AE16}"/>
               </a:ext>
             </a:extLst>
           </p:cNvPr>
@@ -8376,7 +8812,7 @@
           <p:cNvPr id="2" name="Title 1">
             <a:extLst>
               <a:ext uri="{FF2B5EF4-FFF2-40B4-BE49-F238E27FC236}">
-                <a16:creationId xmlns="" xmlns:a16="http://schemas.microsoft.com/office/drawing/2014/main" id="{BAF51D18-8BAF-400D-A965-98950209E8E5}"/>
+                <a16:creationId xmlns:a16="http://schemas.microsoft.com/office/drawing/2014/main" xmlns="" id="{BAF51D18-8BAF-400D-A965-98950209E8E5}"/>
               </a:ext>
             </a:extLst>
           </p:cNvPr>
@@ -8404,7 +8840,7 @@
           <p:cNvPr id="3" name="Content Placeholder 2">
             <a:extLst>
               <a:ext uri="{FF2B5EF4-FFF2-40B4-BE49-F238E27FC236}">
-                <a16:creationId xmlns="" xmlns:a16="http://schemas.microsoft.com/office/drawing/2014/main" id="{A5DF8413-ACA4-4184-B1CB-504921689A29}"/>
+                <a16:creationId xmlns:a16="http://schemas.microsoft.com/office/drawing/2014/main" xmlns="" id="{A5DF8413-ACA4-4184-B1CB-504921689A29}"/>
               </a:ext>
             </a:extLst>
           </p:cNvPr>
@@ -8493,7 +8929,7 @@
           <p:cNvPr id="2" name="Title 1">
             <a:extLst>
               <a:ext uri="{FF2B5EF4-FFF2-40B4-BE49-F238E27FC236}">
-                <a16:creationId xmlns="" xmlns:a16="http://schemas.microsoft.com/office/drawing/2014/main" id="{2659340A-85FA-44B4-A7C6-61B4FE39900E}"/>
+                <a16:creationId xmlns:a16="http://schemas.microsoft.com/office/drawing/2014/main" xmlns="" id="{2659340A-85FA-44B4-A7C6-61B4FE39900E}"/>
               </a:ext>
             </a:extLst>
           </p:cNvPr>
@@ -8521,7 +8957,7 @@
           <p:cNvPr id="4" name="Table 4">
             <a:extLst>
               <a:ext uri="{FF2B5EF4-FFF2-40B4-BE49-F238E27FC236}">
-                <a16:creationId xmlns="" xmlns:a16="http://schemas.microsoft.com/office/drawing/2014/main" id="{5ADF95A4-239B-47BC-AB79-B90C26415251}"/>
+                <a16:creationId xmlns:a16="http://schemas.microsoft.com/office/drawing/2014/main" xmlns="" id="{5ADF95A4-239B-47BC-AB79-B90C26415251}"/>
               </a:ext>
             </a:extLst>
           </p:cNvPr>
@@ -8532,7 +8968,7 @@
             <p:ph idx="1"/>
             <p:extLst>
               <p:ext uri="{D42A27DB-BD31-4B8C-83A1-F6EECF244321}">
-                <p14:modId xmlns:p14="http://schemas.microsoft.com/office/powerpoint/2010/main" val="837745731"/>
+                <p14:modId xmlns:p14="http://schemas.microsoft.com/office/powerpoint/2010/main" val="1277783472"/>
               </p:ext>
             </p:extLst>
           </p:nvPr>
@@ -8551,14 +8987,14 @@
                 <a:gridCol w="2311416">
                   <a:extLst>
                     <a:ext uri="{9D8B030D-6E8A-4147-A177-3AD203B41FA5}">
-                      <a16:colId xmlns="" xmlns:a16="http://schemas.microsoft.com/office/drawing/2014/main" val="2556204690"/>
+                      <a16:colId xmlns:a16="http://schemas.microsoft.com/office/drawing/2014/main" xmlns="" val="2556204690"/>
                     </a:ext>
                   </a:extLst>
                 </a:gridCol>
                 <a:gridCol w="7937484">
                   <a:extLst>
                     <a:ext uri="{9D8B030D-6E8A-4147-A177-3AD203B41FA5}">
-                      <a16:colId xmlns="" xmlns:a16="http://schemas.microsoft.com/office/drawing/2014/main" val="1728797356"/>
+                      <a16:colId xmlns:a16="http://schemas.microsoft.com/office/drawing/2014/main" xmlns="" val="1728797356"/>
                     </a:ext>
                   </a:extLst>
                 </a:gridCol>
@@ -8592,7 +9028,7 @@
                 </a:tc>
                 <a:extLst>
                   <a:ext uri="{0D108BD9-81ED-4DB2-BD59-A6C34878D82A}">
-                    <a16:rowId xmlns="" xmlns:a16="http://schemas.microsoft.com/office/drawing/2014/main" val="3792044333"/>
+                    <a16:rowId xmlns:a16="http://schemas.microsoft.com/office/drawing/2014/main" xmlns="" val="3792044333"/>
                   </a:ext>
                 </a:extLst>
               </a:tr>
@@ -8642,7 +9078,7 @@
                 </a:tc>
                 <a:extLst>
                   <a:ext uri="{0D108BD9-81ED-4DB2-BD59-A6C34878D82A}">
-                    <a16:rowId xmlns="" xmlns:a16="http://schemas.microsoft.com/office/drawing/2014/main" val="1133442547"/>
+                    <a16:rowId xmlns:a16="http://schemas.microsoft.com/office/drawing/2014/main" xmlns="" val="1133442547"/>
                   </a:ext>
                 </a:extLst>
               </a:tr>
@@ -8653,7 +9089,7 @@
                     <a:lstStyle/>
                     <a:p>
                       <a:r>
-                        <a:rPr lang="en-US" sz="1800" b="0" i="0" kern="1200" dirty="0">
+                        <a:rPr lang="en-US" sz="1800" kern="1200" dirty="0" smtClean="0">
                           <a:solidFill>
                             <a:schemeClr val="dk1"/>
                           </a:solidFill>
@@ -8662,7 +9098,7 @@
                           <a:ea typeface="+mn-ea"/>
                           <a:cs typeface="+mn-cs"/>
                         </a:rPr>
-                        <a:t>COMP_ORIG_YR4_RT</a:t>
+                        <a:t>COMPL_RPY_1YR_RT </a:t>
                       </a:r>
                       <a:endParaRPr lang="en-US" dirty="0"/>
                     </a:p>
@@ -8675,15 +9111,16 @@
                     <a:lstStyle/>
                     <a:p>
                       <a:r>
-                        <a:rPr lang="en-US" sz="1800" b="0" i="0" u="none" strike="noStrike" kern="1200" baseline="0" dirty="0">
+                        <a:rPr lang="en-US" sz="1800" kern="1200" dirty="0" smtClean="0">
                           <a:solidFill>
                             <a:schemeClr val="dk1"/>
                           </a:solidFill>
+                          <a:effectLst/>
                           <a:latin typeface="+mn-lt"/>
                           <a:ea typeface="+mn-ea"/>
                           <a:cs typeface="+mn-cs"/>
                         </a:rPr>
-                        <a:t>Percent completed within 4 years at original institution</a:t>
+                        <a:t>One-year repayment rate for completers</a:t>
                       </a:r>
                       <a:endParaRPr lang="en-US" dirty="0"/>
                     </a:p>
@@ -8692,7 +9129,7 @@
                 </a:tc>
                 <a:extLst>
                   <a:ext uri="{0D108BD9-81ED-4DB2-BD59-A6C34878D82A}">
-                    <a16:rowId xmlns="" xmlns:a16="http://schemas.microsoft.com/office/drawing/2014/main" val="3089579431"/>
+                    <a16:rowId xmlns:a16="http://schemas.microsoft.com/office/drawing/2014/main" xmlns="" val="3089579431"/>
                   </a:ext>
                 </a:extLst>
               </a:tr>
@@ -8742,7 +9179,7 @@
                 </a:tc>
                 <a:extLst>
                   <a:ext uri="{0D108BD9-81ED-4DB2-BD59-A6C34878D82A}">
-                    <a16:rowId xmlns="" xmlns:a16="http://schemas.microsoft.com/office/drawing/2014/main" val="2944153996"/>
+                    <a16:rowId xmlns:a16="http://schemas.microsoft.com/office/drawing/2014/main" xmlns="" val="2944153996"/>
                   </a:ext>
                 </a:extLst>
               </a:tr>
@@ -8753,15 +9190,16 @@
                     <a:lstStyle/>
                     <a:p>
                       <a:r>
-                        <a:rPr lang="en-US" sz="1800" b="0" i="0" u="none" strike="noStrike" kern="1200" baseline="0" dirty="0">
+                        <a:rPr lang="en-US" sz="1800" kern="1200" dirty="0" smtClean="0">
                           <a:solidFill>
                             <a:schemeClr val="dk1"/>
                           </a:solidFill>
+                          <a:effectLst/>
                           <a:latin typeface="+mn-lt"/>
                           <a:ea typeface="+mn-ea"/>
                           <a:cs typeface="+mn-cs"/>
                         </a:rPr>
-                        <a:t>md_earn_wne_p10</a:t>
+                        <a:t>MD_EARN_WNE_P10</a:t>
                       </a:r>
                       <a:endParaRPr lang="en-US" dirty="0"/>
                     </a:p>
@@ -8792,7 +9230,7 @@
                 </a:tc>
                 <a:extLst>
                   <a:ext uri="{0D108BD9-81ED-4DB2-BD59-A6C34878D82A}">
-                    <a16:rowId xmlns="" xmlns:a16="http://schemas.microsoft.com/office/drawing/2014/main" val="1315504536"/>
+                    <a16:rowId xmlns:a16="http://schemas.microsoft.com/office/drawing/2014/main" xmlns="" val="1315504536"/>
                   </a:ext>
                 </a:extLst>
               </a:tr>
@@ -8843,7 +9281,7 @@
                 </a:tc>
                 <a:extLst>
                   <a:ext uri="{0D108BD9-81ED-4DB2-BD59-A6C34878D82A}">
-                    <a16:rowId xmlns="" xmlns:a16="http://schemas.microsoft.com/office/drawing/2014/main" val="2518857726"/>
+                    <a16:rowId xmlns:a16="http://schemas.microsoft.com/office/drawing/2014/main" xmlns="" val="2518857726"/>
                   </a:ext>
                 </a:extLst>
               </a:tr>
@@ -8894,7 +9332,7 @@
                 </a:tc>
                 <a:extLst>
                   <a:ext uri="{0D108BD9-81ED-4DB2-BD59-A6C34878D82A}">
-                    <a16:rowId xmlns="" xmlns:a16="http://schemas.microsoft.com/office/drawing/2014/main" val="4196000835"/>
+                    <a16:rowId xmlns:a16="http://schemas.microsoft.com/office/drawing/2014/main" xmlns="" val="4196000835"/>
                   </a:ext>
                 </a:extLst>
               </a:tr>
@@ -8945,7 +9383,7 @@
                 </a:tc>
                 <a:extLst>
                   <a:ext uri="{0D108BD9-81ED-4DB2-BD59-A6C34878D82A}">
-                    <a16:rowId xmlns="" xmlns:a16="http://schemas.microsoft.com/office/drawing/2014/main" val="1368942327"/>
+                    <a16:rowId xmlns:a16="http://schemas.microsoft.com/office/drawing/2014/main" xmlns="" val="1368942327"/>
                   </a:ext>
                 </a:extLst>
               </a:tr>
@@ -8995,7 +9433,7 @@
                 </a:tc>
                 <a:extLst>
                   <a:ext uri="{0D108BD9-81ED-4DB2-BD59-A6C34878D82A}">
-                    <a16:rowId xmlns="" xmlns:a16="http://schemas.microsoft.com/office/drawing/2014/main" val="2898101195"/>
+                    <a16:rowId xmlns:a16="http://schemas.microsoft.com/office/drawing/2014/main" xmlns="" val="2898101195"/>
                   </a:ext>
                 </a:extLst>
               </a:tr>
@@ -9046,7 +9484,7 @@
                 </a:tc>
                 <a:extLst>
                   <a:ext uri="{0D108BD9-81ED-4DB2-BD59-A6C34878D82A}">
-                    <a16:rowId xmlns="" xmlns:a16="http://schemas.microsoft.com/office/drawing/2014/main" val="1707008614"/>
+                    <a16:rowId xmlns:a16="http://schemas.microsoft.com/office/drawing/2014/main" xmlns="" val="1707008614"/>
                   </a:ext>
                 </a:extLst>
               </a:tr>
@@ -9097,7 +9535,7 @@
                 </a:tc>
                 <a:extLst>
                   <a:ext uri="{0D108BD9-81ED-4DB2-BD59-A6C34878D82A}">
-                    <a16:rowId xmlns="" xmlns:a16="http://schemas.microsoft.com/office/drawing/2014/main" val="2712609509"/>
+                    <a16:rowId xmlns:a16="http://schemas.microsoft.com/office/drawing/2014/main" xmlns="" val="2712609509"/>
                   </a:ext>
                 </a:extLst>
               </a:tr>
@@ -9148,7 +9586,7 @@
                 </a:tc>
                 <a:extLst>
                   <a:ext uri="{0D108BD9-81ED-4DB2-BD59-A6C34878D82A}">
-                    <a16:rowId xmlns="" xmlns:a16="http://schemas.microsoft.com/office/drawing/2014/main" val="2277428236"/>
+                    <a16:rowId xmlns:a16="http://schemas.microsoft.com/office/drawing/2014/main" xmlns="" val="2277428236"/>
                   </a:ext>
                 </a:extLst>
               </a:tr>
@@ -9191,7 +9629,7 @@
           <p:cNvPr id="2" name="Title 1">
             <a:extLst>
               <a:ext uri="{FF2B5EF4-FFF2-40B4-BE49-F238E27FC236}">
-                <a16:creationId xmlns="" xmlns:a16="http://schemas.microsoft.com/office/drawing/2014/main" id="{42890A3A-528A-4265-8BE8-AA801076FDDA}"/>
+                <a16:creationId xmlns:a16="http://schemas.microsoft.com/office/drawing/2014/main" xmlns="" id="{42890A3A-528A-4265-8BE8-AA801076FDDA}"/>
               </a:ext>
             </a:extLst>
           </p:cNvPr>
@@ -9219,7 +9657,7 @@
           <p:cNvPr id="11" name="Content Placeholder 3">
             <a:extLst>
               <a:ext uri="{FF2B5EF4-FFF2-40B4-BE49-F238E27FC236}">
-                <a16:creationId xmlns="" xmlns:a16="http://schemas.microsoft.com/office/drawing/2014/main" id="{D5A84EE7-D3F4-4850-BBC2-4613C248F974}"/>
+                <a16:creationId xmlns:a16="http://schemas.microsoft.com/office/drawing/2014/main" xmlns="" id="{D5A84EE7-D3F4-4850-BBC2-4613C248F974}"/>
               </a:ext>
             </a:extLst>
           </p:cNvPr>
@@ -9248,7 +9686,7 @@
           <p:cNvPr id="6" name="Content Placeholder 8">
             <a:extLst>
               <a:ext uri="{FF2B5EF4-FFF2-40B4-BE49-F238E27FC236}">
-                <a16:creationId xmlns="" xmlns:a16="http://schemas.microsoft.com/office/drawing/2014/main" id="{496C42B8-8E33-4EE5-85E6-A485161A92D3}"/>
+                <a16:creationId xmlns:a16="http://schemas.microsoft.com/office/drawing/2014/main" xmlns="" id="{496C42B8-8E33-4EE5-85E6-A485161A92D3}"/>
               </a:ext>
             </a:extLst>
           </p:cNvPr>
@@ -9310,7 +9748,7 @@
           <p:cNvPr id="2" name="Title 1">
             <a:extLst>
               <a:ext uri="{FF2B5EF4-FFF2-40B4-BE49-F238E27FC236}">
-                <a16:creationId xmlns="" xmlns:a16="http://schemas.microsoft.com/office/drawing/2014/main" id="{42890A3A-528A-4265-8BE8-AA801076FDDA}"/>
+                <a16:creationId xmlns:a16="http://schemas.microsoft.com/office/drawing/2014/main" xmlns="" id="{42890A3A-528A-4265-8BE8-AA801076FDDA}"/>
               </a:ext>
             </a:extLst>
           </p:cNvPr>
@@ -9338,7 +9776,7 @@
           <p:cNvPr id="8" name="Content Placeholder 7">
             <a:extLst>
               <a:ext uri="{FF2B5EF4-FFF2-40B4-BE49-F238E27FC236}">
-                <a16:creationId xmlns="" xmlns:a16="http://schemas.microsoft.com/office/drawing/2014/main" id="{5244B290-EE69-4E2F-9DF0-E96446C0148C}"/>
+                <a16:creationId xmlns:a16="http://schemas.microsoft.com/office/drawing/2014/main" xmlns="" id="{5244B290-EE69-4E2F-9DF0-E96446C0148C}"/>
               </a:ext>
             </a:extLst>
           </p:cNvPr>
@@ -9370,7 +9808,7 @@
           <p:cNvPr id="6" name="Content Placeholder 6">
             <a:extLst>
               <a:ext uri="{FF2B5EF4-FFF2-40B4-BE49-F238E27FC236}">
-                <a16:creationId xmlns="" xmlns:a16="http://schemas.microsoft.com/office/drawing/2014/main" id="{FFA0746F-CF5C-4A95-9BAC-4A111B96BD37}"/>
+                <a16:creationId xmlns:a16="http://schemas.microsoft.com/office/drawing/2014/main" xmlns="" id="{FFA0746F-CF5C-4A95-9BAC-4A111B96BD37}"/>
               </a:ext>
             </a:extLst>
           </p:cNvPr>
@@ -9432,7 +9870,7 @@
           <p:cNvPr id="2" name="Title 1">
             <a:extLst>
               <a:ext uri="{FF2B5EF4-FFF2-40B4-BE49-F238E27FC236}">
-                <a16:creationId xmlns="" xmlns:a16="http://schemas.microsoft.com/office/drawing/2014/main" id="{42890A3A-528A-4265-8BE8-AA801076FDDA}"/>
+                <a16:creationId xmlns:a16="http://schemas.microsoft.com/office/drawing/2014/main" xmlns="" id="{42890A3A-528A-4265-8BE8-AA801076FDDA}"/>
               </a:ext>
             </a:extLst>
           </p:cNvPr>
@@ -9460,7 +9898,7 @@
           <p:cNvPr id="8" name="Content Placeholder 7">
             <a:extLst>
               <a:ext uri="{FF2B5EF4-FFF2-40B4-BE49-F238E27FC236}">
-                <a16:creationId xmlns="" xmlns:a16="http://schemas.microsoft.com/office/drawing/2014/main" id="{FE55763A-FA9F-43CC-AF6F-A904BBC18DF5}"/>
+                <a16:creationId xmlns:a16="http://schemas.microsoft.com/office/drawing/2014/main" xmlns="" id="{FE55763A-FA9F-43CC-AF6F-A904BBC18DF5}"/>
               </a:ext>
             </a:extLst>
           </p:cNvPr>
@@ -9492,7 +9930,7 @@
           <p:cNvPr id="9" name="Content Placeholder 8">
             <a:extLst>
               <a:ext uri="{FF2B5EF4-FFF2-40B4-BE49-F238E27FC236}">
-                <a16:creationId xmlns="" xmlns:a16="http://schemas.microsoft.com/office/drawing/2014/main" id="{1F5CE2E8-01C0-486F-9CEC-19A40B9293D5}"/>
+                <a16:creationId xmlns:a16="http://schemas.microsoft.com/office/drawing/2014/main" xmlns="" id="{1F5CE2E8-01C0-486F-9CEC-19A40B9293D5}"/>
               </a:ext>
             </a:extLst>
           </p:cNvPr>
